--- a/assets/presentation/presentation.pptx
+++ b/assets/presentation/presentation.pptx
@@ -4,15 +4,22 @@
   <p:sldMasterIdLst>
     <p:sldMasterId id="2147483648" r:id="rId1"/>
   </p:sldMasterIdLst>
+  <p:notesMasterIdLst>
+    <p:notesMasterId r:id="rId14"/>
+  </p:notesMasterIdLst>
   <p:sldIdLst>
     <p:sldId id="256" r:id="rId2"/>
     <p:sldId id="257" r:id="rId3"/>
     <p:sldId id="258" r:id="rId4"/>
     <p:sldId id="259" r:id="rId5"/>
     <p:sldId id="260" r:id="rId6"/>
-    <p:sldId id="261" r:id="rId7"/>
-    <p:sldId id="262" r:id="rId8"/>
-    <p:sldId id="263" r:id="rId9"/>
+    <p:sldId id="264" r:id="rId7"/>
+    <p:sldId id="261" r:id="rId8"/>
+    <p:sldId id="262" r:id="rId9"/>
+    <p:sldId id="265" r:id="rId10"/>
+    <p:sldId id="263" r:id="rId11"/>
+    <p:sldId id="266" r:id="rId12"/>
+    <p:sldId id="267" r:id="rId13"/>
   </p:sldIdLst>
   <p:sldSz cx="12192000" cy="6858000"/>
   <p:notesSz cx="6858000" cy="9144000"/>
@@ -111,7 +118,1790 @@
       </a:defRPr>
     </a:lvl9pPr>
   </p:defaultTextStyle>
+  <p:extLst>
+    <p:ext uri="{EFAFB233-063F-42B5-8137-9DF3F51BA10A}">
+      <p15:sldGuideLst xmlns:p15="http://schemas.microsoft.com/office/powerpoint/2012/main"/>
+    </p:ext>
+  </p:extLst>
 </p:presentation>
+</file>
+
+<file path=ppt/revisionInfo.xml><?xml version="1.0" encoding="utf-8"?>
+<p1510:revInfo xmlns:a="http://schemas.openxmlformats.org/drawingml/2006/main" xmlns:r="http://schemas.openxmlformats.org/officeDocument/2006/relationships" xmlns:p1510="http://schemas.microsoft.com/office/powerpoint/2015/10/main">
+  <p1510:revLst>
+    <p1510:client id="{623C7595-0807-4756-B009-0666EFF873C9}" v="23" dt="2024-07-01T13:21:43.764"/>
+  </p1510:revLst>
+</p1510:revInfo>
+</file>
+
+<file path=ppt/changesInfos/changesInfo1.xml><?xml version="1.0" encoding="utf-8"?>
+<pc:chgInfo xmlns:a="http://schemas.openxmlformats.org/drawingml/2006/main" xmlns:r="http://schemas.openxmlformats.org/officeDocument/2006/relationships" xmlns:ac="http://schemas.microsoft.com/office/drawing/2013/main/command" xmlns:pc="http://schemas.microsoft.com/office/powerpoint/2013/main/command">
+  <pc:docChgLst>
+    <pc:chgData name="Nils Meierhöfer (nmeierho)" userId="8796c043-9576-4413-95f7-9c31543d4240" providerId="ADAL" clId="{623C7595-0807-4756-B009-0666EFF873C9}"/>
+    <pc:docChg chg="undo custSel addSld delSld modSld">
+      <pc:chgData name="Nils Meierhöfer (nmeierho)" userId="8796c043-9576-4413-95f7-9c31543d4240" providerId="ADAL" clId="{623C7595-0807-4756-B009-0666EFF873C9}" dt="2024-07-01T13:29:06.067" v="1955" actId="20577"/>
+      <pc:docMkLst>
+        <pc:docMk/>
+      </pc:docMkLst>
+      <pc:sldChg chg="modSp mod">
+        <pc:chgData name="Nils Meierhöfer (nmeierho)" userId="8796c043-9576-4413-95f7-9c31543d4240" providerId="ADAL" clId="{623C7595-0807-4756-B009-0666EFF873C9}" dt="2024-07-01T13:22:27.345" v="1618" actId="20577"/>
+        <pc:sldMkLst>
+          <pc:docMk/>
+          <pc:sldMk cId="2289889591" sldId="256"/>
+        </pc:sldMkLst>
+        <pc:spChg chg="mod">
+          <ac:chgData name="Nils Meierhöfer (nmeierho)" userId="8796c043-9576-4413-95f7-9c31543d4240" providerId="ADAL" clId="{623C7595-0807-4756-B009-0666EFF873C9}" dt="2024-07-01T13:17:23.830" v="1551" actId="20577"/>
+          <ac:spMkLst>
+            <pc:docMk/>
+            <pc:sldMk cId="2289889591" sldId="256"/>
+            <ac:spMk id="2" creationId="{53EE0B18-047B-69B1-3E3C-E2E1E0688C82}"/>
+          </ac:spMkLst>
+        </pc:spChg>
+        <pc:spChg chg="mod">
+          <ac:chgData name="Nils Meierhöfer (nmeierho)" userId="8796c043-9576-4413-95f7-9c31543d4240" providerId="ADAL" clId="{623C7595-0807-4756-B009-0666EFF873C9}" dt="2024-07-01T13:22:27.345" v="1618" actId="20577"/>
+          <ac:spMkLst>
+            <pc:docMk/>
+            <pc:sldMk cId="2289889591" sldId="256"/>
+            <ac:spMk id="3" creationId="{43289A3B-64BD-5BCD-5248-BE82439C54B4}"/>
+          </ac:spMkLst>
+        </pc:spChg>
+      </pc:sldChg>
+      <pc:sldChg chg="modSp mod">
+        <pc:chgData name="Nils Meierhöfer (nmeierho)" userId="8796c043-9576-4413-95f7-9c31543d4240" providerId="ADAL" clId="{623C7595-0807-4756-B009-0666EFF873C9}" dt="2024-07-01T12:41:47.085" v="591" actId="20577"/>
+        <pc:sldMkLst>
+          <pc:docMk/>
+          <pc:sldMk cId="2581391981" sldId="257"/>
+        </pc:sldMkLst>
+        <pc:spChg chg="mod">
+          <ac:chgData name="Nils Meierhöfer (nmeierho)" userId="8796c043-9576-4413-95f7-9c31543d4240" providerId="ADAL" clId="{623C7595-0807-4756-B009-0666EFF873C9}" dt="2024-07-01T12:28:07.054" v="478" actId="113"/>
+          <ac:spMkLst>
+            <pc:docMk/>
+            <pc:sldMk cId="2581391981" sldId="257"/>
+            <ac:spMk id="2" creationId="{693978CE-E345-DFA1-F49C-86EE8361D09D}"/>
+          </ac:spMkLst>
+        </pc:spChg>
+        <pc:spChg chg="mod">
+          <ac:chgData name="Nils Meierhöfer (nmeierho)" userId="8796c043-9576-4413-95f7-9c31543d4240" providerId="ADAL" clId="{623C7595-0807-4756-B009-0666EFF873C9}" dt="2024-07-01T12:41:47.085" v="591" actId="20577"/>
+          <ac:spMkLst>
+            <pc:docMk/>
+            <pc:sldMk cId="2581391981" sldId="257"/>
+            <ac:spMk id="3" creationId="{4AD7663E-8D63-455A-BA20-19A9851613E2}"/>
+          </ac:spMkLst>
+        </pc:spChg>
+      </pc:sldChg>
+      <pc:sldChg chg="addSp delSp modSp mod modNotesTx">
+        <pc:chgData name="Nils Meierhöfer (nmeierho)" userId="8796c043-9576-4413-95f7-9c31543d4240" providerId="ADAL" clId="{623C7595-0807-4756-B009-0666EFF873C9}" dt="2024-07-01T13:23:20.387" v="1686" actId="20577"/>
+        <pc:sldMkLst>
+          <pc:docMk/>
+          <pc:sldMk cId="3222620226" sldId="258"/>
+        </pc:sldMkLst>
+        <pc:spChg chg="mod">
+          <ac:chgData name="Nils Meierhöfer (nmeierho)" userId="8796c043-9576-4413-95f7-9c31543d4240" providerId="ADAL" clId="{623C7595-0807-4756-B009-0666EFF873C9}" dt="2024-07-01T12:10:40.147" v="161" actId="1076"/>
+          <ac:spMkLst>
+            <pc:docMk/>
+            <pc:sldMk cId="3222620226" sldId="258"/>
+            <ac:spMk id="2" creationId="{59CB1C0C-C8A0-0E2B-1838-A9842DCED1DA}"/>
+          </ac:spMkLst>
+        </pc:spChg>
+        <pc:spChg chg="del mod">
+          <ac:chgData name="Nils Meierhöfer (nmeierho)" userId="8796c043-9576-4413-95f7-9c31543d4240" providerId="ADAL" clId="{623C7595-0807-4756-B009-0666EFF873C9}" dt="2024-07-01T12:00:15.374" v="65" actId="478"/>
+          <ac:spMkLst>
+            <pc:docMk/>
+            <pc:sldMk cId="3222620226" sldId="258"/>
+            <ac:spMk id="3" creationId="{CB5760FA-36B5-3E0F-7CEC-40FE0F530A22}"/>
+          </ac:spMkLst>
+        </pc:spChg>
+        <pc:picChg chg="add mod">
+          <ac:chgData name="Nils Meierhöfer (nmeierho)" userId="8796c043-9576-4413-95f7-9c31543d4240" providerId="ADAL" clId="{623C7595-0807-4756-B009-0666EFF873C9}" dt="2024-07-01T12:01:02.947" v="72" actId="1076"/>
+          <ac:picMkLst>
+            <pc:docMk/>
+            <pc:sldMk cId="3222620226" sldId="258"/>
+            <ac:picMk id="5" creationId="{AC67C676-4EF0-D70E-3192-AB3B3A8EA73D}"/>
+          </ac:picMkLst>
+        </pc:picChg>
+      </pc:sldChg>
+      <pc:sldChg chg="addSp delSp modSp mod modNotesTx">
+        <pc:chgData name="Nils Meierhöfer (nmeierho)" userId="8796c043-9576-4413-95f7-9c31543d4240" providerId="ADAL" clId="{623C7595-0807-4756-B009-0666EFF873C9}" dt="2024-07-01T13:24:22.610" v="1842" actId="20577"/>
+        <pc:sldMkLst>
+          <pc:docMk/>
+          <pc:sldMk cId="2140110804" sldId="259"/>
+        </pc:sldMkLst>
+        <pc:spChg chg="mod">
+          <ac:chgData name="Nils Meierhöfer (nmeierho)" userId="8796c043-9576-4413-95f7-9c31543d4240" providerId="ADAL" clId="{623C7595-0807-4756-B009-0666EFF873C9}" dt="2024-07-01T12:10:34.645" v="160" actId="1076"/>
+          <ac:spMkLst>
+            <pc:docMk/>
+            <pc:sldMk cId="2140110804" sldId="259"/>
+            <ac:spMk id="2" creationId="{B7249241-0EF4-BD44-4234-4003D4F45BC6}"/>
+          </ac:spMkLst>
+        </pc:spChg>
+        <pc:spChg chg="del mod">
+          <ac:chgData name="Nils Meierhöfer (nmeierho)" userId="8796c043-9576-4413-95f7-9c31543d4240" providerId="ADAL" clId="{623C7595-0807-4756-B009-0666EFF873C9}" dt="2024-07-01T12:01:32.905" v="78" actId="478"/>
+          <ac:spMkLst>
+            <pc:docMk/>
+            <pc:sldMk cId="2140110804" sldId="259"/>
+            <ac:spMk id="3" creationId="{D4AF6ABF-41D4-6070-545D-86FE617E63F2}"/>
+          </ac:spMkLst>
+        </pc:spChg>
+        <pc:spChg chg="add del mod">
+          <ac:chgData name="Nils Meierhöfer (nmeierho)" userId="8796c043-9576-4413-95f7-9c31543d4240" providerId="ADAL" clId="{623C7595-0807-4756-B009-0666EFF873C9}" dt="2024-07-01T12:01:35.631" v="79" actId="478"/>
+          <ac:spMkLst>
+            <pc:docMk/>
+            <pc:sldMk cId="2140110804" sldId="259"/>
+            <ac:spMk id="5" creationId="{004B562E-5815-9874-0AC9-D3AE9D28E066}"/>
+          </ac:spMkLst>
+        </pc:spChg>
+        <pc:picChg chg="add mod">
+          <ac:chgData name="Nils Meierhöfer (nmeierho)" userId="8796c043-9576-4413-95f7-9c31543d4240" providerId="ADAL" clId="{623C7595-0807-4756-B009-0666EFF873C9}" dt="2024-07-01T12:10:59.861" v="165" actId="1076"/>
+          <ac:picMkLst>
+            <pc:docMk/>
+            <pc:sldMk cId="2140110804" sldId="259"/>
+            <ac:picMk id="7" creationId="{0DC14131-E23E-1A73-B0CC-3AFBBA8CBF2D}"/>
+          </ac:picMkLst>
+        </pc:picChg>
+      </pc:sldChg>
+      <pc:sldChg chg="addSp delSp modSp mod modNotesTx">
+        <pc:chgData name="Nils Meierhöfer (nmeierho)" userId="8796c043-9576-4413-95f7-9c31543d4240" providerId="ADAL" clId="{623C7595-0807-4756-B009-0666EFF873C9}" dt="2024-07-01T13:24:56.763" v="1843" actId="20577"/>
+        <pc:sldMkLst>
+          <pc:docMk/>
+          <pc:sldMk cId="1246732819" sldId="260"/>
+        </pc:sldMkLst>
+        <pc:spChg chg="mod">
+          <ac:chgData name="Nils Meierhöfer (nmeierho)" userId="8796c043-9576-4413-95f7-9c31543d4240" providerId="ADAL" clId="{623C7595-0807-4756-B009-0666EFF873C9}" dt="2024-07-01T12:11:55.701" v="170" actId="1076"/>
+          <ac:spMkLst>
+            <pc:docMk/>
+            <pc:sldMk cId="1246732819" sldId="260"/>
+            <ac:spMk id="2" creationId="{A04FEEBE-CC1F-3A33-1983-0FECA5F3B2AD}"/>
+          </ac:spMkLst>
+        </pc:spChg>
+        <pc:spChg chg="del mod">
+          <ac:chgData name="Nils Meierhöfer (nmeierho)" userId="8796c043-9576-4413-95f7-9c31543d4240" providerId="ADAL" clId="{623C7595-0807-4756-B009-0666EFF873C9}" dt="2024-07-01T12:02:37.719" v="92" actId="478"/>
+          <ac:spMkLst>
+            <pc:docMk/>
+            <pc:sldMk cId="1246732819" sldId="260"/>
+            <ac:spMk id="3" creationId="{5EC8475E-34F1-7577-2BC9-DA9F3C50CDCA}"/>
+          </ac:spMkLst>
+        </pc:spChg>
+        <pc:picChg chg="add mod">
+          <ac:chgData name="Nils Meierhöfer (nmeierho)" userId="8796c043-9576-4413-95f7-9c31543d4240" providerId="ADAL" clId="{623C7595-0807-4756-B009-0666EFF873C9}" dt="2024-07-01T12:12:29.140" v="178" actId="1076"/>
+          <ac:picMkLst>
+            <pc:docMk/>
+            <pc:sldMk cId="1246732819" sldId="260"/>
+            <ac:picMk id="5" creationId="{4665824F-215A-9A2B-65EC-7021D57BA223}"/>
+          </ac:picMkLst>
+        </pc:picChg>
+      </pc:sldChg>
+      <pc:sldChg chg="addSp delSp modSp mod modNotesTx">
+        <pc:chgData name="Nils Meierhöfer (nmeierho)" userId="8796c043-9576-4413-95f7-9c31543d4240" providerId="ADAL" clId="{623C7595-0807-4756-B009-0666EFF873C9}" dt="2024-07-01T12:11:20.654" v="167" actId="1076"/>
+        <pc:sldMkLst>
+          <pc:docMk/>
+          <pc:sldMk cId="3275222951" sldId="261"/>
+        </pc:sldMkLst>
+        <pc:spChg chg="mod">
+          <ac:chgData name="Nils Meierhöfer (nmeierho)" userId="8796c043-9576-4413-95f7-9c31543d4240" providerId="ADAL" clId="{623C7595-0807-4756-B009-0666EFF873C9}" dt="2024-07-01T12:10:28.035" v="159" actId="1076"/>
+          <ac:spMkLst>
+            <pc:docMk/>
+            <pc:sldMk cId="3275222951" sldId="261"/>
+            <ac:spMk id="2" creationId="{7A6125A1-6216-F4C7-A350-020CFE63C870}"/>
+          </ac:spMkLst>
+        </pc:spChg>
+        <pc:spChg chg="del mod">
+          <ac:chgData name="Nils Meierhöfer (nmeierho)" userId="8796c043-9576-4413-95f7-9c31543d4240" providerId="ADAL" clId="{623C7595-0807-4756-B009-0666EFF873C9}" dt="2024-07-01T12:09:26.044" v="154" actId="478"/>
+          <ac:spMkLst>
+            <pc:docMk/>
+            <pc:sldMk cId="3275222951" sldId="261"/>
+            <ac:spMk id="3" creationId="{15A2FD07-D573-3020-C647-30E01821AB41}"/>
+          </ac:spMkLst>
+        </pc:spChg>
+        <pc:picChg chg="add mod">
+          <ac:chgData name="Nils Meierhöfer (nmeierho)" userId="8796c043-9576-4413-95f7-9c31543d4240" providerId="ADAL" clId="{623C7595-0807-4756-B009-0666EFF873C9}" dt="2024-07-01T12:11:20.654" v="167" actId="1076"/>
+          <ac:picMkLst>
+            <pc:docMk/>
+            <pc:sldMk cId="3275222951" sldId="261"/>
+            <ac:picMk id="5" creationId="{E37E37C4-5E00-3233-DE37-51A7A40CC6FC}"/>
+          </ac:picMkLst>
+        </pc:picChg>
+      </pc:sldChg>
+      <pc:sldChg chg="addSp delSp modSp mod modNotesTx">
+        <pc:chgData name="Nils Meierhöfer (nmeierho)" userId="8796c043-9576-4413-95f7-9c31543d4240" providerId="ADAL" clId="{623C7595-0807-4756-B009-0666EFF873C9}" dt="2024-07-01T12:16:36.293" v="200" actId="1076"/>
+        <pc:sldMkLst>
+          <pc:docMk/>
+          <pc:sldMk cId="2226962797" sldId="262"/>
+        </pc:sldMkLst>
+        <pc:spChg chg="mod">
+          <ac:chgData name="Nils Meierhöfer (nmeierho)" userId="8796c043-9576-4413-95f7-9c31543d4240" providerId="ADAL" clId="{623C7595-0807-4756-B009-0666EFF873C9}" dt="2024-07-01T12:14:16.307" v="189" actId="1076"/>
+          <ac:spMkLst>
+            <pc:docMk/>
+            <pc:sldMk cId="2226962797" sldId="262"/>
+            <ac:spMk id="2" creationId="{A065F379-520E-DF79-DE2E-8F5A3A032C09}"/>
+          </ac:spMkLst>
+        </pc:spChg>
+        <pc:spChg chg="del mod">
+          <ac:chgData name="Nils Meierhöfer (nmeierho)" userId="8796c043-9576-4413-95f7-9c31543d4240" providerId="ADAL" clId="{623C7595-0807-4756-B009-0666EFF873C9}" dt="2024-07-01T12:14:11.094" v="188" actId="478"/>
+          <ac:spMkLst>
+            <pc:docMk/>
+            <pc:sldMk cId="2226962797" sldId="262"/>
+            <ac:spMk id="3" creationId="{F9D6EB01-2967-DF1E-003B-F56054B3E1C7}"/>
+          </ac:spMkLst>
+        </pc:spChg>
+        <pc:picChg chg="add mod">
+          <ac:chgData name="Nils Meierhöfer (nmeierho)" userId="8796c043-9576-4413-95f7-9c31543d4240" providerId="ADAL" clId="{623C7595-0807-4756-B009-0666EFF873C9}" dt="2024-07-01T12:16:36.293" v="200" actId="1076"/>
+          <ac:picMkLst>
+            <pc:docMk/>
+            <pc:sldMk cId="2226962797" sldId="262"/>
+            <ac:picMk id="5" creationId="{DD74F784-3357-EDAF-A654-A7DCDDE5ACCD}"/>
+          </ac:picMkLst>
+        </pc:picChg>
+      </pc:sldChg>
+      <pc:sldChg chg="addSp delSp modSp mod modNotesTx">
+        <pc:chgData name="Nils Meierhöfer (nmeierho)" userId="8796c043-9576-4413-95f7-9c31543d4240" providerId="ADAL" clId="{623C7595-0807-4756-B009-0666EFF873C9}" dt="2024-07-01T13:28:45.619" v="1953" actId="20577"/>
+        <pc:sldMkLst>
+          <pc:docMk/>
+          <pc:sldMk cId="3499539889" sldId="263"/>
+        </pc:sldMkLst>
+        <pc:spChg chg="mod">
+          <ac:chgData name="Nils Meierhöfer (nmeierho)" userId="8796c043-9576-4413-95f7-9c31543d4240" providerId="ADAL" clId="{623C7595-0807-4756-B009-0666EFF873C9}" dt="2024-07-01T12:20:45.827" v="288" actId="1076"/>
+          <ac:spMkLst>
+            <pc:docMk/>
+            <pc:sldMk cId="3499539889" sldId="263"/>
+            <ac:spMk id="2" creationId="{F6DF6C58-7F47-1A50-190C-D85EA43159BE}"/>
+          </ac:spMkLst>
+        </pc:spChg>
+        <pc:spChg chg="del mod">
+          <ac:chgData name="Nils Meierhöfer (nmeierho)" userId="8796c043-9576-4413-95f7-9c31543d4240" providerId="ADAL" clId="{623C7595-0807-4756-B009-0666EFF873C9}" dt="2024-07-01T12:17:58.472" v="216" actId="478"/>
+          <ac:spMkLst>
+            <pc:docMk/>
+            <pc:sldMk cId="3499539889" sldId="263"/>
+            <ac:spMk id="3" creationId="{D4D2E95C-CCED-0928-2320-71D6F4BBAB12}"/>
+          </ac:spMkLst>
+        </pc:spChg>
+        <pc:picChg chg="add mod">
+          <ac:chgData name="Nils Meierhöfer (nmeierho)" userId="8796c043-9576-4413-95f7-9c31543d4240" providerId="ADAL" clId="{623C7595-0807-4756-B009-0666EFF873C9}" dt="2024-07-01T12:18:58.011" v="221" actId="1076"/>
+          <ac:picMkLst>
+            <pc:docMk/>
+            <pc:sldMk cId="3499539889" sldId="263"/>
+            <ac:picMk id="5" creationId="{0252C04D-2E44-CE66-D5A7-9070304DCAE6}"/>
+          </ac:picMkLst>
+        </pc:picChg>
+      </pc:sldChg>
+      <pc:sldChg chg="addSp modSp add mod modNotesTx">
+        <pc:chgData name="Nils Meierhöfer (nmeierho)" userId="8796c043-9576-4413-95f7-9c31543d4240" providerId="ADAL" clId="{623C7595-0807-4756-B009-0666EFF873C9}" dt="2024-07-01T13:25:38.956" v="1846" actId="20577"/>
+        <pc:sldMkLst>
+          <pc:docMk/>
+          <pc:sldMk cId="2816454797" sldId="264"/>
+        </pc:sldMkLst>
+        <pc:spChg chg="mod">
+          <ac:chgData name="Nils Meierhöfer (nmeierho)" userId="8796c043-9576-4413-95f7-9c31543d4240" providerId="ADAL" clId="{623C7595-0807-4756-B009-0666EFF873C9}" dt="2024-07-01T12:12:01.328" v="171" actId="1076"/>
+          <ac:spMkLst>
+            <pc:docMk/>
+            <pc:sldMk cId="2816454797" sldId="264"/>
+            <ac:spMk id="2" creationId="{A04FEEBE-CC1F-3A33-1983-0FECA5F3B2AD}"/>
+          </ac:spMkLst>
+        </pc:spChg>
+        <pc:picChg chg="add mod">
+          <ac:chgData name="Nils Meierhöfer (nmeierho)" userId="8796c043-9576-4413-95f7-9c31543d4240" providerId="ADAL" clId="{623C7595-0807-4756-B009-0666EFF873C9}" dt="2024-07-01T12:12:53.322" v="181" actId="1076"/>
+          <ac:picMkLst>
+            <pc:docMk/>
+            <pc:sldMk cId="2816454797" sldId="264"/>
+            <ac:picMk id="4" creationId="{01049EDC-F435-7F99-9231-B19F173874D0}"/>
+          </ac:picMkLst>
+        </pc:picChg>
+      </pc:sldChg>
+      <pc:sldChg chg="addSp modSp add mod">
+        <pc:chgData name="Nils Meierhöfer (nmeierho)" userId="8796c043-9576-4413-95f7-9c31543d4240" providerId="ADAL" clId="{623C7595-0807-4756-B009-0666EFF873C9}" dt="2024-07-01T12:17:17.451" v="206" actId="14100"/>
+        <pc:sldMkLst>
+          <pc:docMk/>
+          <pc:sldMk cId="3657801471" sldId="265"/>
+        </pc:sldMkLst>
+        <pc:picChg chg="add mod">
+          <ac:chgData name="Nils Meierhöfer (nmeierho)" userId="8796c043-9576-4413-95f7-9c31543d4240" providerId="ADAL" clId="{623C7595-0807-4756-B009-0666EFF873C9}" dt="2024-07-01T12:17:17.451" v="206" actId="14100"/>
+          <ac:picMkLst>
+            <pc:docMk/>
+            <pc:sldMk cId="3657801471" sldId="265"/>
+            <ac:picMk id="4" creationId="{DB2E1381-54E6-E190-168C-F7978D4A2869}"/>
+          </ac:picMkLst>
+        </pc:picChg>
+      </pc:sldChg>
+      <pc:sldChg chg="addSp delSp modSp add mod modNotesTx">
+        <pc:chgData name="Nils Meierhöfer (nmeierho)" userId="8796c043-9576-4413-95f7-9c31543d4240" providerId="ADAL" clId="{623C7595-0807-4756-B009-0666EFF873C9}" dt="2024-07-01T13:11:57.186" v="1363" actId="20577"/>
+        <pc:sldMkLst>
+          <pc:docMk/>
+          <pc:sldMk cId="2099768327" sldId="266"/>
+        </pc:sldMkLst>
+        <pc:spChg chg="mod">
+          <ac:chgData name="Nils Meierhöfer (nmeierho)" userId="8796c043-9576-4413-95f7-9c31543d4240" providerId="ADAL" clId="{623C7595-0807-4756-B009-0666EFF873C9}" dt="2024-07-01T12:19:48.412" v="284" actId="14100"/>
+          <ac:spMkLst>
+            <pc:docMk/>
+            <pc:sldMk cId="2099768327" sldId="266"/>
+            <ac:spMk id="2" creationId="{A065F379-520E-DF79-DE2E-8F5A3A032C09}"/>
+          </ac:spMkLst>
+        </pc:spChg>
+        <pc:spChg chg="add del mod">
+          <ac:chgData name="Nils Meierhöfer (nmeierho)" userId="8796c043-9576-4413-95f7-9c31543d4240" providerId="ADAL" clId="{623C7595-0807-4756-B009-0666EFF873C9}" dt="2024-07-01T12:20:26.195" v="287"/>
+          <ac:spMkLst>
+            <pc:docMk/>
+            <pc:sldMk cId="2099768327" sldId="266"/>
+            <ac:spMk id="3" creationId="{2AB6A092-D37F-DB2C-1A22-42402AED15FA}"/>
+          </ac:spMkLst>
+        </pc:spChg>
+        <pc:spChg chg="add mod">
+          <ac:chgData name="Nils Meierhöfer (nmeierho)" userId="8796c043-9576-4413-95f7-9c31543d4240" providerId="ADAL" clId="{623C7595-0807-4756-B009-0666EFF873C9}" dt="2024-07-01T13:11:57.186" v="1363" actId="20577"/>
+          <ac:spMkLst>
+            <pc:docMk/>
+            <pc:sldMk cId="2099768327" sldId="266"/>
+            <ac:spMk id="4" creationId="{EAADF428-2219-D1D3-44FB-5BBA269E760B}"/>
+          </ac:spMkLst>
+        </pc:spChg>
+        <pc:picChg chg="del">
+          <ac:chgData name="Nils Meierhöfer (nmeierho)" userId="8796c043-9576-4413-95f7-9c31543d4240" providerId="ADAL" clId="{623C7595-0807-4756-B009-0666EFF873C9}" dt="2024-07-01T12:19:20.255" v="223" actId="478"/>
+          <ac:picMkLst>
+            <pc:docMk/>
+            <pc:sldMk cId="2099768327" sldId="266"/>
+            <ac:picMk id="5" creationId="{DD74F784-3357-EDAF-A654-A7DCDDE5ACCD}"/>
+          </ac:picMkLst>
+        </pc:picChg>
+      </pc:sldChg>
+      <pc:sldChg chg="modSp add mod">
+        <pc:chgData name="Nils Meierhöfer (nmeierho)" userId="8796c043-9576-4413-95f7-9c31543d4240" providerId="ADAL" clId="{623C7595-0807-4756-B009-0666EFF873C9}" dt="2024-07-01T13:29:06.067" v="1955" actId="20577"/>
+        <pc:sldMkLst>
+          <pc:docMk/>
+          <pc:sldMk cId="3038906085" sldId="267"/>
+        </pc:sldMkLst>
+        <pc:spChg chg="mod">
+          <ac:chgData name="Nils Meierhöfer (nmeierho)" userId="8796c043-9576-4413-95f7-9c31543d4240" providerId="ADAL" clId="{623C7595-0807-4756-B009-0666EFF873C9}" dt="2024-07-01T12:42:06.132" v="610" actId="20577"/>
+          <ac:spMkLst>
+            <pc:docMk/>
+            <pc:sldMk cId="3038906085" sldId="267"/>
+            <ac:spMk id="2" creationId="{A065F379-520E-DF79-DE2E-8F5A3A032C09}"/>
+          </ac:spMkLst>
+        </pc:spChg>
+        <pc:spChg chg="mod">
+          <ac:chgData name="Nils Meierhöfer (nmeierho)" userId="8796c043-9576-4413-95f7-9c31543d4240" providerId="ADAL" clId="{623C7595-0807-4756-B009-0666EFF873C9}" dt="2024-07-01T13:29:06.067" v="1955" actId="20577"/>
+          <ac:spMkLst>
+            <pc:docMk/>
+            <pc:sldMk cId="3038906085" sldId="267"/>
+            <ac:spMk id="4" creationId="{EAADF428-2219-D1D3-44FB-5BBA269E760B}"/>
+          </ac:spMkLst>
+        </pc:spChg>
+      </pc:sldChg>
+      <pc:sldChg chg="new del">
+        <pc:chgData name="Nils Meierhöfer (nmeierho)" userId="8796c043-9576-4413-95f7-9c31543d4240" providerId="ADAL" clId="{623C7595-0807-4756-B009-0666EFF873C9}" dt="2024-07-01T13:28:27.429" v="1892" actId="680"/>
+        <pc:sldMkLst>
+          <pc:docMk/>
+          <pc:sldMk cId="4124895831" sldId="268"/>
+        </pc:sldMkLst>
+      </pc:sldChg>
+    </pc:docChg>
+  </pc:docChgLst>
+</pc:chgInfo>
+</file>
+
+<file path=ppt/notesMasters/notesMaster1.xml><?xml version="1.0" encoding="utf-8"?>
+<p:notesMaster xmlns:a="http://schemas.openxmlformats.org/drawingml/2006/main" xmlns:r="http://schemas.openxmlformats.org/officeDocument/2006/relationships" xmlns:p="http://schemas.openxmlformats.org/presentationml/2006/main">
+  <p:cSld>
+    <p:bg>
+      <p:bgRef idx="1001">
+        <a:schemeClr val="bg1"/>
+      </p:bgRef>
+    </p:bg>
+    <p:spTree>
+      <p:nvGrpSpPr>
+        <p:cNvPr id="1" name=""/>
+        <p:cNvGrpSpPr/>
+        <p:nvPr/>
+      </p:nvGrpSpPr>
+      <p:grpSpPr>
+        <a:xfrm>
+          <a:off x="0" y="0"/>
+          <a:ext cx="0" cy="0"/>
+          <a:chOff x="0" y="0"/>
+          <a:chExt cx="0" cy="0"/>
+        </a:xfrm>
+      </p:grpSpPr>
+      <p:sp>
+        <p:nvSpPr>
+          <p:cNvPr id="2" name="Kopfzeilenplatzhalter 1"/>
+          <p:cNvSpPr>
+            <a:spLocks noGrp="1"/>
+          </p:cNvSpPr>
+          <p:nvPr>
+            <p:ph type="hdr" sz="quarter"/>
+          </p:nvPr>
+        </p:nvSpPr>
+        <p:spPr>
+          <a:xfrm>
+            <a:off x="0" y="0"/>
+            <a:ext cx="2971800" cy="458788"/>
+          </a:xfrm>
+          <a:prstGeom prst="rect">
+            <a:avLst/>
+          </a:prstGeom>
+        </p:spPr>
+        <p:txBody>
+          <a:bodyPr vert="horz" lIns="91440" tIns="45720" rIns="91440" bIns="45720" rtlCol="0"/>
+          <a:lstStyle>
+            <a:lvl1pPr algn="l">
+              <a:defRPr sz="1200"/>
+            </a:lvl1pPr>
+          </a:lstStyle>
+          <a:p>
+            <a:endParaRPr lang="de-DE"/>
+          </a:p>
+        </p:txBody>
+      </p:sp>
+      <p:sp>
+        <p:nvSpPr>
+          <p:cNvPr id="3" name="Datumsplatzhalter 2"/>
+          <p:cNvSpPr>
+            <a:spLocks noGrp="1"/>
+          </p:cNvSpPr>
+          <p:nvPr>
+            <p:ph type="dt" idx="1"/>
+          </p:nvPr>
+        </p:nvSpPr>
+        <p:spPr>
+          <a:xfrm>
+            <a:off x="3884613" y="0"/>
+            <a:ext cx="2971800" cy="458788"/>
+          </a:xfrm>
+          <a:prstGeom prst="rect">
+            <a:avLst/>
+          </a:prstGeom>
+        </p:spPr>
+        <p:txBody>
+          <a:bodyPr vert="horz" lIns="91440" tIns="45720" rIns="91440" bIns="45720" rtlCol="0"/>
+          <a:lstStyle>
+            <a:lvl1pPr algn="r">
+              <a:defRPr sz="1200"/>
+            </a:lvl1pPr>
+          </a:lstStyle>
+          <a:p>
+            <a:fld id="{7A57C099-F781-4DDA-B80A-EFE56DA3D204}" type="datetimeFigureOut">
+              <a:rPr lang="de-DE" smtClean="0"/>
+              <a:t>01.07.2024</a:t>
+            </a:fld>
+            <a:endParaRPr lang="de-DE"/>
+          </a:p>
+        </p:txBody>
+      </p:sp>
+      <p:sp>
+        <p:nvSpPr>
+          <p:cNvPr id="4" name="Folienbildplatzhalter 3"/>
+          <p:cNvSpPr>
+            <a:spLocks noGrp="1" noRot="1" noChangeAspect="1"/>
+          </p:cNvSpPr>
+          <p:nvPr>
+            <p:ph type="sldImg" idx="2"/>
+          </p:nvPr>
+        </p:nvSpPr>
+        <p:spPr>
+          <a:xfrm>
+            <a:off x="685800" y="1143000"/>
+            <a:ext cx="5486400" cy="3086100"/>
+          </a:xfrm>
+          <a:prstGeom prst="rect">
+            <a:avLst/>
+          </a:prstGeom>
+          <a:noFill/>
+          <a:ln w="12700">
+            <a:solidFill>
+              <a:prstClr val="black"/>
+            </a:solidFill>
+          </a:ln>
+        </p:spPr>
+        <p:txBody>
+          <a:bodyPr vert="horz" lIns="91440" tIns="45720" rIns="91440" bIns="45720" rtlCol="0" anchor="ctr"/>
+          <a:lstStyle/>
+          <a:p>
+            <a:endParaRPr lang="de-DE"/>
+          </a:p>
+        </p:txBody>
+      </p:sp>
+      <p:sp>
+        <p:nvSpPr>
+          <p:cNvPr id="5" name="Notizenplatzhalter 4"/>
+          <p:cNvSpPr>
+            <a:spLocks noGrp="1"/>
+          </p:cNvSpPr>
+          <p:nvPr>
+            <p:ph type="body" sz="quarter" idx="3"/>
+          </p:nvPr>
+        </p:nvSpPr>
+        <p:spPr>
+          <a:xfrm>
+            <a:off x="685800" y="4400550"/>
+            <a:ext cx="5486400" cy="3600450"/>
+          </a:xfrm>
+          <a:prstGeom prst="rect">
+            <a:avLst/>
+          </a:prstGeom>
+        </p:spPr>
+        <p:txBody>
+          <a:bodyPr vert="horz" lIns="91440" tIns="45720" rIns="91440" bIns="45720" rtlCol="0"/>
+          <a:lstStyle/>
+          <a:p>
+            <a:pPr lvl="0"/>
+            <a:r>
+              <a:rPr lang="de-DE"/>
+              <a:t>Mastertextformat bearbeiten</a:t>
+            </a:r>
+          </a:p>
+          <a:p>
+            <a:pPr lvl="1"/>
+            <a:r>
+              <a:rPr lang="de-DE"/>
+              <a:t>Zweite Ebene</a:t>
+            </a:r>
+          </a:p>
+          <a:p>
+            <a:pPr lvl="2"/>
+            <a:r>
+              <a:rPr lang="de-DE"/>
+              <a:t>Dritte Ebene</a:t>
+            </a:r>
+          </a:p>
+          <a:p>
+            <a:pPr lvl="3"/>
+            <a:r>
+              <a:rPr lang="de-DE"/>
+              <a:t>Vierte Ebene</a:t>
+            </a:r>
+          </a:p>
+          <a:p>
+            <a:pPr lvl="4"/>
+            <a:r>
+              <a:rPr lang="de-DE"/>
+              <a:t>Fünfte Ebene</a:t>
+            </a:r>
+          </a:p>
+        </p:txBody>
+      </p:sp>
+      <p:sp>
+        <p:nvSpPr>
+          <p:cNvPr id="6" name="Fußzeilenplatzhalter 5"/>
+          <p:cNvSpPr>
+            <a:spLocks noGrp="1"/>
+          </p:cNvSpPr>
+          <p:nvPr>
+            <p:ph type="ftr" sz="quarter" idx="4"/>
+          </p:nvPr>
+        </p:nvSpPr>
+        <p:spPr>
+          <a:xfrm>
+            <a:off x="0" y="8685213"/>
+            <a:ext cx="2971800" cy="458787"/>
+          </a:xfrm>
+          <a:prstGeom prst="rect">
+            <a:avLst/>
+          </a:prstGeom>
+        </p:spPr>
+        <p:txBody>
+          <a:bodyPr vert="horz" lIns="91440" tIns="45720" rIns="91440" bIns="45720" rtlCol="0" anchor="b"/>
+          <a:lstStyle>
+            <a:lvl1pPr algn="l">
+              <a:defRPr sz="1200"/>
+            </a:lvl1pPr>
+          </a:lstStyle>
+          <a:p>
+            <a:endParaRPr lang="de-DE"/>
+          </a:p>
+        </p:txBody>
+      </p:sp>
+      <p:sp>
+        <p:nvSpPr>
+          <p:cNvPr id="7" name="Foliennummernplatzhalter 6"/>
+          <p:cNvSpPr>
+            <a:spLocks noGrp="1"/>
+          </p:cNvSpPr>
+          <p:nvPr>
+            <p:ph type="sldNum" sz="quarter" idx="5"/>
+          </p:nvPr>
+        </p:nvSpPr>
+        <p:spPr>
+          <a:xfrm>
+            <a:off x="3884613" y="8685213"/>
+            <a:ext cx="2971800" cy="458787"/>
+          </a:xfrm>
+          <a:prstGeom prst="rect">
+            <a:avLst/>
+          </a:prstGeom>
+        </p:spPr>
+        <p:txBody>
+          <a:bodyPr vert="horz" lIns="91440" tIns="45720" rIns="91440" bIns="45720" rtlCol="0" anchor="b"/>
+          <a:lstStyle>
+            <a:lvl1pPr algn="r">
+              <a:defRPr sz="1200"/>
+            </a:lvl1pPr>
+          </a:lstStyle>
+          <a:p>
+            <a:fld id="{3E370F1F-FFA2-420B-BEA9-9DB26E8F2123}" type="slidenum">
+              <a:rPr lang="de-DE" smtClean="0"/>
+              <a:t>‹Nr.›</a:t>
+            </a:fld>
+            <a:endParaRPr lang="de-DE"/>
+          </a:p>
+        </p:txBody>
+      </p:sp>
+    </p:spTree>
+    <p:extLst>
+      <p:ext uri="{BB962C8B-B14F-4D97-AF65-F5344CB8AC3E}">
+        <p14:creationId xmlns:p14="http://schemas.microsoft.com/office/powerpoint/2010/main" val="1620309367"/>
+      </p:ext>
+    </p:extLst>
+  </p:cSld>
+  <p:clrMap bg1="lt1" tx1="dk1" bg2="lt2" tx2="dk2" accent1="accent1" accent2="accent2" accent3="accent3" accent4="accent4" accent5="accent5" accent6="accent6" hlink="hlink" folHlink="folHlink"/>
+  <p:notesStyle>
+    <a:lvl1pPr marL="0" algn="l" defTabSz="914400" rtl="0" eaLnBrk="1" latinLnBrk="0" hangingPunct="1">
+      <a:defRPr sz="1200" kern="1200">
+        <a:solidFill>
+          <a:schemeClr val="tx1"/>
+        </a:solidFill>
+        <a:latin typeface="+mn-lt"/>
+        <a:ea typeface="+mn-ea"/>
+        <a:cs typeface="+mn-cs"/>
+      </a:defRPr>
+    </a:lvl1pPr>
+    <a:lvl2pPr marL="457200" algn="l" defTabSz="914400" rtl="0" eaLnBrk="1" latinLnBrk="0" hangingPunct="1">
+      <a:defRPr sz="1200" kern="1200">
+        <a:solidFill>
+          <a:schemeClr val="tx1"/>
+        </a:solidFill>
+        <a:latin typeface="+mn-lt"/>
+        <a:ea typeface="+mn-ea"/>
+        <a:cs typeface="+mn-cs"/>
+      </a:defRPr>
+    </a:lvl2pPr>
+    <a:lvl3pPr marL="914400" algn="l" defTabSz="914400" rtl="0" eaLnBrk="1" latinLnBrk="0" hangingPunct="1">
+      <a:defRPr sz="1200" kern="1200">
+        <a:solidFill>
+          <a:schemeClr val="tx1"/>
+        </a:solidFill>
+        <a:latin typeface="+mn-lt"/>
+        <a:ea typeface="+mn-ea"/>
+        <a:cs typeface="+mn-cs"/>
+      </a:defRPr>
+    </a:lvl3pPr>
+    <a:lvl4pPr marL="1371600" algn="l" defTabSz="914400" rtl="0" eaLnBrk="1" latinLnBrk="0" hangingPunct="1">
+      <a:defRPr sz="1200" kern="1200">
+        <a:solidFill>
+          <a:schemeClr val="tx1"/>
+        </a:solidFill>
+        <a:latin typeface="+mn-lt"/>
+        <a:ea typeface="+mn-ea"/>
+        <a:cs typeface="+mn-cs"/>
+      </a:defRPr>
+    </a:lvl4pPr>
+    <a:lvl5pPr marL="1828800" algn="l" defTabSz="914400" rtl="0" eaLnBrk="1" latinLnBrk="0" hangingPunct="1">
+      <a:defRPr sz="1200" kern="1200">
+        <a:solidFill>
+          <a:schemeClr val="tx1"/>
+        </a:solidFill>
+        <a:latin typeface="+mn-lt"/>
+        <a:ea typeface="+mn-ea"/>
+        <a:cs typeface="+mn-cs"/>
+      </a:defRPr>
+    </a:lvl5pPr>
+    <a:lvl6pPr marL="2286000" algn="l" defTabSz="914400" rtl="0" eaLnBrk="1" latinLnBrk="0" hangingPunct="1">
+      <a:defRPr sz="1200" kern="1200">
+        <a:solidFill>
+          <a:schemeClr val="tx1"/>
+        </a:solidFill>
+        <a:latin typeface="+mn-lt"/>
+        <a:ea typeface="+mn-ea"/>
+        <a:cs typeface="+mn-cs"/>
+      </a:defRPr>
+    </a:lvl6pPr>
+    <a:lvl7pPr marL="2743200" algn="l" defTabSz="914400" rtl="0" eaLnBrk="1" latinLnBrk="0" hangingPunct="1">
+      <a:defRPr sz="1200" kern="1200">
+        <a:solidFill>
+          <a:schemeClr val="tx1"/>
+        </a:solidFill>
+        <a:latin typeface="+mn-lt"/>
+        <a:ea typeface="+mn-ea"/>
+        <a:cs typeface="+mn-cs"/>
+      </a:defRPr>
+    </a:lvl7pPr>
+    <a:lvl8pPr marL="3200400" algn="l" defTabSz="914400" rtl="0" eaLnBrk="1" latinLnBrk="0" hangingPunct="1">
+      <a:defRPr sz="1200" kern="1200">
+        <a:solidFill>
+          <a:schemeClr val="tx1"/>
+        </a:solidFill>
+        <a:latin typeface="+mn-lt"/>
+        <a:ea typeface="+mn-ea"/>
+        <a:cs typeface="+mn-cs"/>
+      </a:defRPr>
+    </a:lvl8pPr>
+    <a:lvl9pPr marL="3657600" algn="l" defTabSz="914400" rtl="0" eaLnBrk="1" latinLnBrk="0" hangingPunct="1">
+      <a:defRPr sz="1200" kern="1200">
+        <a:solidFill>
+          <a:schemeClr val="tx1"/>
+        </a:solidFill>
+        <a:latin typeface="+mn-lt"/>
+        <a:ea typeface="+mn-ea"/>
+        <a:cs typeface="+mn-cs"/>
+      </a:defRPr>
+    </a:lvl9pPr>
+  </p:notesStyle>
+</p:notesMaster>
+</file>
+
+<file path=ppt/notesSlides/notesSlide1.xml><?xml version="1.0" encoding="utf-8"?>
+<p:notes xmlns:a="http://schemas.openxmlformats.org/drawingml/2006/main" xmlns:r="http://schemas.openxmlformats.org/officeDocument/2006/relationships" xmlns:p="http://schemas.openxmlformats.org/presentationml/2006/main">
+  <p:cSld>
+    <p:spTree>
+      <p:nvGrpSpPr>
+        <p:cNvPr id="1" name=""/>
+        <p:cNvGrpSpPr/>
+        <p:nvPr/>
+      </p:nvGrpSpPr>
+      <p:grpSpPr>
+        <a:xfrm>
+          <a:off x="0" y="0"/>
+          <a:ext cx="0" cy="0"/>
+          <a:chOff x="0" y="0"/>
+          <a:chExt cx="0" cy="0"/>
+        </a:xfrm>
+      </p:grpSpPr>
+      <p:sp>
+        <p:nvSpPr>
+          <p:cNvPr id="2" name="Folienbildplatzhalter 1"/>
+          <p:cNvSpPr>
+            <a:spLocks noGrp="1" noRot="1" noChangeAspect="1"/>
+          </p:cNvSpPr>
+          <p:nvPr>
+            <p:ph type="sldImg"/>
+          </p:nvPr>
+        </p:nvSpPr>
+        <p:spPr/>
+      </p:sp>
+      <p:sp>
+        <p:nvSpPr>
+          <p:cNvPr id="3" name="Notizenplatzhalter 2"/>
+          <p:cNvSpPr>
+            <a:spLocks noGrp="1"/>
+          </p:cNvSpPr>
+          <p:nvPr>
+            <p:ph type="body" idx="1"/>
+          </p:nvPr>
+        </p:nvSpPr>
+        <p:spPr/>
+        <p:txBody>
+          <a:bodyPr/>
+          <a:lstStyle/>
+          <a:p>
+            <a:r>
+              <a:rPr lang="de-DE" dirty="0"/>
+              <a:t>- Geänderte DIRs nennen (</a:t>
+            </a:r>
+            <a:r>
+              <a:rPr lang="de-DE" dirty="0" err="1"/>
+              <a:t>Conveyor</a:t>
+            </a:r>
+            <a:r>
+              <a:rPr lang="de-DE" dirty="0"/>
+              <a:t> Belt raus und Card Terminal zu einem zusammengefasst)</a:t>
+            </a:r>
+          </a:p>
+          <a:p>
+            <a:r>
+              <a:rPr lang="de-DE" dirty="0"/>
+              <a:t>- Sagen, dass wir uns die Verifikation Methods angeschaut haben, aber nichts geändert haben</a:t>
+            </a:r>
+          </a:p>
+          <a:p>
+            <a:endParaRPr lang="de-DE" dirty="0"/>
+          </a:p>
+        </p:txBody>
+      </p:sp>
+      <p:sp>
+        <p:nvSpPr>
+          <p:cNvPr id="4" name="Foliennummernplatzhalter 3"/>
+          <p:cNvSpPr>
+            <a:spLocks noGrp="1"/>
+          </p:cNvSpPr>
+          <p:nvPr>
+            <p:ph type="sldNum" sz="quarter" idx="5"/>
+          </p:nvPr>
+        </p:nvSpPr>
+        <p:spPr/>
+        <p:txBody>
+          <a:bodyPr/>
+          <a:lstStyle/>
+          <a:p>
+            <a:fld id="{3E370F1F-FFA2-420B-BEA9-9DB26E8F2123}" type="slidenum">
+              <a:rPr lang="de-DE" smtClean="0"/>
+              <a:t>3</a:t>
+            </a:fld>
+            <a:endParaRPr lang="de-DE"/>
+          </a:p>
+        </p:txBody>
+      </p:sp>
+    </p:spTree>
+    <p:extLst>
+      <p:ext uri="{BB962C8B-B14F-4D97-AF65-F5344CB8AC3E}">
+        <p14:creationId xmlns:p14="http://schemas.microsoft.com/office/powerpoint/2010/main" val="2056837496"/>
+      </p:ext>
+    </p:extLst>
+  </p:cSld>
+  <p:clrMapOvr>
+    <a:masterClrMapping/>
+  </p:clrMapOvr>
+</p:notes>
+</file>
+
+<file path=ppt/notesSlides/notesSlide10.xml><?xml version="1.0" encoding="utf-8"?>
+<p:notes xmlns:a="http://schemas.openxmlformats.org/drawingml/2006/main" xmlns:r="http://schemas.openxmlformats.org/officeDocument/2006/relationships" xmlns:p="http://schemas.openxmlformats.org/presentationml/2006/main">
+  <p:cSld>
+    <p:spTree>
+      <p:nvGrpSpPr>
+        <p:cNvPr id="1" name=""/>
+        <p:cNvGrpSpPr/>
+        <p:nvPr/>
+      </p:nvGrpSpPr>
+      <p:grpSpPr>
+        <a:xfrm>
+          <a:off x="0" y="0"/>
+          <a:ext cx="0" cy="0"/>
+          <a:chOff x="0" y="0"/>
+          <a:chExt cx="0" cy="0"/>
+        </a:xfrm>
+      </p:grpSpPr>
+      <p:sp>
+        <p:nvSpPr>
+          <p:cNvPr id="2" name="Folienbildplatzhalter 1"/>
+          <p:cNvSpPr>
+            <a:spLocks noGrp="1" noRot="1" noChangeAspect="1"/>
+          </p:cNvSpPr>
+          <p:nvPr>
+            <p:ph type="sldImg"/>
+          </p:nvPr>
+        </p:nvSpPr>
+        <p:spPr/>
+      </p:sp>
+      <p:sp>
+        <p:nvSpPr>
+          <p:cNvPr id="3" name="Notizenplatzhalter 2"/>
+          <p:cNvSpPr>
+            <a:spLocks noGrp="1"/>
+          </p:cNvSpPr>
+          <p:nvPr>
+            <p:ph type="body" idx="1"/>
+          </p:nvPr>
+        </p:nvSpPr>
+        <p:spPr/>
+        <p:txBody>
+          <a:bodyPr/>
+          <a:lstStyle/>
+          <a:p>
+            <a:pPr marL="0" marR="0" lvl="0" indent="0" algn="l" defTabSz="914400" rtl="0" eaLnBrk="1" fontAlgn="auto" latinLnBrk="0" hangingPunct="1">
+              <a:lnSpc>
+                <a:spcPct val="100000"/>
+              </a:lnSpc>
+              <a:spcBef>
+                <a:spcPts val="0"/>
+              </a:spcBef>
+              <a:spcAft>
+                <a:spcPts val="0"/>
+              </a:spcAft>
+              <a:buClrTx/>
+              <a:buSzTx/>
+              <a:buFontTx/>
+              <a:buNone/>
+              <a:tabLst/>
+              <a:defRPr/>
+            </a:pPr>
+            <a:r>
+              <a:rPr lang="de-DE" dirty="0"/>
+              <a:t>-</a:t>
+            </a:r>
+          </a:p>
+        </p:txBody>
+      </p:sp>
+      <p:sp>
+        <p:nvSpPr>
+          <p:cNvPr id="4" name="Foliennummernplatzhalter 3"/>
+          <p:cNvSpPr>
+            <a:spLocks noGrp="1"/>
+          </p:cNvSpPr>
+          <p:nvPr>
+            <p:ph type="sldNum" sz="quarter" idx="5"/>
+          </p:nvPr>
+        </p:nvSpPr>
+        <p:spPr/>
+        <p:txBody>
+          <a:bodyPr/>
+          <a:lstStyle/>
+          <a:p>
+            <a:fld id="{3E370F1F-FFA2-420B-BEA9-9DB26E8F2123}" type="slidenum">
+              <a:rPr lang="de-DE" smtClean="0"/>
+              <a:t>12</a:t>
+            </a:fld>
+            <a:endParaRPr lang="de-DE"/>
+          </a:p>
+        </p:txBody>
+      </p:sp>
+    </p:spTree>
+    <p:extLst>
+      <p:ext uri="{BB962C8B-B14F-4D97-AF65-F5344CB8AC3E}">
+        <p14:creationId xmlns:p14="http://schemas.microsoft.com/office/powerpoint/2010/main" val="704585337"/>
+      </p:ext>
+    </p:extLst>
+  </p:cSld>
+  <p:clrMapOvr>
+    <a:masterClrMapping/>
+  </p:clrMapOvr>
+</p:notes>
+</file>
+
+<file path=ppt/notesSlides/notesSlide2.xml><?xml version="1.0" encoding="utf-8"?>
+<p:notes xmlns:a="http://schemas.openxmlformats.org/drawingml/2006/main" xmlns:r="http://schemas.openxmlformats.org/officeDocument/2006/relationships" xmlns:p="http://schemas.openxmlformats.org/presentationml/2006/main">
+  <p:cSld>
+    <p:spTree>
+      <p:nvGrpSpPr>
+        <p:cNvPr id="1" name=""/>
+        <p:cNvGrpSpPr/>
+        <p:nvPr/>
+      </p:nvGrpSpPr>
+      <p:grpSpPr>
+        <a:xfrm>
+          <a:off x="0" y="0"/>
+          <a:ext cx="0" cy="0"/>
+          <a:chOff x="0" y="0"/>
+          <a:chExt cx="0" cy="0"/>
+        </a:xfrm>
+      </p:grpSpPr>
+      <p:sp>
+        <p:nvSpPr>
+          <p:cNvPr id="2" name="Folienbildplatzhalter 1"/>
+          <p:cNvSpPr>
+            <a:spLocks noGrp="1" noRot="1" noChangeAspect="1"/>
+          </p:cNvSpPr>
+          <p:nvPr>
+            <p:ph type="sldImg"/>
+          </p:nvPr>
+        </p:nvSpPr>
+        <p:spPr/>
+      </p:sp>
+      <p:sp>
+        <p:nvSpPr>
+          <p:cNvPr id="3" name="Notizenplatzhalter 2"/>
+          <p:cNvSpPr>
+            <a:spLocks noGrp="1"/>
+          </p:cNvSpPr>
+          <p:nvPr>
+            <p:ph type="body" idx="1"/>
+          </p:nvPr>
+        </p:nvSpPr>
+        <p:spPr/>
+        <p:txBody>
+          <a:bodyPr/>
+          <a:lstStyle/>
+          <a:p>
+            <a:pPr marL="171450" marR="0" lvl="0" indent="-171450" algn="l" defTabSz="914400" rtl="0" eaLnBrk="1" fontAlgn="auto" latinLnBrk="0" hangingPunct="1">
+              <a:lnSpc>
+                <a:spcPct val="100000"/>
+              </a:lnSpc>
+              <a:spcBef>
+                <a:spcPts val="0"/>
+              </a:spcBef>
+              <a:spcAft>
+                <a:spcPts val="0"/>
+              </a:spcAft>
+              <a:buClrTx/>
+              <a:buSzTx/>
+              <a:buFontTx/>
+              <a:buChar char="-"/>
+              <a:tabLst/>
+              <a:defRPr/>
+            </a:pPr>
+            <a:r>
+              <a:rPr lang="de-DE" dirty="0"/>
+              <a:t>Änderungen nennen </a:t>
+            </a:r>
+          </a:p>
+          <a:p>
+            <a:pPr marL="171450" marR="0" lvl="0" indent="-171450" algn="l" defTabSz="914400" rtl="0" eaLnBrk="1" fontAlgn="auto" latinLnBrk="0" hangingPunct="1">
+              <a:lnSpc>
+                <a:spcPct val="100000"/>
+              </a:lnSpc>
+              <a:spcBef>
+                <a:spcPts val="0"/>
+              </a:spcBef>
+              <a:spcAft>
+                <a:spcPts val="0"/>
+              </a:spcAft>
+              <a:buClrTx/>
+              <a:buSzTx/>
+              <a:buFontTx/>
+              <a:buChar char="-"/>
+              <a:tabLst/>
+              <a:defRPr/>
+            </a:pPr>
+            <a:r>
+              <a:rPr lang="de-DE" dirty="0"/>
+              <a:t>Bedeutet: nur noch ein Card Terminal, Cash </a:t>
+            </a:r>
+            <a:r>
+              <a:rPr lang="de-DE" dirty="0" err="1"/>
+              <a:t>Drawer</a:t>
+            </a:r>
+            <a:r>
+              <a:rPr lang="de-DE" dirty="0"/>
+              <a:t> hinzugefügt, </a:t>
+            </a:r>
+            <a:r>
+              <a:rPr lang="de-DE" dirty="0" err="1"/>
+              <a:t>Conveyor</a:t>
+            </a:r>
+            <a:r>
+              <a:rPr lang="de-DE" dirty="0"/>
+              <a:t> System von CRS abgekapselt</a:t>
+            </a:r>
+          </a:p>
+          <a:p>
+            <a:endParaRPr lang="de-DE" dirty="0"/>
+          </a:p>
+        </p:txBody>
+      </p:sp>
+      <p:sp>
+        <p:nvSpPr>
+          <p:cNvPr id="4" name="Foliennummernplatzhalter 3"/>
+          <p:cNvSpPr>
+            <a:spLocks noGrp="1"/>
+          </p:cNvSpPr>
+          <p:nvPr>
+            <p:ph type="sldNum" sz="quarter" idx="5"/>
+          </p:nvPr>
+        </p:nvSpPr>
+        <p:spPr/>
+        <p:txBody>
+          <a:bodyPr/>
+          <a:lstStyle/>
+          <a:p>
+            <a:fld id="{3E370F1F-FFA2-420B-BEA9-9DB26E8F2123}" type="slidenum">
+              <a:rPr lang="de-DE" smtClean="0"/>
+              <a:t>4</a:t>
+            </a:fld>
+            <a:endParaRPr lang="de-DE"/>
+          </a:p>
+        </p:txBody>
+      </p:sp>
+    </p:spTree>
+    <p:extLst>
+      <p:ext uri="{BB962C8B-B14F-4D97-AF65-F5344CB8AC3E}">
+        <p14:creationId xmlns:p14="http://schemas.microsoft.com/office/powerpoint/2010/main" val="3760309019"/>
+      </p:ext>
+    </p:extLst>
+  </p:cSld>
+  <p:clrMapOvr>
+    <a:masterClrMapping/>
+  </p:clrMapOvr>
+</p:notes>
+</file>
+
+<file path=ppt/notesSlides/notesSlide3.xml><?xml version="1.0" encoding="utf-8"?>
+<p:notes xmlns:a="http://schemas.openxmlformats.org/drawingml/2006/main" xmlns:r="http://schemas.openxmlformats.org/officeDocument/2006/relationships" xmlns:p="http://schemas.openxmlformats.org/presentationml/2006/main">
+  <p:cSld>
+    <p:spTree>
+      <p:nvGrpSpPr>
+        <p:cNvPr id="1" name=""/>
+        <p:cNvGrpSpPr/>
+        <p:nvPr/>
+      </p:nvGrpSpPr>
+      <p:grpSpPr>
+        <a:xfrm>
+          <a:off x="0" y="0"/>
+          <a:ext cx="0" cy="0"/>
+          <a:chOff x="0" y="0"/>
+          <a:chExt cx="0" cy="0"/>
+        </a:xfrm>
+      </p:grpSpPr>
+      <p:sp>
+        <p:nvSpPr>
+          <p:cNvPr id="2" name="Folienbildplatzhalter 1"/>
+          <p:cNvSpPr>
+            <a:spLocks noGrp="1" noRot="1" noChangeAspect="1"/>
+          </p:cNvSpPr>
+          <p:nvPr>
+            <p:ph type="sldImg"/>
+          </p:nvPr>
+        </p:nvSpPr>
+        <p:spPr/>
+      </p:sp>
+      <p:sp>
+        <p:nvSpPr>
+          <p:cNvPr id="3" name="Notizenplatzhalter 2"/>
+          <p:cNvSpPr>
+            <a:spLocks noGrp="1"/>
+          </p:cNvSpPr>
+          <p:nvPr>
+            <p:ph type="body" idx="1"/>
+          </p:nvPr>
+        </p:nvSpPr>
+        <p:spPr/>
+        <p:txBody>
+          <a:bodyPr/>
+          <a:lstStyle/>
+          <a:p>
+            <a:r>
+              <a:rPr lang="de-DE" dirty="0"/>
+              <a:t>-</a:t>
+            </a:r>
+          </a:p>
+        </p:txBody>
+      </p:sp>
+      <p:sp>
+        <p:nvSpPr>
+          <p:cNvPr id="4" name="Foliennummernplatzhalter 3"/>
+          <p:cNvSpPr>
+            <a:spLocks noGrp="1"/>
+          </p:cNvSpPr>
+          <p:nvPr>
+            <p:ph type="sldNum" sz="quarter" idx="5"/>
+          </p:nvPr>
+        </p:nvSpPr>
+        <p:spPr/>
+        <p:txBody>
+          <a:bodyPr/>
+          <a:lstStyle/>
+          <a:p>
+            <a:fld id="{3E370F1F-FFA2-420B-BEA9-9DB26E8F2123}" type="slidenum">
+              <a:rPr lang="de-DE" smtClean="0"/>
+              <a:t>5</a:t>
+            </a:fld>
+            <a:endParaRPr lang="de-DE"/>
+          </a:p>
+        </p:txBody>
+      </p:sp>
+    </p:spTree>
+    <p:extLst>
+      <p:ext uri="{BB962C8B-B14F-4D97-AF65-F5344CB8AC3E}">
+        <p14:creationId xmlns:p14="http://schemas.microsoft.com/office/powerpoint/2010/main" val="2098764829"/>
+      </p:ext>
+    </p:extLst>
+  </p:cSld>
+  <p:clrMapOvr>
+    <a:masterClrMapping/>
+  </p:clrMapOvr>
+</p:notes>
+</file>
+
+<file path=ppt/notesSlides/notesSlide4.xml><?xml version="1.0" encoding="utf-8"?>
+<p:notes xmlns:a="http://schemas.openxmlformats.org/drawingml/2006/main" xmlns:r="http://schemas.openxmlformats.org/officeDocument/2006/relationships" xmlns:p="http://schemas.openxmlformats.org/presentationml/2006/main">
+  <p:cSld>
+    <p:spTree>
+      <p:nvGrpSpPr>
+        <p:cNvPr id="1" name=""/>
+        <p:cNvGrpSpPr/>
+        <p:nvPr/>
+      </p:nvGrpSpPr>
+      <p:grpSpPr>
+        <a:xfrm>
+          <a:off x="0" y="0"/>
+          <a:ext cx="0" cy="0"/>
+          <a:chOff x="0" y="0"/>
+          <a:chExt cx="0" cy="0"/>
+        </a:xfrm>
+      </p:grpSpPr>
+      <p:sp>
+        <p:nvSpPr>
+          <p:cNvPr id="2" name="Folienbildplatzhalter 1"/>
+          <p:cNvSpPr>
+            <a:spLocks noGrp="1" noRot="1" noChangeAspect="1"/>
+          </p:cNvSpPr>
+          <p:nvPr>
+            <p:ph type="sldImg"/>
+          </p:nvPr>
+        </p:nvSpPr>
+        <p:spPr/>
+      </p:sp>
+      <p:sp>
+        <p:nvSpPr>
+          <p:cNvPr id="3" name="Notizenplatzhalter 2"/>
+          <p:cNvSpPr>
+            <a:spLocks noGrp="1"/>
+          </p:cNvSpPr>
+          <p:nvPr>
+            <p:ph type="body" idx="1"/>
+          </p:nvPr>
+        </p:nvSpPr>
+        <p:spPr/>
+        <p:txBody>
+          <a:bodyPr/>
+          <a:lstStyle/>
+          <a:p>
+            <a:r>
+              <a:rPr lang="de-DE" dirty="0"/>
+              <a:t>- </a:t>
+            </a:r>
+          </a:p>
+        </p:txBody>
+      </p:sp>
+      <p:sp>
+        <p:nvSpPr>
+          <p:cNvPr id="4" name="Foliennummernplatzhalter 3"/>
+          <p:cNvSpPr>
+            <a:spLocks noGrp="1"/>
+          </p:cNvSpPr>
+          <p:nvPr>
+            <p:ph type="sldNum" sz="quarter" idx="5"/>
+          </p:nvPr>
+        </p:nvSpPr>
+        <p:spPr/>
+        <p:txBody>
+          <a:bodyPr/>
+          <a:lstStyle/>
+          <a:p>
+            <a:fld id="{3E370F1F-FFA2-420B-BEA9-9DB26E8F2123}" type="slidenum">
+              <a:rPr lang="de-DE" smtClean="0"/>
+              <a:t>6</a:t>
+            </a:fld>
+            <a:endParaRPr lang="de-DE"/>
+          </a:p>
+        </p:txBody>
+      </p:sp>
+    </p:spTree>
+    <p:extLst>
+      <p:ext uri="{BB962C8B-B14F-4D97-AF65-F5344CB8AC3E}">
+        <p14:creationId xmlns:p14="http://schemas.microsoft.com/office/powerpoint/2010/main" val="3794437986"/>
+      </p:ext>
+    </p:extLst>
+  </p:cSld>
+  <p:clrMapOvr>
+    <a:masterClrMapping/>
+  </p:clrMapOvr>
+</p:notes>
+</file>
+
+<file path=ppt/notesSlides/notesSlide5.xml><?xml version="1.0" encoding="utf-8"?>
+<p:notes xmlns:a="http://schemas.openxmlformats.org/drawingml/2006/main" xmlns:r="http://schemas.openxmlformats.org/officeDocument/2006/relationships" xmlns:p="http://schemas.openxmlformats.org/presentationml/2006/main">
+  <p:cSld>
+    <p:spTree>
+      <p:nvGrpSpPr>
+        <p:cNvPr id="1" name=""/>
+        <p:cNvGrpSpPr/>
+        <p:nvPr/>
+      </p:nvGrpSpPr>
+      <p:grpSpPr>
+        <a:xfrm>
+          <a:off x="0" y="0"/>
+          <a:ext cx="0" cy="0"/>
+          <a:chOff x="0" y="0"/>
+          <a:chExt cx="0" cy="0"/>
+        </a:xfrm>
+      </p:grpSpPr>
+      <p:sp>
+        <p:nvSpPr>
+          <p:cNvPr id="2" name="Folienbildplatzhalter 1"/>
+          <p:cNvSpPr>
+            <a:spLocks noGrp="1" noRot="1" noChangeAspect="1"/>
+          </p:cNvSpPr>
+          <p:nvPr>
+            <p:ph type="sldImg"/>
+          </p:nvPr>
+        </p:nvSpPr>
+        <p:spPr/>
+      </p:sp>
+      <p:sp>
+        <p:nvSpPr>
+          <p:cNvPr id="3" name="Notizenplatzhalter 2"/>
+          <p:cNvSpPr>
+            <a:spLocks noGrp="1"/>
+          </p:cNvSpPr>
+          <p:nvPr>
+            <p:ph type="body" idx="1"/>
+          </p:nvPr>
+        </p:nvSpPr>
+        <p:spPr/>
+        <p:txBody>
+          <a:bodyPr/>
+          <a:lstStyle/>
+          <a:p>
+            <a:r>
+              <a:rPr lang="de-DE" dirty="0"/>
+              <a:t>- Erklären, warum wir welche Use Cases gewählt haben</a:t>
+            </a:r>
+          </a:p>
+          <a:p>
+            <a:r>
+              <a:rPr lang="de-DE" dirty="0"/>
+              <a:t>- Was fällt unter welchen Use Case (wie sind die Trigger &amp; Nachbedingungen)</a:t>
+            </a:r>
+          </a:p>
+          <a:p>
+            <a:r>
+              <a:rPr lang="de-DE" dirty="0"/>
+              <a:t>- 1-2 Beschreibungen zeigen, wenn relevant</a:t>
+            </a:r>
+          </a:p>
+          <a:p>
+            <a:endParaRPr lang="de-DE" dirty="0"/>
+          </a:p>
+        </p:txBody>
+      </p:sp>
+      <p:sp>
+        <p:nvSpPr>
+          <p:cNvPr id="4" name="Foliennummernplatzhalter 3"/>
+          <p:cNvSpPr>
+            <a:spLocks noGrp="1"/>
+          </p:cNvSpPr>
+          <p:nvPr>
+            <p:ph type="sldNum" sz="quarter" idx="5"/>
+          </p:nvPr>
+        </p:nvSpPr>
+        <p:spPr/>
+        <p:txBody>
+          <a:bodyPr/>
+          <a:lstStyle/>
+          <a:p>
+            <a:fld id="{3E370F1F-FFA2-420B-BEA9-9DB26E8F2123}" type="slidenum">
+              <a:rPr lang="de-DE" smtClean="0"/>
+              <a:t>7</a:t>
+            </a:fld>
+            <a:endParaRPr lang="de-DE"/>
+          </a:p>
+        </p:txBody>
+      </p:sp>
+    </p:spTree>
+    <p:extLst>
+      <p:ext uri="{BB962C8B-B14F-4D97-AF65-F5344CB8AC3E}">
+        <p14:creationId xmlns:p14="http://schemas.microsoft.com/office/powerpoint/2010/main" val="2547820355"/>
+      </p:ext>
+    </p:extLst>
+  </p:cSld>
+  <p:clrMapOvr>
+    <a:masterClrMapping/>
+  </p:clrMapOvr>
+</p:notes>
+</file>
+
+<file path=ppt/notesSlides/notesSlide6.xml><?xml version="1.0" encoding="utf-8"?>
+<p:notes xmlns:a="http://schemas.openxmlformats.org/drawingml/2006/main" xmlns:r="http://schemas.openxmlformats.org/officeDocument/2006/relationships" xmlns:p="http://schemas.openxmlformats.org/presentationml/2006/main">
+  <p:cSld>
+    <p:spTree>
+      <p:nvGrpSpPr>
+        <p:cNvPr id="1" name=""/>
+        <p:cNvGrpSpPr/>
+        <p:nvPr/>
+      </p:nvGrpSpPr>
+      <p:grpSpPr>
+        <a:xfrm>
+          <a:off x="0" y="0"/>
+          <a:ext cx="0" cy="0"/>
+          <a:chOff x="0" y="0"/>
+          <a:chExt cx="0" cy="0"/>
+        </a:xfrm>
+      </p:grpSpPr>
+      <p:sp>
+        <p:nvSpPr>
+          <p:cNvPr id="2" name="Folienbildplatzhalter 1"/>
+          <p:cNvSpPr>
+            <a:spLocks noGrp="1" noRot="1" noChangeAspect="1"/>
+          </p:cNvSpPr>
+          <p:nvPr>
+            <p:ph type="sldImg"/>
+          </p:nvPr>
+        </p:nvSpPr>
+        <p:spPr/>
+      </p:sp>
+      <p:sp>
+        <p:nvSpPr>
+          <p:cNvPr id="3" name="Notizenplatzhalter 2"/>
+          <p:cNvSpPr>
+            <a:spLocks noGrp="1"/>
+          </p:cNvSpPr>
+          <p:nvPr>
+            <p:ph type="body" idx="1"/>
+          </p:nvPr>
+        </p:nvSpPr>
+        <p:spPr/>
+        <p:txBody>
+          <a:bodyPr/>
+          <a:lstStyle/>
+          <a:p>
+            <a:pPr marL="0" marR="0" lvl="0" indent="0" algn="l" defTabSz="914400" rtl="0" eaLnBrk="1" fontAlgn="auto" latinLnBrk="0" hangingPunct="1">
+              <a:lnSpc>
+                <a:spcPct val="100000"/>
+              </a:lnSpc>
+              <a:spcBef>
+                <a:spcPts val="0"/>
+              </a:spcBef>
+              <a:spcAft>
+                <a:spcPts val="0"/>
+              </a:spcAft>
+              <a:buClrTx/>
+              <a:buSzTx/>
+              <a:buFontTx/>
+              <a:buNone/>
+              <a:tabLst/>
+              <a:defRPr/>
+            </a:pPr>
+            <a:r>
+              <a:rPr lang="de-DE" dirty="0"/>
+              <a:t>- Beispielhaft 1-2 Aktivitätsdiagramme zeigen (die wichtigsten) und erläutern</a:t>
+            </a:r>
+          </a:p>
+          <a:p>
+            <a:endParaRPr lang="de-DE" dirty="0"/>
+          </a:p>
+        </p:txBody>
+      </p:sp>
+      <p:sp>
+        <p:nvSpPr>
+          <p:cNvPr id="4" name="Foliennummernplatzhalter 3"/>
+          <p:cNvSpPr>
+            <a:spLocks noGrp="1"/>
+          </p:cNvSpPr>
+          <p:nvPr>
+            <p:ph type="sldNum" sz="quarter" idx="5"/>
+          </p:nvPr>
+        </p:nvSpPr>
+        <p:spPr/>
+        <p:txBody>
+          <a:bodyPr/>
+          <a:lstStyle/>
+          <a:p>
+            <a:fld id="{3E370F1F-FFA2-420B-BEA9-9DB26E8F2123}" type="slidenum">
+              <a:rPr lang="de-DE" smtClean="0"/>
+              <a:t>8</a:t>
+            </a:fld>
+            <a:endParaRPr lang="de-DE"/>
+          </a:p>
+        </p:txBody>
+      </p:sp>
+    </p:spTree>
+    <p:extLst>
+      <p:ext uri="{BB962C8B-B14F-4D97-AF65-F5344CB8AC3E}">
+        <p14:creationId xmlns:p14="http://schemas.microsoft.com/office/powerpoint/2010/main" val="578831754"/>
+      </p:ext>
+    </p:extLst>
+  </p:cSld>
+  <p:clrMapOvr>
+    <a:masterClrMapping/>
+  </p:clrMapOvr>
+</p:notes>
+</file>
+
+<file path=ppt/notesSlides/notesSlide7.xml><?xml version="1.0" encoding="utf-8"?>
+<p:notes xmlns:a="http://schemas.openxmlformats.org/drawingml/2006/main" xmlns:r="http://schemas.openxmlformats.org/officeDocument/2006/relationships" xmlns:p="http://schemas.openxmlformats.org/presentationml/2006/main">
+  <p:cSld>
+    <p:spTree>
+      <p:nvGrpSpPr>
+        <p:cNvPr id="1" name=""/>
+        <p:cNvGrpSpPr/>
+        <p:nvPr/>
+      </p:nvGrpSpPr>
+      <p:grpSpPr>
+        <a:xfrm>
+          <a:off x="0" y="0"/>
+          <a:ext cx="0" cy="0"/>
+          <a:chOff x="0" y="0"/>
+          <a:chExt cx="0" cy="0"/>
+        </a:xfrm>
+      </p:grpSpPr>
+      <p:sp>
+        <p:nvSpPr>
+          <p:cNvPr id="2" name="Folienbildplatzhalter 1"/>
+          <p:cNvSpPr>
+            <a:spLocks noGrp="1" noRot="1" noChangeAspect="1"/>
+          </p:cNvSpPr>
+          <p:nvPr>
+            <p:ph type="sldImg"/>
+          </p:nvPr>
+        </p:nvSpPr>
+        <p:spPr/>
+      </p:sp>
+      <p:sp>
+        <p:nvSpPr>
+          <p:cNvPr id="3" name="Notizenplatzhalter 2"/>
+          <p:cNvSpPr>
+            <a:spLocks noGrp="1"/>
+          </p:cNvSpPr>
+          <p:nvPr>
+            <p:ph type="body" idx="1"/>
+          </p:nvPr>
+        </p:nvSpPr>
+        <p:spPr/>
+        <p:txBody>
+          <a:bodyPr/>
+          <a:lstStyle/>
+          <a:p>
+            <a:pPr marL="0" marR="0" lvl="0" indent="0" algn="l" defTabSz="914400" rtl="0" eaLnBrk="1" fontAlgn="auto" latinLnBrk="0" hangingPunct="1">
+              <a:lnSpc>
+                <a:spcPct val="100000"/>
+              </a:lnSpc>
+              <a:spcBef>
+                <a:spcPts val="0"/>
+              </a:spcBef>
+              <a:spcAft>
+                <a:spcPts val="0"/>
+              </a:spcAft>
+              <a:buClrTx/>
+              <a:buSzTx/>
+              <a:buFontTx/>
+              <a:buNone/>
+              <a:tabLst/>
+              <a:defRPr/>
+            </a:pPr>
+            <a:r>
+              <a:rPr lang="de-DE" dirty="0"/>
+              <a:t>- Beispielhaft 1-2 Aktivitätsdiagramme zeigen (die wichtigsten) und erläutern</a:t>
+            </a:r>
+          </a:p>
+          <a:p>
+            <a:endParaRPr lang="de-DE" dirty="0"/>
+          </a:p>
+        </p:txBody>
+      </p:sp>
+      <p:sp>
+        <p:nvSpPr>
+          <p:cNvPr id="4" name="Foliennummernplatzhalter 3"/>
+          <p:cNvSpPr>
+            <a:spLocks noGrp="1"/>
+          </p:cNvSpPr>
+          <p:nvPr>
+            <p:ph type="sldNum" sz="quarter" idx="5"/>
+          </p:nvPr>
+        </p:nvSpPr>
+        <p:spPr/>
+        <p:txBody>
+          <a:bodyPr/>
+          <a:lstStyle/>
+          <a:p>
+            <a:fld id="{3E370F1F-FFA2-420B-BEA9-9DB26E8F2123}" type="slidenum">
+              <a:rPr lang="de-DE" smtClean="0"/>
+              <a:t>9</a:t>
+            </a:fld>
+            <a:endParaRPr lang="de-DE"/>
+          </a:p>
+        </p:txBody>
+      </p:sp>
+    </p:spTree>
+    <p:extLst>
+      <p:ext uri="{BB962C8B-B14F-4D97-AF65-F5344CB8AC3E}">
+        <p14:creationId xmlns:p14="http://schemas.microsoft.com/office/powerpoint/2010/main" val="104770586"/>
+      </p:ext>
+    </p:extLst>
+  </p:cSld>
+  <p:clrMapOvr>
+    <a:masterClrMapping/>
+  </p:clrMapOvr>
+</p:notes>
+</file>
+
+<file path=ppt/notesSlides/notesSlide8.xml><?xml version="1.0" encoding="utf-8"?>
+<p:notes xmlns:a="http://schemas.openxmlformats.org/drawingml/2006/main" xmlns:r="http://schemas.openxmlformats.org/officeDocument/2006/relationships" xmlns:p="http://schemas.openxmlformats.org/presentationml/2006/main">
+  <p:cSld>
+    <p:spTree>
+      <p:nvGrpSpPr>
+        <p:cNvPr id="1" name=""/>
+        <p:cNvGrpSpPr/>
+        <p:nvPr/>
+      </p:nvGrpSpPr>
+      <p:grpSpPr>
+        <a:xfrm>
+          <a:off x="0" y="0"/>
+          <a:ext cx="0" cy="0"/>
+          <a:chOff x="0" y="0"/>
+          <a:chExt cx="0" cy="0"/>
+        </a:xfrm>
+      </p:grpSpPr>
+      <p:sp>
+        <p:nvSpPr>
+          <p:cNvPr id="2" name="Folienbildplatzhalter 1"/>
+          <p:cNvSpPr>
+            <a:spLocks noGrp="1" noRot="1" noChangeAspect="1"/>
+          </p:cNvSpPr>
+          <p:nvPr>
+            <p:ph type="sldImg"/>
+          </p:nvPr>
+        </p:nvSpPr>
+        <p:spPr/>
+      </p:sp>
+      <p:sp>
+        <p:nvSpPr>
+          <p:cNvPr id="3" name="Notizenplatzhalter 2"/>
+          <p:cNvSpPr>
+            <a:spLocks noGrp="1"/>
+          </p:cNvSpPr>
+          <p:nvPr>
+            <p:ph type="body" idx="1"/>
+          </p:nvPr>
+        </p:nvSpPr>
+        <p:spPr/>
+        <p:txBody>
+          <a:bodyPr/>
+          <a:lstStyle/>
+          <a:p>
+            <a:pPr marL="171450" indent="-171450">
+              <a:buFontTx/>
+              <a:buChar char="-"/>
+            </a:pPr>
+            <a:r>
+              <a:rPr lang="de-DE" dirty="0"/>
+              <a:t>Für Übersicht </a:t>
+            </a:r>
+            <a:r>
+              <a:rPr lang="de-DE" dirty="0" err="1"/>
+              <a:t>Errorstates</a:t>
+            </a:r>
+            <a:r>
+              <a:rPr lang="de-DE" dirty="0"/>
+              <a:t> ignoriert</a:t>
+            </a:r>
+          </a:p>
+          <a:p>
+            <a:pPr marL="171450" indent="-171450">
+              <a:buFontTx/>
+              <a:buChar char="-"/>
+            </a:pPr>
+            <a:r>
+              <a:rPr lang="de-DE" dirty="0"/>
+              <a:t>Grobe Übersicht, da noch am Anfang des Projektes</a:t>
+            </a:r>
+          </a:p>
+          <a:p>
+            <a:endParaRPr lang="de-DE" dirty="0"/>
+          </a:p>
+        </p:txBody>
+      </p:sp>
+      <p:sp>
+        <p:nvSpPr>
+          <p:cNvPr id="4" name="Foliennummernplatzhalter 3"/>
+          <p:cNvSpPr>
+            <a:spLocks noGrp="1"/>
+          </p:cNvSpPr>
+          <p:nvPr>
+            <p:ph type="sldNum" sz="quarter" idx="5"/>
+          </p:nvPr>
+        </p:nvSpPr>
+        <p:spPr/>
+        <p:txBody>
+          <a:bodyPr/>
+          <a:lstStyle/>
+          <a:p>
+            <a:fld id="{3E370F1F-FFA2-420B-BEA9-9DB26E8F2123}" type="slidenum">
+              <a:rPr lang="de-DE" smtClean="0"/>
+              <a:t>10</a:t>
+            </a:fld>
+            <a:endParaRPr lang="de-DE"/>
+          </a:p>
+        </p:txBody>
+      </p:sp>
+    </p:spTree>
+    <p:extLst>
+      <p:ext uri="{BB962C8B-B14F-4D97-AF65-F5344CB8AC3E}">
+        <p14:creationId xmlns:p14="http://schemas.microsoft.com/office/powerpoint/2010/main" val="4135995226"/>
+      </p:ext>
+    </p:extLst>
+  </p:cSld>
+  <p:clrMapOvr>
+    <a:masterClrMapping/>
+  </p:clrMapOvr>
+</p:notes>
+</file>
+
+<file path=ppt/notesSlides/notesSlide9.xml><?xml version="1.0" encoding="utf-8"?>
+<p:notes xmlns:a="http://schemas.openxmlformats.org/drawingml/2006/main" xmlns:r="http://schemas.openxmlformats.org/officeDocument/2006/relationships" xmlns:p="http://schemas.openxmlformats.org/presentationml/2006/main">
+  <p:cSld>
+    <p:spTree>
+      <p:nvGrpSpPr>
+        <p:cNvPr id="1" name=""/>
+        <p:cNvGrpSpPr/>
+        <p:nvPr/>
+      </p:nvGrpSpPr>
+      <p:grpSpPr>
+        <a:xfrm>
+          <a:off x="0" y="0"/>
+          <a:ext cx="0" cy="0"/>
+          <a:chOff x="0" y="0"/>
+          <a:chExt cx="0" cy="0"/>
+        </a:xfrm>
+      </p:grpSpPr>
+      <p:sp>
+        <p:nvSpPr>
+          <p:cNvPr id="2" name="Folienbildplatzhalter 1"/>
+          <p:cNvSpPr>
+            <a:spLocks noGrp="1" noRot="1" noChangeAspect="1"/>
+          </p:cNvSpPr>
+          <p:nvPr>
+            <p:ph type="sldImg"/>
+          </p:nvPr>
+        </p:nvSpPr>
+        <p:spPr/>
+      </p:sp>
+      <p:sp>
+        <p:nvSpPr>
+          <p:cNvPr id="3" name="Notizenplatzhalter 2"/>
+          <p:cNvSpPr>
+            <a:spLocks noGrp="1"/>
+          </p:cNvSpPr>
+          <p:nvPr>
+            <p:ph type="body" idx="1"/>
+          </p:nvPr>
+        </p:nvSpPr>
+        <p:spPr/>
+        <p:txBody>
+          <a:bodyPr/>
+          <a:lstStyle/>
+          <a:p>
+            <a:pPr marL="0" marR="0" lvl="0" indent="0" algn="l" defTabSz="914400" rtl="0" eaLnBrk="1" fontAlgn="auto" latinLnBrk="0" hangingPunct="1">
+              <a:lnSpc>
+                <a:spcPct val="100000"/>
+              </a:lnSpc>
+              <a:spcBef>
+                <a:spcPts val="0"/>
+              </a:spcBef>
+              <a:spcAft>
+                <a:spcPts val="0"/>
+              </a:spcAft>
+              <a:buClrTx/>
+              <a:buSzTx/>
+              <a:buFontTx/>
+              <a:buNone/>
+              <a:tabLst/>
+              <a:defRPr/>
+            </a:pPr>
+            <a:r>
+              <a:rPr lang="de-DE" dirty="0"/>
+              <a:t>-</a:t>
+            </a:r>
+          </a:p>
+        </p:txBody>
+      </p:sp>
+      <p:sp>
+        <p:nvSpPr>
+          <p:cNvPr id="4" name="Foliennummernplatzhalter 3"/>
+          <p:cNvSpPr>
+            <a:spLocks noGrp="1"/>
+          </p:cNvSpPr>
+          <p:nvPr>
+            <p:ph type="sldNum" sz="quarter" idx="5"/>
+          </p:nvPr>
+        </p:nvSpPr>
+        <p:spPr/>
+        <p:txBody>
+          <a:bodyPr/>
+          <a:lstStyle/>
+          <a:p>
+            <a:fld id="{3E370F1F-FFA2-420B-BEA9-9DB26E8F2123}" type="slidenum">
+              <a:rPr lang="de-DE" smtClean="0"/>
+              <a:t>11</a:t>
+            </a:fld>
+            <a:endParaRPr lang="de-DE"/>
+          </a:p>
+        </p:txBody>
+      </p:sp>
+    </p:spTree>
+    <p:extLst>
+      <p:ext uri="{BB962C8B-B14F-4D97-AF65-F5344CB8AC3E}">
+        <p14:creationId xmlns:p14="http://schemas.microsoft.com/office/powerpoint/2010/main" val="726923806"/>
+      </p:ext>
+    </p:extLst>
+  </p:cSld>
+  <p:clrMapOvr>
+    <a:masterClrMapping/>
+  </p:clrMapOvr>
+</p:notes>
 </file>
 
 <file path=ppt/slideLayouts/slideLayout1.xml><?xml version="1.0" encoding="utf-8"?>
@@ -259,9 +2049,9 @@
           <a:bodyPr/>
           <a:lstStyle/>
           <a:p>
-            <a:fld id="{E9BE1C14-52BE-4705-9AC7-260AB712DFCB}" type="datetimeFigureOut">
+            <a:fld id="{28BE97D9-2ED4-43E7-8648-D51CDD8C1CD2}" type="datetime1">
               <a:rPr lang="de-DE" smtClean="0"/>
-              <a:t>29.06.2024</a:t>
+              <a:t>01.07.2024</a:t>
             </a:fld>
             <a:endParaRPr lang="de-DE"/>
           </a:p>
@@ -457,9 +2247,9 @@
           <a:bodyPr/>
           <a:lstStyle/>
           <a:p>
-            <a:fld id="{E9BE1C14-52BE-4705-9AC7-260AB712DFCB}" type="datetimeFigureOut">
+            <a:fld id="{82E7228C-D3DD-4254-A187-CFF90402B627}" type="datetime1">
               <a:rPr lang="de-DE" smtClean="0"/>
-              <a:t>29.06.2024</a:t>
+              <a:t>01.07.2024</a:t>
             </a:fld>
             <a:endParaRPr lang="de-DE"/>
           </a:p>
@@ -665,9 +2455,9 @@
           <a:bodyPr/>
           <a:lstStyle/>
           <a:p>
-            <a:fld id="{E9BE1C14-52BE-4705-9AC7-260AB712DFCB}" type="datetimeFigureOut">
+            <a:fld id="{87E124D9-7AAA-4B49-8ABB-D04284322173}" type="datetime1">
               <a:rPr lang="de-DE" smtClean="0"/>
-              <a:t>29.06.2024</a:t>
+              <a:t>01.07.2024</a:t>
             </a:fld>
             <a:endParaRPr lang="de-DE"/>
           </a:p>
@@ -863,9 +2653,9 @@
           <a:bodyPr/>
           <a:lstStyle/>
           <a:p>
-            <a:fld id="{E9BE1C14-52BE-4705-9AC7-260AB712DFCB}" type="datetimeFigureOut">
+            <a:fld id="{D7B9709B-67E2-49EF-AB64-3AC5E71EF226}" type="datetime1">
               <a:rPr lang="de-DE" smtClean="0"/>
-              <a:t>29.06.2024</a:t>
+              <a:t>01.07.2024</a:t>
             </a:fld>
             <a:endParaRPr lang="de-DE"/>
           </a:p>
@@ -1138,9 +2928,9 @@
           <a:bodyPr/>
           <a:lstStyle/>
           <a:p>
-            <a:fld id="{E9BE1C14-52BE-4705-9AC7-260AB712DFCB}" type="datetimeFigureOut">
+            <a:fld id="{7CC9303E-1EC1-434E-B89A-7EC27574BB82}" type="datetime1">
               <a:rPr lang="de-DE" smtClean="0"/>
-              <a:t>29.06.2024</a:t>
+              <a:t>01.07.2024</a:t>
             </a:fld>
             <a:endParaRPr lang="de-DE"/>
           </a:p>
@@ -1403,9 +3193,9 @@
           <a:bodyPr/>
           <a:lstStyle/>
           <a:p>
-            <a:fld id="{E9BE1C14-52BE-4705-9AC7-260AB712DFCB}" type="datetimeFigureOut">
+            <a:fld id="{C30A1EC1-6D43-4738-AEAB-3AB9B1276FBB}" type="datetime1">
               <a:rPr lang="de-DE" smtClean="0"/>
-              <a:t>29.06.2024</a:t>
+              <a:t>01.07.2024</a:t>
             </a:fld>
             <a:endParaRPr lang="de-DE"/>
           </a:p>
@@ -1815,9 +3605,9 @@
           <a:bodyPr/>
           <a:lstStyle/>
           <a:p>
-            <a:fld id="{E9BE1C14-52BE-4705-9AC7-260AB712DFCB}" type="datetimeFigureOut">
+            <a:fld id="{3D0B46AC-3899-46F3-BDE7-01FEC4B5652D}" type="datetime1">
               <a:rPr lang="de-DE" smtClean="0"/>
-              <a:t>29.06.2024</a:t>
+              <a:t>01.07.2024</a:t>
             </a:fld>
             <a:endParaRPr lang="de-DE"/>
           </a:p>
@@ -1956,9 +3746,9 @@
           <a:bodyPr/>
           <a:lstStyle/>
           <a:p>
-            <a:fld id="{E9BE1C14-52BE-4705-9AC7-260AB712DFCB}" type="datetimeFigureOut">
+            <a:fld id="{C72E15BA-EE3C-4FB3-A7D2-003ED5105974}" type="datetime1">
               <a:rPr lang="de-DE" smtClean="0"/>
-              <a:t>29.06.2024</a:t>
+              <a:t>01.07.2024</a:t>
             </a:fld>
             <a:endParaRPr lang="de-DE"/>
           </a:p>
@@ -2069,9 +3859,9 @@
           <a:bodyPr/>
           <a:lstStyle/>
           <a:p>
-            <a:fld id="{E9BE1C14-52BE-4705-9AC7-260AB712DFCB}" type="datetimeFigureOut">
+            <a:fld id="{1C5FD2D1-C325-409E-BB00-A623042DE4BE}" type="datetime1">
               <a:rPr lang="de-DE" smtClean="0"/>
-              <a:t>29.06.2024</a:t>
+              <a:t>01.07.2024</a:t>
             </a:fld>
             <a:endParaRPr lang="de-DE"/>
           </a:p>
@@ -2380,9 +4170,9 @@
           <a:bodyPr/>
           <a:lstStyle/>
           <a:p>
-            <a:fld id="{E9BE1C14-52BE-4705-9AC7-260AB712DFCB}" type="datetimeFigureOut">
+            <a:fld id="{804D7B2F-78B6-4C45-AA29-D96B10C3A987}" type="datetime1">
               <a:rPr lang="de-DE" smtClean="0"/>
-              <a:t>29.06.2024</a:t>
+              <a:t>01.07.2024</a:t>
             </a:fld>
             <a:endParaRPr lang="de-DE"/>
           </a:p>
@@ -2668,9 +4458,9 @@
           <a:bodyPr/>
           <a:lstStyle/>
           <a:p>
-            <a:fld id="{E9BE1C14-52BE-4705-9AC7-260AB712DFCB}" type="datetimeFigureOut">
+            <a:fld id="{26889660-CB18-4D63-8D42-864B04B43607}" type="datetime1">
               <a:rPr lang="de-DE" smtClean="0"/>
-              <a:t>29.06.2024</a:t>
+              <a:t>01.07.2024</a:t>
             </a:fld>
             <a:endParaRPr lang="de-DE"/>
           </a:p>
@@ -2909,9 +4699,9 @@
             </a:lvl1pPr>
           </a:lstStyle>
           <a:p>
-            <a:fld id="{E9BE1C14-52BE-4705-9AC7-260AB712DFCB}" type="datetimeFigureOut">
+            <a:fld id="{2208A8D8-345C-41C5-A768-E74469EE1BD7}" type="datetime1">
               <a:rPr lang="de-DE" smtClean="0"/>
-              <a:t>29.06.2024</a:t>
+              <a:t>01.07.2024</a:t>
             </a:fld>
             <a:endParaRPr lang="de-DE"/>
           </a:p>
@@ -3028,6 +4818,7 @@
     <p:sldLayoutId id="2147483658" r:id="rId10"/>
     <p:sldLayoutId id="2147483659" r:id="rId11"/>
   </p:sldLayoutIdLst>
+  <p:hf hdr="0" ftr="0" dt="0"/>
   <p:txStyles>
     <p:titleStyle>
       <a:lvl1pPr algn="l" defTabSz="914400" rtl="0" eaLnBrk="1" latinLnBrk="0" hangingPunct="1">
@@ -3351,7 +5142,7 @@
           <a:p>
             <a:r>
               <a:rPr lang="de-DE" b="1" dirty="0"/>
-              <a:t>SE – Lab2 </a:t>
+              <a:t>SE – Lab2 SS24</a:t>
             </a:r>
           </a:p>
         </p:txBody>
@@ -3374,9 +5165,71 @@
         </p:nvSpPr>
         <p:spPr/>
         <p:txBody>
-          <a:bodyPr/>
-          <a:lstStyle/>
-          <a:p>
+          <a:bodyPr>
+            <a:normAutofit/>
+          </a:bodyPr>
+          <a:lstStyle/>
+          <a:p>
+            <a:r>
+              <a:rPr lang="de-DE" dirty="0"/>
+              <a:t>Cash </a:t>
+            </a:r>
+            <a:r>
+              <a:rPr lang="de-DE" dirty="0" err="1"/>
+              <a:t>register</a:t>
+            </a:r>
+            <a:r>
+              <a:rPr lang="de-DE" dirty="0"/>
+              <a:t> </a:t>
+            </a:r>
+            <a:r>
+              <a:rPr lang="de-DE" dirty="0" err="1"/>
+              <a:t>system</a:t>
+            </a:r>
+            <a:endParaRPr lang="de-DE" dirty="0"/>
+          </a:p>
+          <a:p>
+            <a:endParaRPr lang="de-DE" dirty="0"/>
+          </a:p>
+          <a:p>
+            <a:r>
+              <a:rPr lang="de-DE" dirty="0"/>
+              <a:t>Meike Goergens, Marius Kramer, Joshua Reichmann, Nils Meierhöfer</a:t>
+            </a:r>
+          </a:p>
+          <a:p>
+            <a:endParaRPr lang="de-DE" dirty="0"/>
+          </a:p>
+          <a:p>
+            <a:endParaRPr lang="de-DE" dirty="0"/>
+          </a:p>
+        </p:txBody>
+      </p:sp>
+      <p:sp>
+        <p:nvSpPr>
+          <p:cNvPr id="4" name="Foliennummernplatzhalter 3">
+            <a:extLst>
+              <a:ext uri="{FF2B5EF4-FFF2-40B4-BE49-F238E27FC236}">
+                <a16:creationId xmlns:a16="http://schemas.microsoft.com/office/drawing/2014/main" id="{B3FBEFB3-5750-9D6F-4538-70F889AEB67A}"/>
+              </a:ext>
+            </a:extLst>
+          </p:cNvPr>
+          <p:cNvSpPr>
+            <a:spLocks noGrp="1"/>
+          </p:cNvSpPr>
+          <p:nvPr>
+            <p:ph type="sldNum" sz="quarter" idx="12"/>
+          </p:nvPr>
+        </p:nvSpPr>
+        <p:spPr/>
+        <p:txBody>
+          <a:bodyPr/>
+          <a:lstStyle/>
+          <a:p>
+            <a:fld id="{17763344-6091-41A8-BB2A-E8CC2B42C4DA}" type="slidenum">
+              <a:rPr lang="de-DE" smtClean="0"/>
+              <a:t>1</a:t>
+            </a:fld>
             <a:endParaRPr lang="de-DE"/>
           </a:p>
         </p:txBody>
@@ -3385,6 +5238,522 @@
     <p:extLst>
       <p:ext uri="{BB962C8B-B14F-4D97-AF65-F5344CB8AC3E}">
         <p14:creationId xmlns:p14="http://schemas.microsoft.com/office/powerpoint/2010/main" val="2289889591"/>
+      </p:ext>
+    </p:extLst>
+  </p:cSld>
+  <p:clrMapOvr>
+    <a:masterClrMapping/>
+  </p:clrMapOvr>
+</p:sld>
+</file>
+
+<file path=ppt/slides/slide10.xml><?xml version="1.0" encoding="utf-8"?>
+<p:sld xmlns:a="http://schemas.openxmlformats.org/drawingml/2006/main" xmlns:r="http://schemas.openxmlformats.org/officeDocument/2006/relationships" xmlns:p="http://schemas.openxmlformats.org/presentationml/2006/main">
+  <p:cSld>
+    <p:spTree>
+      <p:nvGrpSpPr>
+        <p:cNvPr id="1" name=""/>
+        <p:cNvGrpSpPr/>
+        <p:nvPr/>
+      </p:nvGrpSpPr>
+      <p:grpSpPr>
+        <a:xfrm>
+          <a:off x="0" y="0"/>
+          <a:ext cx="0" cy="0"/>
+          <a:chOff x="0" y="0"/>
+          <a:chExt cx="0" cy="0"/>
+        </a:xfrm>
+      </p:grpSpPr>
+      <p:sp>
+        <p:nvSpPr>
+          <p:cNvPr id="2" name="Titel 1">
+            <a:extLst>
+              <a:ext uri="{FF2B5EF4-FFF2-40B4-BE49-F238E27FC236}">
+                <a16:creationId xmlns:a16="http://schemas.microsoft.com/office/drawing/2014/main" id="{F6DF6C58-7F47-1A50-190C-D85EA43159BE}"/>
+              </a:ext>
+            </a:extLst>
+          </p:cNvPr>
+          <p:cNvSpPr>
+            <a:spLocks noGrp="1"/>
+          </p:cNvSpPr>
+          <p:nvPr>
+            <p:ph type="title"/>
+          </p:nvPr>
+        </p:nvSpPr>
+        <p:spPr>
+          <a:xfrm>
+            <a:off x="838200" y="0"/>
+            <a:ext cx="10515600" cy="1325563"/>
+          </a:xfrm>
+        </p:spPr>
+        <p:txBody>
+          <a:bodyPr/>
+          <a:lstStyle/>
+          <a:p>
+            <a:r>
+              <a:rPr lang="de-DE" dirty="0"/>
+              <a:t>State </a:t>
+            </a:r>
+            <a:r>
+              <a:rPr lang="de-DE" dirty="0" err="1"/>
+              <a:t>Diagrams</a:t>
+            </a:r>
+            <a:endParaRPr lang="de-DE" dirty="0"/>
+          </a:p>
+        </p:txBody>
+      </p:sp>
+      <p:pic>
+        <p:nvPicPr>
+          <p:cNvPr id="5" name="Grafik 4">
+            <a:extLst>
+              <a:ext uri="{FF2B5EF4-FFF2-40B4-BE49-F238E27FC236}">
+                <a16:creationId xmlns:a16="http://schemas.microsoft.com/office/drawing/2014/main" id="{0252C04D-2E44-CE66-D5A7-9070304DCAE6}"/>
+              </a:ext>
+            </a:extLst>
+          </p:cNvPr>
+          <p:cNvPicPr>
+            <a:picLocks noChangeAspect="1"/>
+          </p:cNvPicPr>
+          <p:nvPr/>
+        </p:nvPicPr>
+        <p:blipFill>
+          <a:blip r:embed="rId3">
+            <a:extLst>
+              <a:ext uri="{28A0092B-C50C-407E-A947-70E740481C1C}">
+                <a14:useLocalDpi xmlns:a14="http://schemas.microsoft.com/office/drawing/2010/main" val="0"/>
+              </a:ext>
+            </a:extLst>
+          </a:blip>
+          <a:stretch>
+            <a:fillRect/>
+          </a:stretch>
+        </p:blipFill>
+        <p:spPr>
+          <a:xfrm>
+            <a:off x="170274" y="1027906"/>
+            <a:ext cx="12021726" cy="5761355"/>
+          </a:xfrm>
+          <a:prstGeom prst="rect">
+            <a:avLst/>
+          </a:prstGeom>
+        </p:spPr>
+      </p:pic>
+      <p:sp>
+        <p:nvSpPr>
+          <p:cNvPr id="6" name="Foliennummernplatzhalter 5">
+            <a:extLst>
+              <a:ext uri="{FF2B5EF4-FFF2-40B4-BE49-F238E27FC236}">
+                <a16:creationId xmlns:a16="http://schemas.microsoft.com/office/drawing/2014/main" id="{330C10ED-4E03-424D-AF9A-AC08FE6F9177}"/>
+              </a:ext>
+            </a:extLst>
+          </p:cNvPr>
+          <p:cNvSpPr>
+            <a:spLocks noGrp="1"/>
+          </p:cNvSpPr>
+          <p:nvPr>
+            <p:ph type="sldNum" sz="quarter" idx="12"/>
+          </p:nvPr>
+        </p:nvSpPr>
+        <p:spPr/>
+        <p:txBody>
+          <a:bodyPr/>
+          <a:lstStyle/>
+          <a:p>
+            <a:fld id="{17763344-6091-41A8-BB2A-E8CC2B42C4DA}" type="slidenum">
+              <a:rPr lang="de-DE" smtClean="0"/>
+              <a:t>10</a:t>
+            </a:fld>
+            <a:endParaRPr lang="de-DE"/>
+          </a:p>
+        </p:txBody>
+      </p:sp>
+    </p:spTree>
+    <p:extLst>
+      <p:ext uri="{BB962C8B-B14F-4D97-AF65-F5344CB8AC3E}">
+        <p14:creationId xmlns:p14="http://schemas.microsoft.com/office/powerpoint/2010/main" val="3499539889"/>
+      </p:ext>
+    </p:extLst>
+  </p:cSld>
+  <p:clrMapOvr>
+    <a:masterClrMapping/>
+  </p:clrMapOvr>
+</p:sld>
+</file>
+
+<file path=ppt/slides/slide11.xml><?xml version="1.0" encoding="utf-8"?>
+<p:sld xmlns:a="http://schemas.openxmlformats.org/drawingml/2006/main" xmlns:r="http://schemas.openxmlformats.org/officeDocument/2006/relationships" xmlns:p="http://schemas.openxmlformats.org/presentationml/2006/main">
+  <p:cSld>
+    <p:spTree>
+      <p:nvGrpSpPr>
+        <p:cNvPr id="1" name=""/>
+        <p:cNvGrpSpPr/>
+        <p:nvPr/>
+      </p:nvGrpSpPr>
+      <p:grpSpPr>
+        <a:xfrm>
+          <a:off x="0" y="0"/>
+          <a:ext cx="0" cy="0"/>
+          <a:chOff x="0" y="0"/>
+          <a:chExt cx="0" cy="0"/>
+        </a:xfrm>
+      </p:grpSpPr>
+      <p:sp>
+        <p:nvSpPr>
+          <p:cNvPr id="2" name="Titel 1">
+            <a:extLst>
+              <a:ext uri="{FF2B5EF4-FFF2-40B4-BE49-F238E27FC236}">
+                <a16:creationId xmlns:a16="http://schemas.microsoft.com/office/drawing/2014/main" id="{A065F379-520E-DF79-DE2E-8F5A3A032C09}"/>
+              </a:ext>
+            </a:extLst>
+          </p:cNvPr>
+          <p:cNvSpPr>
+            <a:spLocks noGrp="1"/>
+          </p:cNvSpPr>
+          <p:nvPr>
+            <p:ph type="title"/>
+          </p:nvPr>
+        </p:nvSpPr>
+        <p:spPr>
+          <a:xfrm>
+            <a:off x="838200" y="0"/>
+            <a:ext cx="10975848" cy="1325563"/>
+          </a:xfrm>
+        </p:spPr>
+        <p:txBody>
+          <a:bodyPr/>
+          <a:lstStyle/>
+          <a:p>
+            <a:r>
+              <a:rPr lang="de-DE" dirty="0"/>
+              <a:t>Sound </a:t>
+            </a:r>
+            <a:r>
+              <a:rPr lang="de-DE" dirty="0" err="1"/>
+              <a:t>concept</a:t>
+            </a:r>
+            <a:r>
+              <a:rPr lang="de-DE" dirty="0"/>
+              <a:t> </a:t>
+            </a:r>
+            <a:r>
+              <a:rPr lang="de-DE" dirty="0" err="1"/>
+              <a:t>of</a:t>
+            </a:r>
+            <a:r>
+              <a:rPr lang="de-DE" dirty="0"/>
+              <a:t> </a:t>
+            </a:r>
+            <a:r>
+              <a:rPr lang="de-DE" dirty="0" err="1"/>
+              <a:t>system</a:t>
+            </a:r>
+            <a:r>
+              <a:rPr lang="de-DE" dirty="0"/>
+              <a:t> </a:t>
+            </a:r>
+            <a:r>
+              <a:rPr lang="de-DE" dirty="0" err="1"/>
+              <a:t>software</a:t>
+            </a:r>
+            <a:r>
+              <a:rPr lang="de-DE" dirty="0"/>
+              <a:t> </a:t>
+            </a:r>
+            <a:r>
+              <a:rPr lang="de-DE" dirty="0" err="1"/>
+              <a:t>architecture</a:t>
+            </a:r>
+            <a:endParaRPr lang="de-DE" dirty="0"/>
+          </a:p>
+        </p:txBody>
+      </p:sp>
+      <p:sp>
+        <p:nvSpPr>
+          <p:cNvPr id="4" name="Textfeld 3">
+            <a:extLst>
+              <a:ext uri="{FF2B5EF4-FFF2-40B4-BE49-F238E27FC236}">
+                <a16:creationId xmlns:a16="http://schemas.microsoft.com/office/drawing/2014/main" id="{EAADF428-2219-D1D3-44FB-5BBA269E760B}"/>
+              </a:ext>
+            </a:extLst>
+          </p:cNvPr>
+          <p:cNvSpPr txBox="1"/>
+          <p:nvPr/>
+        </p:nvSpPr>
+        <p:spPr>
+          <a:xfrm>
+            <a:off x="838200" y="1548384"/>
+            <a:ext cx="9516772" cy="2610843"/>
+          </a:xfrm>
+          <a:prstGeom prst="rect">
+            <a:avLst/>
+          </a:prstGeom>
+          <a:noFill/>
+        </p:spPr>
+        <p:txBody>
+          <a:bodyPr wrap="none" rtlCol="0">
+            <a:spAutoFit/>
+          </a:bodyPr>
+          <a:lstStyle/>
+          <a:p>
+            <a:pPr marL="285750" indent="-285750">
+              <a:lnSpc>
+                <a:spcPct val="150000"/>
+              </a:lnSpc>
+              <a:buFont typeface="Arial" panose="020B0604020202020204" pitchFamily="34" charset="0"/>
+              <a:buChar char="•"/>
+            </a:pPr>
+            <a:r>
+              <a:rPr lang="de-DE" sz="2800" dirty="0"/>
+              <a:t>Betriebssystem (Windows oder GNU/Linux)</a:t>
+            </a:r>
+          </a:p>
+          <a:p>
+            <a:pPr marL="285750" indent="-285750">
+              <a:lnSpc>
+                <a:spcPct val="150000"/>
+              </a:lnSpc>
+              <a:buFont typeface="Arial" panose="020B0604020202020204" pitchFamily="34" charset="0"/>
+              <a:buChar char="•"/>
+            </a:pPr>
+            <a:r>
+              <a:rPr lang="de-DE" sz="2800" dirty="0"/>
+              <a:t>Objektorientierte Programmierung mit C++</a:t>
+            </a:r>
+          </a:p>
+          <a:p>
+            <a:pPr marL="285750" indent="-285750">
+              <a:lnSpc>
+                <a:spcPct val="150000"/>
+              </a:lnSpc>
+              <a:buFont typeface="Arial" panose="020B0604020202020204" pitchFamily="34" charset="0"/>
+              <a:buChar char="•"/>
+            </a:pPr>
+            <a:r>
+              <a:rPr lang="de-DE" sz="2800" dirty="0"/>
+              <a:t>Erwartung: Firmware für Schnittstellen inkl. </a:t>
+            </a:r>
+            <a:r>
+              <a:rPr lang="de-DE" sz="2800" dirty="0" err="1"/>
+              <a:t>libraries</a:t>
+            </a:r>
+            <a:r>
+              <a:rPr lang="de-DE" sz="2800" dirty="0"/>
+              <a:t> für C/C++</a:t>
+            </a:r>
+          </a:p>
+          <a:p>
+            <a:pPr marL="285750" indent="-285750">
+              <a:lnSpc>
+                <a:spcPct val="150000"/>
+              </a:lnSpc>
+              <a:buFont typeface="Arial" panose="020B0604020202020204" pitchFamily="34" charset="0"/>
+              <a:buChar char="•"/>
+            </a:pPr>
+            <a:r>
+              <a:rPr lang="de-DE" sz="2800" dirty="0"/>
+              <a:t>Hohe Kompatibilität mit verschiedenster Hardware</a:t>
+            </a:r>
+          </a:p>
+        </p:txBody>
+      </p:sp>
+      <p:sp>
+        <p:nvSpPr>
+          <p:cNvPr id="6" name="Foliennummernplatzhalter 5">
+            <a:extLst>
+              <a:ext uri="{FF2B5EF4-FFF2-40B4-BE49-F238E27FC236}">
+                <a16:creationId xmlns:a16="http://schemas.microsoft.com/office/drawing/2014/main" id="{93819377-B801-2533-BB45-010BEEF4E292}"/>
+              </a:ext>
+            </a:extLst>
+          </p:cNvPr>
+          <p:cNvSpPr>
+            <a:spLocks noGrp="1"/>
+          </p:cNvSpPr>
+          <p:nvPr>
+            <p:ph type="sldNum" sz="quarter" idx="12"/>
+          </p:nvPr>
+        </p:nvSpPr>
+        <p:spPr/>
+        <p:txBody>
+          <a:bodyPr/>
+          <a:lstStyle/>
+          <a:p>
+            <a:fld id="{17763344-6091-41A8-BB2A-E8CC2B42C4DA}" type="slidenum">
+              <a:rPr lang="de-DE" smtClean="0"/>
+              <a:t>11</a:t>
+            </a:fld>
+            <a:endParaRPr lang="de-DE"/>
+          </a:p>
+        </p:txBody>
+      </p:sp>
+    </p:spTree>
+    <p:extLst>
+      <p:ext uri="{BB962C8B-B14F-4D97-AF65-F5344CB8AC3E}">
+        <p14:creationId xmlns:p14="http://schemas.microsoft.com/office/powerpoint/2010/main" val="2099768327"/>
+      </p:ext>
+    </p:extLst>
+  </p:cSld>
+  <p:clrMapOvr>
+    <a:masterClrMapping/>
+  </p:clrMapOvr>
+</p:sld>
+</file>
+
+<file path=ppt/slides/slide12.xml><?xml version="1.0" encoding="utf-8"?>
+<p:sld xmlns:a="http://schemas.openxmlformats.org/drawingml/2006/main" xmlns:r="http://schemas.openxmlformats.org/officeDocument/2006/relationships" xmlns:p="http://schemas.openxmlformats.org/presentationml/2006/main">
+  <p:cSld>
+    <p:spTree>
+      <p:nvGrpSpPr>
+        <p:cNvPr id="1" name=""/>
+        <p:cNvGrpSpPr/>
+        <p:nvPr/>
+      </p:nvGrpSpPr>
+      <p:grpSpPr>
+        <a:xfrm>
+          <a:off x="0" y="0"/>
+          <a:ext cx="0" cy="0"/>
+          <a:chOff x="0" y="0"/>
+          <a:chExt cx="0" cy="0"/>
+        </a:xfrm>
+      </p:grpSpPr>
+      <p:sp>
+        <p:nvSpPr>
+          <p:cNvPr id="2" name="Titel 1">
+            <a:extLst>
+              <a:ext uri="{FF2B5EF4-FFF2-40B4-BE49-F238E27FC236}">
+                <a16:creationId xmlns:a16="http://schemas.microsoft.com/office/drawing/2014/main" id="{A065F379-520E-DF79-DE2E-8F5A3A032C09}"/>
+              </a:ext>
+            </a:extLst>
+          </p:cNvPr>
+          <p:cNvSpPr>
+            <a:spLocks noGrp="1"/>
+          </p:cNvSpPr>
+          <p:nvPr>
+            <p:ph type="title"/>
+          </p:nvPr>
+        </p:nvSpPr>
+        <p:spPr>
+          <a:xfrm>
+            <a:off x="838200" y="0"/>
+            <a:ext cx="10975848" cy="1325563"/>
+          </a:xfrm>
+        </p:spPr>
+        <p:txBody>
+          <a:bodyPr/>
+          <a:lstStyle/>
+          <a:p>
+            <a:r>
+              <a:rPr lang="de-DE" dirty="0"/>
+              <a:t>Fazit &amp; Probleme</a:t>
+            </a:r>
+          </a:p>
+        </p:txBody>
+      </p:sp>
+      <p:sp>
+        <p:nvSpPr>
+          <p:cNvPr id="4" name="Textfeld 3">
+            <a:extLst>
+              <a:ext uri="{FF2B5EF4-FFF2-40B4-BE49-F238E27FC236}">
+                <a16:creationId xmlns:a16="http://schemas.microsoft.com/office/drawing/2014/main" id="{EAADF428-2219-D1D3-44FB-5BBA269E760B}"/>
+              </a:ext>
+            </a:extLst>
+          </p:cNvPr>
+          <p:cNvSpPr txBox="1"/>
+          <p:nvPr/>
+        </p:nvSpPr>
+        <p:spPr>
+          <a:xfrm>
+            <a:off x="838200" y="1548384"/>
+            <a:ext cx="6235810" cy="1964512"/>
+          </a:xfrm>
+          <a:prstGeom prst="rect">
+            <a:avLst/>
+          </a:prstGeom>
+          <a:noFill/>
+        </p:spPr>
+        <p:txBody>
+          <a:bodyPr wrap="none" rtlCol="0">
+            <a:spAutoFit/>
+          </a:bodyPr>
+          <a:lstStyle/>
+          <a:p>
+            <a:pPr marL="285750" indent="-285750">
+              <a:lnSpc>
+                <a:spcPct val="150000"/>
+              </a:lnSpc>
+              <a:buFont typeface="Arial" panose="020B0604020202020204" pitchFamily="34" charset="0"/>
+              <a:buChar char="•"/>
+            </a:pPr>
+            <a:r>
+              <a:rPr lang="de-DE" sz="2800" dirty="0"/>
+              <a:t>Umfang bestimmen und eingrenzen</a:t>
+            </a:r>
+          </a:p>
+          <a:p>
+            <a:pPr marL="285750" indent="-285750">
+              <a:lnSpc>
+                <a:spcPct val="150000"/>
+              </a:lnSpc>
+              <a:buFont typeface="Arial" panose="020B0604020202020204" pitchFamily="34" charset="0"/>
+              <a:buChar char="•"/>
+            </a:pPr>
+            <a:r>
+              <a:rPr lang="de-DE" sz="2800" dirty="0"/>
+              <a:t>Effizient Lösungen in der Gruppe finden</a:t>
+            </a:r>
+          </a:p>
+          <a:p>
+            <a:pPr marL="285750" indent="-285750">
+              <a:lnSpc>
+                <a:spcPct val="150000"/>
+              </a:lnSpc>
+              <a:buFont typeface="Arial" panose="020B0604020202020204" pitchFamily="34" charset="0"/>
+              <a:buChar char="•"/>
+            </a:pPr>
+            <a:r>
+              <a:rPr lang="de-DE" sz="2800"/>
+              <a:t>Verbindungen im </a:t>
+            </a:r>
+            <a:r>
+              <a:rPr lang="de-DE" sz="2800" dirty="0" err="1"/>
+              <a:t>Entitätendiagramm</a:t>
+            </a:r>
+            <a:endParaRPr lang="de-DE" sz="2800" dirty="0"/>
+          </a:p>
+        </p:txBody>
+      </p:sp>
+      <p:sp>
+        <p:nvSpPr>
+          <p:cNvPr id="3" name="Foliennummernplatzhalter 2">
+            <a:extLst>
+              <a:ext uri="{FF2B5EF4-FFF2-40B4-BE49-F238E27FC236}">
+                <a16:creationId xmlns:a16="http://schemas.microsoft.com/office/drawing/2014/main" id="{67CCF1D0-E122-4D03-2A7E-A042F75188C7}"/>
+              </a:ext>
+            </a:extLst>
+          </p:cNvPr>
+          <p:cNvSpPr>
+            <a:spLocks noGrp="1"/>
+          </p:cNvSpPr>
+          <p:nvPr>
+            <p:ph type="sldNum" sz="quarter" idx="12"/>
+          </p:nvPr>
+        </p:nvSpPr>
+        <p:spPr/>
+        <p:txBody>
+          <a:bodyPr/>
+          <a:lstStyle/>
+          <a:p>
+            <a:fld id="{17763344-6091-41A8-BB2A-E8CC2B42C4DA}" type="slidenum">
+              <a:rPr lang="de-DE" smtClean="0"/>
+              <a:t>12</a:t>
+            </a:fld>
+            <a:endParaRPr lang="de-DE"/>
+          </a:p>
+        </p:txBody>
+      </p:sp>
+    </p:spTree>
+    <p:extLst>
+      <p:ext uri="{BB962C8B-B14F-4D97-AF65-F5344CB8AC3E}">
+        <p14:creationId xmlns:p14="http://schemas.microsoft.com/office/powerpoint/2010/main" val="3038906085"/>
       </p:ext>
     </p:extLst>
   </p:cSld>
@@ -3427,13 +5796,18 @@
             <p:ph type="title"/>
           </p:nvPr>
         </p:nvSpPr>
-        <p:spPr/>
-        <p:txBody>
-          <a:bodyPr/>
-          <a:lstStyle/>
-          <a:p>
-            <a:r>
-              <a:rPr lang="de-DE" b="1" dirty="0"/>
+        <p:spPr>
+          <a:xfrm>
+            <a:off x="838200" y="18255"/>
+            <a:ext cx="10515600" cy="1325563"/>
+          </a:xfrm>
+        </p:spPr>
+        <p:txBody>
+          <a:bodyPr/>
+          <a:lstStyle/>
+          <a:p>
+            <a:r>
+              <a:rPr lang="de-DE" dirty="0"/>
               <a:t>Inhaltsverzeichnis</a:t>
             </a:r>
           </a:p>
@@ -3507,6 +5881,84 @@
               <a:t>Diagram</a:t>
             </a:r>
             <a:endParaRPr lang="de-DE" dirty="0"/>
+          </a:p>
+          <a:p>
+            <a:r>
+              <a:rPr lang="de-DE" dirty="0"/>
+              <a:t>Sound </a:t>
+            </a:r>
+            <a:r>
+              <a:rPr lang="de-DE" dirty="0" err="1"/>
+              <a:t>concept</a:t>
+            </a:r>
+            <a:r>
+              <a:rPr lang="de-DE" dirty="0"/>
+              <a:t> </a:t>
+            </a:r>
+            <a:r>
+              <a:rPr lang="de-DE" dirty="0" err="1"/>
+              <a:t>of</a:t>
+            </a:r>
+            <a:r>
+              <a:rPr lang="de-DE" dirty="0"/>
+              <a:t> </a:t>
+            </a:r>
+            <a:r>
+              <a:rPr lang="de-DE" dirty="0" err="1"/>
+              <a:t>system</a:t>
+            </a:r>
+            <a:r>
+              <a:rPr lang="de-DE" dirty="0"/>
+              <a:t> </a:t>
+            </a:r>
+            <a:r>
+              <a:rPr lang="de-DE" dirty="0" err="1"/>
+              <a:t>software</a:t>
+            </a:r>
+            <a:r>
+              <a:rPr lang="de-DE" dirty="0"/>
+              <a:t> </a:t>
+            </a:r>
+            <a:r>
+              <a:rPr lang="de-DE" dirty="0" err="1"/>
+              <a:t>architecture</a:t>
+            </a:r>
+            <a:endParaRPr lang="de-DE" dirty="0"/>
+          </a:p>
+          <a:p>
+            <a:r>
+              <a:rPr lang="de-DE" dirty="0"/>
+              <a:t>Fazit &amp; Probleme</a:t>
+            </a:r>
+          </a:p>
+        </p:txBody>
+      </p:sp>
+      <p:sp>
+        <p:nvSpPr>
+          <p:cNvPr id="4" name="Foliennummernplatzhalter 3">
+            <a:extLst>
+              <a:ext uri="{FF2B5EF4-FFF2-40B4-BE49-F238E27FC236}">
+                <a16:creationId xmlns:a16="http://schemas.microsoft.com/office/drawing/2014/main" id="{637AB257-AACC-131E-833F-D322F943E694}"/>
+              </a:ext>
+            </a:extLst>
+          </p:cNvPr>
+          <p:cNvSpPr>
+            <a:spLocks noGrp="1"/>
+          </p:cNvSpPr>
+          <p:nvPr>
+            <p:ph type="sldNum" sz="quarter" idx="12"/>
+          </p:nvPr>
+        </p:nvSpPr>
+        <p:spPr/>
+        <p:txBody>
+          <a:bodyPr/>
+          <a:lstStyle/>
+          <a:p>
+            <a:fld id="{17763344-6091-41A8-BB2A-E8CC2B42C4DA}" type="slidenum">
+              <a:rPr lang="de-DE" smtClean="0"/>
+              <a:t>2</a:t>
+            </a:fld>
+            <a:endParaRPr lang="de-DE"/>
           </a:p>
         </p:txBody>
       </p:sp>
@@ -3556,7 +6008,12 @@
             <p:ph type="title"/>
           </p:nvPr>
         </p:nvSpPr>
-        <p:spPr/>
+        <p:spPr>
+          <a:xfrm>
+            <a:off x="838200" y="0"/>
+            <a:ext cx="10515600" cy="1325563"/>
+          </a:xfrm>
+        </p:spPr>
         <p:txBody>
           <a:bodyPr/>
           <a:lstStyle/>
@@ -3568,37 +6025,68 @@
           </a:p>
         </p:txBody>
       </p:sp>
-      <p:sp>
-        <p:nvSpPr>
-          <p:cNvPr id="3" name="Inhaltsplatzhalter 2">
-            <a:extLst>
-              <a:ext uri="{FF2B5EF4-FFF2-40B4-BE49-F238E27FC236}">
-                <a16:creationId xmlns:a16="http://schemas.microsoft.com/office/drawing/2014/main" id="{CB5760FA-36B5-3E0F-7CEC-40FE0F530A22}"/>
-              </a:ext>
-            </a:extLst>
-          </p:cNvPr>
-          <p:cNvSpPr>
-            <a:spLocks noGrp="1"/>
-          </p:cNvSpPr>
-          <p:nvPr>
-            <p:ph idx="1"/>
-          </p:nvPr>
-        </p:nvSpPr>
-        <p:spPr/>
-        <p:txBody>
-          <a:bodyPr/>
-          <a:lstStyle/>
-          <a:p>
-            <a:r>
-              <a:rPr lang="de-DE" dirty="0"/>
-              <a:t>Geänderte DIRs nennen</a:t>
-            </a:r>
-          </a:p>
-          <a:p>
-            <a:r>
-              <a:rPr lang="de-DE" dirty="0"/>
-              <a:t>Sagen, dass wir uns die Verifikation Methods angeschaut haben, aber nichts geändert haben</a:t>
-            </a:r>
+      <p:pic>
+        <p:nvPicPr>
+          <p:cNvPr id="5" name="Grafik 4">
+            <a:extLst>
+              <a:ext uri="{FF2B5EF4-FFF2-40B4-BE49-F238E27FC236}">
+                <a16:creationId xmlns:a16="http://schemas.microsoft.com/office/drawing/2014/main" id="{AC67C676-4EF0-D70E-3192-AB3B3A8EA73D}"/>
+              </a:ext>
+            </a:extLst>
+          </p:cNvPr>
+          <p:cNvPicPr>
+            <a:picLocks noChangeAspect="1"/>
+          </p:cNvPicPr>
+          <p:nvPr/>
+        </p:nvPicPr>
+        <p:blipFill>
+          <a:blip r:embed="rId3">
+            <a:extLst>
+              <a:ext uri="{28A0092B-C50C-407E-A947-70E740481C1C}">
+                <a14:useLocalDpi xmlns:a14="http://schemas.microsoft.com/office/drawing/2010/main" val="0"/>
+              </a:ext>
+            </a:extLst>
+          </a:blip>
+          <a:stretch>
+            <a:fillRect/>
+          </a:stretch>
+        </p:blipFill>
+        <p:spPr>
+          <a:xfrm>
+            <a:off x="2326664" y="0"/>
+            <a:ext cx="9865336" cy="6858000"/>
+          </a:xfrm>
+          <a:prstGeom prst="rect">
+            <a:avLst/>
+          </a:prstGeom>
+        </p:spPr>
+      </p:pic>
+      <p:sp>
+        <p:nvSpPr>
+          <p:cNvPr id="6" name="Foliennummernplatzhalter 5">
+            <a:extLst>
+              <a:ext uri="{FF2B5EF4-FFF2-40B4-BE49-F238E27FC236}">
+                <a16:creationId xmlns:a16="http://schemas.microsoft.com/office/drawing/2014/main" id="{9F1A17D6-4B20-B714-D063-99FADC5EC7AC}"/>
+              </a:ext>
+            </a:extLst>
+          </p:cNvPr>
+          <p:cNvSpPr>
+            <a:spLocks noGrp="1"/>
+          </p:cNvSpPr>
+          <p:nvPr>
+            <p:ph type="sldNum" sz="quarter" idx="12"/>
+          </p:nvPr>
+        </p:nvSpPr>
+        <p:spPr/>
+        <p:txBody>
+          <a:bodyPr/>
+          <a:lstStyle/>
+          <a:p>
+            <a:fld id="{17763344-6091-41A8-BB2A-E8CC2B42C4DA}" type="slidenum">
+              <a:rPr lang="de-DE" smtClean="0"/>
+              <a:t>3</a:t>
+            </a:fld>
+            <a:endParaRPr lang="de-DE"/>
           </a:p>
         </p:txBody>
       </p:sp>
@@ -3648,7 +6136,12 @@
             <p:ph type="title"/>
           </p:nvPr>
         </p:nvSpPr>
-        <p:spPr/>
+        <p:spPr>
+          <a:xfrm>
+            <a:off x="838200" y="0"/>
+            <a:ext cx="10515600" cy="1325563"/>
+          </a:xfrm>
+        </p:spPr>
         <p:txBody>
           <a:bodyPr/>
           <a:lstStyle/>
@@ -3664,39 +6157,68 @@
           </a:p>
         </p:txBody>
       </p:sp>
-      <p:sp>
-        <p:nvSpPr>
-          <p:cNvPr id="3" name="Inhaltsplatzhalter 2">
-            <a:extLst>
-              <a:ext uri="{FF2B5EF4-FFF2-40B4-BE49-F238E27FC236}">
-                <a16:creationId xmlns:a16="http://schemas.microsoft.com/office/drawing/2014/main" id="{D4AF6ABF-41D4-6070-545D-86FE617E63F2}"/>
-              </a:ext>
-            </a:extLst>
-          </p:cNvPr>
-          <p:cNvSpPr>
-            <a:spLocks noGrp="1"/>
-          </p:cNvSpPr>
-          <p:nvPr>
-            <p:ph idx="1"/>
-          </p:nvPr>
-        </p:nvSpPr>
-        <p:spPr/>
-        <p:txBody>
-          <a:bodyPr/>
-          <a:lstStyle/>
-          <a:p>
-            <a:r>
-              <a:rPr lang="de-DE" dirty="0"/>
-              <a:t>Altes und neues </a:t>
-            </a:r>
-            <a:r>
-              <a:rPr lang="de-DE" dirty="0" err="1"/>
-              <a:t>Context</a:t>
-            </a:r>
-            <a:r>
-              <a:rPr lang="de-DE" dirty="0"/>
-              <a:t> Model gegenüberstellen und Veränderungen erklären (also wo sie herkommen, was wir uns dabei gedacht haben)</a:t>
-            </a:r>
+      <p:pic>
+        <p:nvPicPr>
+          <p:cNvPr id="7" name="Grafik 6">
+            <a:extLst>
+              <a:ext uri="{FF2B5EF4-FFF2-40B4-BE49-F238E27FC236}">
+                <a16:creationId xmlns:a16="http://schemas.microsoft.com/office/drawing/2014/main" id="{0DC14131-E23E-1A73-B0CC-3AFBBA8CBF2D}"/>
+              </a:ext>
+            </a:extLst>
+          </p:cNvPr>
+          <p:cNvPicPr>
+            <a:picLocks noChangeAspect="1"/>
+          </p:cNvPicPr>
+          <p:nvPr/>
+        </p:nvPicPr>
+        <p:blipFill>
+          <a:blip r:embed="rId3">
+            <a:extLst>
+              <a:ext uri="{28A0092B-C50C-407E-A947-70E740481C1C}">
+                <a14:useLocalDpi xmlns:a14="http://schemas.microsoft.com/office/drawing/2010/main" val="0"/>
+              </a:ext>
+            </a:extLst>
+          </a:blip>
+          <a:stretch>
+            <a:fillRect/>
+          </a:stretch>
+        </p:blipFill>
+        <p:spPr>
+          <a:xfrm>
+            <a:off x="0" y="861905"/>
+            <a:ext cx="12892147" cy="5996095"/>
+          </a:xfrm>
+          <a:prstGeom prst="rect">
+            <a:avLst/>
+          </a:prstGeom>
+        </p:spPr>
+      </p:pic>
+      <p:sp>
+        <p:nvSpPr>
+          <p:cNvPr id="8" name="Foliennummernplatzhalter 7">
+            <a:extLst>
+              <a:ext uri="{FF2B5EF4-FFF2-40B4-BE49-F238E27FC236}">
+                <a16:creationId xmlns:a16="http://schemas.microsoft.com/office/drawing/2014/main" id="{5ACC085A-4D35-E271-B72D-88D66B9AB8D6}"/>
+              </a:ext>
+            </a:extLst>
+          </p:cNvPr>
+          <p:cNvSpPr>
+            <a:spLocks noGrp="1"/>
+          </p:cNvSpPr>
+          <p:nvPr>
+            <p:ph type="sldNum" sz="quarter" idx="12"/>
+          </p:nvPr>
+        </p:nvSpPr>
+        <p:spPr/>
+        <p:txBody>
+          <a:bodyPr/>
+          <a:lstStyle/>
+          <a:p>
+            <a:fld id="{17763344-6091-41A8-BB2A-E8CC2B42C4DA}" type="slidenum">
+              <a:rPr lang="de-DE" smtClean="0"/>
+              <a:t>4</a:t>
+            </a:fld>
+            <a:endParaRPr lang="de-DE"/>
           </a:p>
         </p:txBody>
       </p:sp>
@@ -3746,7 +6268,12 @@
             <p:ph type="title"/>
           </p:nvPr>
         </p:nvSpPr>
-        <p:spPr/>
+        <p:spPr>
+          <a:xfrm>
+            <a:off x="838200" y="0"/>
+            <a:ext cx="10515600" cy="1325563"/>
+          </a:xfrm>
+        </p:spPr>
         <p:txBody>
           <a:bodyPr/>
           <a:lstStyle/>
@@ -3758,43 +6285,68 @@
           </a:p>
         </p:txBody>
       </p:sp>
-      <p:sp>
-        <p:nvSpPr>
-          <p:cNvPr id="3" name="Inhaltsplatzhalter 2">
-            <a:extLst>
-              <a:ext uri="{FF2B5EF4-FFF2-40B4-BE49-F238E27FC236}">
-                <a16:creationId xmlns:a16="http://schemas.microsoft.com/office/drawing/2014/main" id="{5EC8475E-34F1-7577-2BC9-DA9F3C50CDCA}"/>
-              </a:ext>
-            </a:extLst>
-          </p:cNvPr>
-          <p:cNvSpPr>
-            <a:spLocks noGrp="1"/>
-          </p:cNvSpPr>
-          <p:nvPr>
-            <p:ph idx="1"/>
-          </p:nvPr>
-        </p:nvSpPr>
-        <p:spPr/>
-        <p:txBody>
-          <a:bodyPr/>
-          <a:lstStyle/>
-          <a:p>
-            <a:r>
-              <a:rPr lang="de-DE" dirty="0"/>
-              <a:t>Mehr auf Verbindungen zwischen den Klassen konzentrieren</a:t>
-            </a:r>
-          </a:p>
-          <a:p>
-            <a:r>
-              <a:rPr lang="de-DE" dirty="0"/>
-              <a:t>Interfaces nur kurz anschneiden und eher zusammenfassen</a:t>
-            </a:r>
-          </a:p>
-          <a:p>
-            <a:r>
-              <a:rPr lang="de-DE" dirty="0"/>
-              <a:t>Auf Kernattribute konzentrieren, den Rest eher übergehen</a:t>
-            </a:r>
+      <p:pic>
+        <p:nvPicPr>
+          <p:cNvPr id="5" name="Grafik 4">
+            <a:extLst>
+              <a:ext uri="{FF2B5EF4-FFF2-40B4-BE49-F238E27FC236}">
+                <a16:creationId xmlns:a16="http://schemas.microsoft.com/office/drawing/2014/main" id="{4665824F-215A-9A2B-65EC-7021D57BA223}"/>
+              </a:ext>
+            </a:extLst>
+          </p:cNvPr>
+          <p:cNvPicPr>
+            <a:picLocks noChangeAspect="1"/>
+          </p:cNvPicPr>
+          <p:nvPr/>
+        </p:nvPicPr>
+        <p:blipFill>
+          <a:blip r:embed="rId3">
+            <a:extLst>
+              <a:ext uri="{28A0092B-C50C-407E-A947-70E740481C1C}">
+                <a14:useLocalDpi xmlns:a14="http://schemas.microsoft.com/office/drawing/2010/main" val="0"/>
+              </a:ext>
+            </a:extLst>
+          </a:blip>
+          <a:stretch>
+            <a:fillRect/>
+          </a:stretch>
+        </p:blipFill>
+        <p:spPr>
+          <a:xfrm>
+            <a:off x="320466" y="920629"/>
+            <a:ext cx="11551068" cy="5937371"/>
+          </a:xfrm>
+          <a:prstGeom prst="rect">
+            <a:avLst/>
+          </a:prstGeom>
+        </p:spPr>
+      </p:pic>
+      <p:sp>
+        <p:nvSpPr>
+          <p:cNvPr id="6" name="Foliennummernplatzhalter 5">
+            <a:extLst>
+              <a:ext uri="{FF2B5EF4-FFF2-40B4-BE49-F238E27FC236}">
+                <a16:creationId xmlns:a16="http://schemas.microsoft.com/office/drawing/2014/main" id="{6D1142BC-46B6-F36D-74A1-E576C7B5D186}"/>
+              </a:ext>
+            </a:extLst>
+          </p:cNvPr>
+          <p:cNvSpPr>
+            <a:spLocks noGrp="1"/>
+          </p:cNvSpPr>
+          <p:nvPr>
+            <p:ph type="sldNum" sz="quarter" idx="12"/>
+          </p:nvPr>
+        </p:nvSpPr>
+        <p:spPr/>
+        <p:txBody>
+          <a:bodyPr/>
+          <a:lstStyle/>
+          <a:p>
+            <a:fld id="{17763344-6091-41A8-BB2A-E8CC2B42C4DA}" type="slidenum">
+              <a:rPr lang="de-DE" smtClean="0"/>
+              <a:t>5</a:t>
+            </a:fld>
+            <a:endParaRPr lang="de-DE"/>
           </a:p>
         </p:txBody>
       </p:sp>
@@ -3833,7 +6385,7 @@
           <p:cNvPr id="2" name="Titel 1">
             <a:extLst>
               <a:ext uri="{FF2B5EF4-FFF2-40B4-BE49-F238E27FC236}">
-                <a16:creationId xmlns:a16="http://schemas.microsoft.com/office/drawing/2014/main" id="{7A6125A1-6216-F4C7-A350-020CFE63C870}"/>
+                <a16:creationId xmlns:a16="http://schemas.microsoft.com/office/drawing/2014/main" id="{A04FEEBE-CC1F-3A33-1983-0FECA5F3B2AD}"/>
               </a:ext>
             </a:extLst>
           </p:cNvPr>
@@ -3844,62 +6396,92 @@
             <p:ph type="title"/>
           </p:nvPr>
         </p:nvSpPr>
-        <p:spPr/>
+        <p:spPr>
+          <a:xfrm>
+            <a:off x="838200" y="0"/>
+            <a:ext cx="10515600" cy="1325563"/>
+          </a:xfrm>
+        </p:spPr>
         <p:txBody>
           <a:bodyPr/>
           <a:lstStyle/>
           <a:p>
             <a:r>
               <a:rPr lang="de-DE" dirty="0"/>
-              <a:t>Use Case Model</a:t>
-            </a:r>
-          </a:p>
-        </p:txBody>
-      </p:sp>
-      <p:sp>
-        <p:nvSpPr>
-          <p:cNvPr id="3" name="Inhaltsplatzhalter 2">
-            <a:extLst>
-              <a:ext uri="{FF2B5EF4-FFF2-40B4-BE49-F238E27FC236}">
-                <a16:creationId xmlns:a16="http://schemas.microsoft.com/office/drawing/2014/main" id="{15A2FD07-D573-3020-C647-30E01821AB41}"/>
-              </a:ext>
-            </a:extLst>
-          </p:cNvPr>
-          <p:cNvSpPr>
-            <a:spLocks noGrp="1"/>
-          </p:cNvSpPr>
-          <p:nvPr>
-            <p:ph idx="1"/>
-          </p:nvPr>
-        </p:nvSpPr>
-        <p:spPr/>
-        <p:txBody>
-          <a:bodyPr/>
-          <a:lstStyle/>
-          <a:p>
-            <a:r>
-              <a:rPr lang="de-DE" dirty="0"/>
-              <a:t>Erklären, warum wir welche Use Cases gewählt haben</a:t>
-            </a:r>
-          </a:p>
-          <a:p>
-            <a:r>
-              <a:rPr lang="de-DE" dirty="0"/>
-              <a:t>Was fällt unter welchen Use Case (wie sind die Trigger &amp; Nachbedingungen)</a:t>
-            </a:r>
-          </a:p>
-          <a:p>
-            <a:r>
-              <a:rPr lang="de-DE" dirty="0"/>
-              <a:t>1-2 Beschreibungen zeigen, wenn relevant</a:t>
-            </a:r>
+              <a:t>Entity Model</a:t>
+            </a:r>
+          </a:p>
+        </p:txBody>
+      </p:sp>
+      <p:pic>
+        <p:nvPicPr>
+          <p:cNvPr id="4" name="Grafik 3">
+            <a:extLst>
+              <a:ext uri="{FF2B5EF4-FFF2-40B4-BE49-F238E27FC236}">
+                <a16:creationId xmlns:a16="http://schemas.microsoft.com/office/drawing/2014/main" id="{01049EDC-F435-7F99-9231-B19F173874D0}"/>
+              </a:ext>
+            </a:extLst>
+          </p:cNvPr>
+          <p:cNvPicPr>
+            <a:picLocks noChangeAspect="1"/>
+          </p:cNvPicPr>
+          <p:nvPr/>
+        </p:nvPicPr>
+        <p:blipFill>
+          <a:blip r:embed="rId3">
+            <a:extLst>
+              <a:ext uri="{28A0092B-C50C-407E-A947-70E740481C1C}">
+                <a14:useLocalDpi xmlns:a14="http://schemas.microsoft.com/office/drawing/2010/main" val="0"/>
+              </a:ext>
+            </a:extLst>
+          </a:blip>
+          <a:stretch>
+            <a:fillRect/>
+          </a:stretch>
+        </p:blipFill>
+        <p:spPr>
+          <a:xfrm>
+            <a:off x="838200" y="914182"/>
+            <a:ext cx="10572791" cy="5943818"/>
+          </a:xfrm>
+          <a:prstGeom prst="rect">
+            <a:avLst/>
+          </a:prstGeom>
+        </p:spPr>
+      </p:pic>
+      <p:sp>
+        <p:nvSpPr>
+          <p:cNvPr id="5" name="Foliennummernplatzhalter 4">
+            <a:extLst>
+              <a:ext uri="{FF2B5EF4-FFF2-40B4-BE49-F238E27FC236}">
+                <a16:creationId xmlns:a16="http://schemas.microsoft.com/office/drawing/2014/main" id="{C8708261-2F96-135D-66D8-57CD403E848F}"/>
+              </a:ext>
+            </a:extLst>
+          </p:cNvPr>
+          <p:cNvSpPr>
+            <a:spLocks noGrp="1"/>
+          </p:cNvSpPr>
+          <p:nvPr>
+            <p:ph type="sldNum" sz="quarter" idx="12"/>
+          </p:nvPr>
+        </p:nvSpPr>
+        <p:spPr/>
+        <p:txBody>
+          <a:bodyPr/>
+          <a:lstStyle/>
+          <a:p>
+            <a:fld id="{17763344-6091-41A8-BB2A-E8CC2B42C4DA}" type="slidenum">
+              <a:rPr lang="de-DE" smtClean="0"/>
+              <a:t>6</a:t>
+            </a:fld>
+            <a:endParaRPr lang="de-DE"/>
           </a:p>
         </p:txBody>
       </p:sp>
     </p:spTree>
     <p:extLst>
       <p:ext uri="{BB962C8B-B14F-4D97-AF65-F5344CB8AC3E}">
-        <p14:creationId xmlns:p14="http://schemas.microsoft.com/office/powerpoint/2010/main" val="3275222951"/>
+        <p14:creationId xmlns:p14="http://schemas.microsoft.com/office/powerpoint/2010/main" val="2816454797"/>
       </p:ext>
     </p:extLst>
   </p:cSld>
@@ -3931,7 +6513,7 @@
           <p:cNvPr id="2" name="Titel 1">
             <a:extLst>
               <a:ext uri="{FF2B5EF4-FFF2-40B4-BE49-F238E27FC236}">
-                <a16:creationId xmlns:a16="http://schemas.microsoft.com/office/drawing/2014/main" id="{A065F379-520E-DF79-DE2E-8F5A3A032C09}"/>
+                <a16:creationId xmlns:a16="http://schemas.microsoft.com/office/drawing/2014/main" id="{7A6125A1-6216-F4C7-A350-020CFE63C870}"/>
               </a:ext>
             </a:extLst>
           </p:cNvPr>
@@ -3942,54 +6524,92 @@
             <p:ph type="title"/>
           </p:nvPr>
         </p:nvSpPr>
-        <p:spPr/>
-        <p:txBody>
-          <a:bodyPr/>
-          <a:lstStyle/>
-          <a:p>
-            <a:r>
-              <a:rPr lang="de-DE" dirty="0" err="1"/>
-              <a:t>Activity</a:t>
-            </a:r>
+        <p:spPr>
+          <a:xfrm>
+            <a:off x="838200" y="0"/>
+            <a:ext cx="10515600" cy="1325563"/>
+          </a:xfrm>
+        </p:spPr>
+        <p:txBody>
+          <a:bodyPr/>
+          <a:lstStyle/>
+          <a:p>
             <a:r>
               <a:rPr lang="de-DE" dirty="0"/>
-              <a:t> Models</a:t>
-            </a:r>
-          </a:p>
-        </p:txBody>
-      </p:sp>
-      <p:sp>
-        <p:nvSpPr>
-          <p:cNvPr id="3" name="Inhaltsplatzhalter 2">
-            <a:extLst>
-              <a:ext uri="{FF2B5EF4-FFF2-40B4-BE49-F238E27FC236}">
-                <a16:creationId xmlns:a16="http://schemas.microsoft.com/office/drawing/2014/main" id="{F9D6EB01-2967-DF1E-003B-F56054B3E1C7}"/>
-              </a:ext>
-            </a:extLst>
-          </p:cNvPr>
-          <p:cNvSpPr>
-            <a:spLocks noGrp="1"/>
-          </p:cNvSpPr>
-          <p:nvPr>
-            <p:ph idx="1"/>
-          </p:nvPr>
-        </p:nvSpPr>
-        <p:spPr/>
-        <p:txBody>
-          <a:bodyPr/>
-          <a:lstStyle/>
-          <a:p>
-            <a:r>
-              <a:rPr lang="de-DE" dirty="0"/>
-              <a:t>Beispielhaft 1-2 Aktivitätsdiagramme zeigen (die wichtigsten) und erläutern</a:t>
-            </a:r>
+              <a:t>Use Case Model</a:t>
+            </a:r>
+          </a:p>
+        </p:txBody>
+      </p:sp>
+      <p:pic>
+        <p:nvPicPr>
+          <p:cNvPr id="5" name="Grafik 4">
+            <a:extLst>
+              <a:ext uri="{FF2B5EF4-FFF2-40B4-BE49-F238E27FC236}">
+                <a16:creationId xmlns:a16="http://schemas.microsoft.com/office/drawing/2014/main" id="{E37E37C4-5E00-3233-DE37-51A7A40CC6FC}"/>
+              </a:ext>
+            </a:extLst>
+          </p:cNvPr>
+          <p:cNvPicPr>
+            <a:picLocks noChangeAspect="1"/>
+          </p:cNvPicPr>
+          <p:nvPr/>
+        </p:nvPicPr>
+        <p:blipFill>
+          <a:blip r:embed="rId3">
+            <a:extLst>
+              <a:ext uri="{28A0092B-C50C-407E-A947-70E740481C1C}">
+                <a14:useLocalDpi xmlns:a14="http://schemas.microsoft.com/office/drawing/2010/main" val="0"/>
+              </a:ext>
+            </a:extLst>
+          </a:blip>
+          <a:stretch>
+            <a:fillRect/>
+          </a:stretch>
+        </p:blipFill>
+        <p:spPr>
+          <a:xfrm>
+            <a:off x="1026507" y="499872"/>
+            <a:ext cx="11165493" cy="6358128"/>
+          </a:xfrm>
+          <a:prstGeom prst="rect">
+            <a:avLst/>
+          </a:prstGeom>
+        </p:spPr>
+      </p:pic>
+      <p:sp>
+        <p:nvSpPr>
+          <p:cNvPr id="6" name="Foliennummernplatzhalter 5">
+            <a:extLst>
+              <a:ext uri="{FF2B5EF4-FFF2-40B4-BE49-F238E27FC236}">
+                <a16:creationId xmlns:a16="http://schemas.microsoft.com/office/drawing/2014/main" id="{C8B8F073-ADE4-3E68-DD20-9F180F1E78DC}"/>
+              </a:ext>
+            </a:extLst>
+          </p:cNvPr>
+          <p:cNvSpPr>
+            <a:spLocks noGrp="1"/>
+          </p:cNvSpPr>
+          <p:nvPr>
+            <p:ph type="sldNum" sz="quarter" idx="12"/>
+          </p:nvPr>
+        </p:nvSpPr>
+        <p:spPr/>
+        <p:txBody>
+          <a:bodyPr/>
+          <a:lstStyle/>
+          <a:p>
+            <a:fld id="{17763344-6091-41A8-BB2A-E8CC2B42C4DA}" type="slidenum">
+              <a:rPr lang="de-DE" smtClean="0"/>
+              <a:t>7</a:t>
+            </a:fld>
+            <a:endParaRPr lang="de-DE"/>
           </a:p>
         </p:txBody>
       </p:sp>
     </p:spTree>
     <p:extLst>
       <p:ext uri="{BB962C8B-B14F-4D97-AF65-F5344CB8AC3E}">
-        <p14:creationId xmlns:p14="http://schemas.microsoft.com/office/powerpoint/2010/main" val="2226962797"/>
+        <p14:creationId xmlns:p14="http://schemas.microsoft.com/office/powerpoint/2010/main" val="3275222951"/>
       </p:ext>
     </p:extLst>
   </p:cSld>
@@ -4021,7 +6641,7 @@
           <p:cNvPr id="2" name="Titel 1">
             <a:extLst>
               <a:ext uri="{FF2B5EF4-FFF2-40B4-BE49-F238E27FC236}">
-                <a16:creationId xmlns:a16="http://schemas.microsoft.com/office/drawing/2014/main" id="{F6DF6C58-7F47-1A50-190C-D85EA43159BE}"/>
+                <a16:creationId xmlns:a16="http://schemas.microsoft.com/office/drawing/2014/main" id="{A065F379-520E-DF79-DE2E-8F5A3A032C09}"/>
               </a:ext>
             </a:extLst>
           </p:cNvPr>
@@ -4032,61 +6652,228 @@
             <p:ph type="title"/>
           </p:nvPr>
         </p:nvSpPr>
-        <p:spPr/>
-        <p:txBody>
-          <a:bodyPr/>
-          <a:lstStyle/>
-          <a:p>
+        <p:spPr>
+          <a:xfrm>
+            <a:off x="838200" y="0"/>
+            <a:ext cx="10515600" cy="1325563"/>
+          </a:xfrm>
+        </p:spPr>
+        <p:txBody>
+          <a:bodyPr/>
+          <a:lstStyle/>
+          <a:p>
+            <a:r>
+              <a:rPr lang="de-DE" dirty="0" err="1"/>
+              <a:t>Activity</a:t>
+            </a:r>
             <a:r>
               <a:rPr lang="de-DE" dirty="0"/>
-              <a:t>State </a:t>
-            </a:r>
-            <a:r>
-              <a:rPr lang="de-DE" dirty="0" err="1"/>
-              <a:t>Diagrams</a:t>
-            </a:r>
-            <a:endParaRPr lang="de-DE" dirty="0"/>
-          </a:p>
-        </p:txBody>
-      </p:sp>
-      <p:sp>
-        <p:nvSpPr>
-          <p:cNvPr id="3" name="Inhaltsplatzhalter 2">
-            <a:extLst>
-              <a:ext uri="{FF2B5EF4-FFF2-40B4-BE49-F238E27FC236}">
-                <a16:creationId xmlns:a16="http://schemas.microsoft.com/office/drawing/2014/main" id="{D4D2E95C-CCED-0928-2320-71D6F4BBAB12}"/>
-              </a:ext>
-            </a:extLst>
-          </p:cNvPr>
-          <p:cNvSpPr>
-            <a:spLocks noGrp="1"/>
-          </p:cNvSpPr>
-          <p:nvPr>
-            <p:ph idx="1"/>
-          </p:nvPr>
-        </p:nvSpPr>
-        <p:spPr/>
-        <p:txBody>
-          <a:bodyPr/>
-          <a:lstStyle/>
-          <a:p>
-            <a:r>
-              <a:rPr lang="de-DE" dirty="0"/>
-              <a:t>Sagen, dass es nur ein Überblickswert ist, da Projekt nur kurz</a:t>
-            </a:r>
-          </a:p>
-          <a:p>
-            <a:r>
-              <a:rPr lang="de-DE" dirty="0"/>
-              <a:t>Kurz Diagramm erläutern</a:t>
-            </a:r>
+              <a:t> Models</a:t>
+            </a:r>
+          </a:p>
+        </p:txBody>
+      </p:sp>
+      <p:pic>
+        <p:nvPicPr>
+          <p:cNvPr id="5" name="Grafik 4">
+            <a:extLst>
+              <a:ext uri="{FF2B5EF4-FFF2-40B4-BE49-F238E27FC236}">
+                <a16:creationId xmlns:a16="http://schemas.microsoft.com/office/drawing/2014/main" id="{DD74F784-3357-EDAF-A654-A7DCDDE5ACCD}"/>
+              </a:ext>
+            </a:extLst>
+          </p:cNvPr>
+          <p:cNvPicPr>
+            <a:picLocks noChangeAspect="1"/>
+          </p:cNvPicPr>
+          <p:nvPr/>
+        </p:nvPicPr>
+        <p:blipFill>
+          <a:blip r:embed="rId3">
+            <a:extLst>
+              <a:ext uri="{28A0092B-C50C-407E-A947-70E740481C1C}">
+                <a14:useLocalDpi xmlns:a14="http://schemas.microsoft.com/office/drawing/2010/main" val="0"/>
+              </a:ext>
+            </a:extLst>
+          </a:blip>
+          <a:stretch>
+            <a:fillRect/>
+          </a:stretch>
+        </p:blipFill>
+        <p:spPr>
+          <a:xfrm>
+            <a:off x="3056371" y="0"/>
+            <a:ext cx="8745485" cy="6853187"/>
+          </a:xfrm>
+          <a:prstGeom prst="rect">
+            <a:avLst/>
+          </a:prstGeom>
+        </p:spPr>
+      </p:pic>
+      <p:sp>
+        <p:nvSpPr>
+          <p:cNvPr id="6" name="Foliennummernplatzhalter 5">
+            <a:extLst>
+              <a:ext uri="{FF2B5EF4-FFF2-40B4-BE49-F238E27FC236}">
+                <a16:creationId xmlns:a16="http://schemas.microsoft.com/office/drawing/2014/main" id="{859CFC7E-6857-CFA8-A656-4EBD2FDFF8E0}"/>
+              </a:ext>
+            </a:extLst>
+          </p:cNvPr>
+          <p:cNvSpPr>
+            <a:spLocks noGrp="1"/>
+          </p:cNvSpPr>
+          <p:nvPr>
+            <p:ph type="sldNum" sz="quarter" idx="12"/>
+          </p:nvPr>
+        </p:nvSpPr>
+        <p:spPr/>
+        <p:txBody>
+          <a:bodyPr/>
+          <a:lstStyle/>
+          <a:p>
+            <a:fld id="{17763344-6091-41A8-BB2A-E8CC2B42C4DA}" type="slidenum">
+              <a:rPr lang="de-DE" smtClean="0"/>
+              <a:t>8</a:t>
+            </a:fld>
+            <a:endParaRPr lang="de-DE"/>
           </a:p>
         </p:txBody>
       </p:sp>
     </p:spTree>
     <p:extLst>
       <p:ext uri="{BB962C8B-B14F-4D97-AF65-F5344CB8AC3E}">
-        <p14:creationId xmlns:p14="http://schemas.microsoft.com/office/powerpoint/2010/main" val="3499539889"/>
+        <p14:creationId xmlns:p14="http://schemas.microsoft.com/office/powerpoint/2010/main" val="2226962797"/>
+      </p:ext>
+    </p:extLst>
+  </p:cSld>
+  <p:clrMapOvr>
+    <a:masterClrMapping/>
+  </p:clrMapOvr>
+</p:sld>
+</file>
+
+<file path=ppt/slides/slide9.xml><?xml version="1.0" encoding="utf-8"?>
+<p:sld xmlns:a="http://schemas.openxmlformats.org/drawingml/2006/main" xmlns:r="http://schemas.openxmlformats.org/officeDocument/2006/relationships" xmlns:p="http://schemas.openxmlformats.org/presentationml/2006/main">
+  <p:cSld>
+    <p:spTree>
+      <p:nvGrpSpPr>
+        <p:cNvPr id="1" name=""/>
+        <p:cNvGrpSpPr/>
+        <p:nvPr/>
+      </p:nvGrpSpPr>
+      <p:grpSpPr>
+        <a:xfrm>
+          <a:off x="0" y="0"/>
+          <a:ext cx="0" cy="0"/>
+          <a:chOff x="0" y="0"/>
+          <a:chExt cx="0" cy="0"/>
+        </a:xfrm>
+      </p:grpSpPr>
+      <p:sp>
+        <p:nvSpPr>
+          <p:cNvPr id="2" name="Titel 1">
+            <a:extLst>
+              <a:ext uri="{FF2B5EF4-FFF2-40B4-BE49-F238E27FC236}">
+                <a16:creationId xmlns:a16="http://schemas.microsoft.com/office/drawing/2014/main" id="{A065F379-520E-DF79-DE2E-8F5A3A032C09}"/>
+              </a:ext>
+            </a:extLst>
+          </p:cNvPr>
+          <p:cNvSpPr>
+            <a:spLocks noGrp="1"/>
+          </p:cNvSpPr>
+          <p:nvPr>
+            <p:ph type="title"/>
+          </p:nvPr>
+        </p:nvSpPr>
+        <p:spPr>
+          <a:xfrm>
+            <a:off x="838200" y="0"/>
+            <a:ext cx="10515600" cy="1325563"/>
+          </a:xfrm>
+        </p:spPr>
+        <p:txBody>
+          <a:bodyPr/>
+          <a:lstStyle/>
+          <a:p>
+            <a:r>
+              <a:rPr lang="de-DE" dirty="0" err="1"/>
+              <a:t>Activity</a:t>
+            </a:r>
+            <a:r>
+              <a:rPr lang="de-DE" dirty="0"/>
+              <a:t> Models</a:t>
+            </a:r>
+          </a:p>
+        </p:txBody>
+      </p:sp>
+      <p:pic>
+        <p:nvPicPr>
+          <p:cNvPr id="4" name="Grafik 3">
+            <a:extLst>
+              <a:ext uri="{FF2B5EF4-FFF2-40B4-BE49-F238E27FC236}">
+                <a16:creationId xmlns:a16="http://schemas.microsoft.com/office/drawing/2014/main" id="{DB2E1381-54E6-E190-168C-F7978D4A2869}"/>
+              </a:ext>
+            </a:extLst>
+          </p:cNvPr>
+          <p:cNvPicPr>
+            <a:picLocks noChangeAspect="1"/>
+          </p:cNvPicPr>
+          <p:nvPr/>
+        </p:nvPicPr>
+        <p:blipFill>
+          <a:blip r:embed="rId3">
+            <a:extLst>
+              <a:ext uri="{28A0092B-C50C-407E-A947-70E740481C1C}">
+                <a14:useLocalDpi xmlns:a14="http://schemas.microsoft.com/office/drawing/2010/main" val="0"/>
+              </a:ext>
+            </a:extLst>
+          </a:blip>
+          <a:stretch>
+            <a:fillRect/>
+          </a:stretch>
+        </p:blipFill>
+        <p:spPr>
+          <a:xfrm>
+            <a:off x="438911" y="707137"/>
+            <a:ext cx="11612831" cy="6150864"/>
+          </a:xfrm>
+          <a:prstGeom prst="rect">
+            <a:avLst/>
+          </a:prstGeom>
+        </p:spPr>
+      </p:pic>
+      <p:sp>
+        <p:nvSpPr>
+          <p:cNvPr id="5" name="Foliennummernplatzhalter 4">
+            <a:extLst>
+              <a:ext uri="{FF2B5EF4-FFF2-40B4-BE49-F238E27FC236}">
+                <a16:creationId xmlns:a16="http://schemas.microsoft.com/office/drawing/2014/main" id="{AA811C2A-DD99-6425-9EB9-8B9629D7657C}"/>
+              </a:ext>
+            </a:extLst>
+          </p:cNvPr>
+          <p:cNvSpPr>
+            <a:spLocks noGrp="1"/>
+          </p:cNvSpPr>
+          <p:nvPr>
+            <p:ph type="sldNum" sz="quarter" idx="12"/>
+          </p:nvPr>
+        </p:nvSpPr>
+        <p:spPr/>
+        <p:txBody>
+          <a:bodyPr/>
+          <a:lstStyle/>
+          <a:p>
+            <a:fld id="{17763344-6091-41A8-BB2A-E8CC2B42C4DA}" type="slidenum">
+              <a:rPr lang="de-DE" smtClean="0"/>
+              <a:t>9</a:t>
+            </a:fld>
+            <a:endParaRPr lang="de-DE"/>
+          </a:p>
+        </p:txBody>
+      </p:sp>
+    </p:spTree>
+    <p:extLst>
+      <p:ext uri="{BB962C8B-B14F-4D97-AF65-F5344CB8AC3E}">
+        <p14:creationId xmlns:p14="http://schemas.microsoft.com/office/powerpoint/2010/main" val="3657801471"/>
       </p:ext>
     </p:extLst>
   </p:cSld>
@@ -4389,4 +7176,319 @@
     </a:ext>
   </a:extLst>
 </a:theme>
+</file>
+
+<file path=ppt/theme/theme2.xml><?xml version="1.0" encoding="utf-8"?>
+<a:theme xmlns:a="http://schemas.openxmlformats.org/drawingml/2006/main" name="Office">
+  <a:themeElements>
+    <a:clrScheme name="Office">
+      <a:dk1>
+        <a:sysClr val="windowText" lastClr="000000"/>
+      </a:dk1>
+      <a:lt1>
+        <a:sysClr val="window" lastClr="FFFFFF"/>
+      </a:lt1>
+      <a:dk2>
+        <a:srgbClr val="0E2841"/>
+      </a:dk2>
+      <a:lt2>
+        <a:srgbClr val="E8E8E8"/>
+      </a:lt2>
+      <a:accent1>
+        <a:srgbClr val="156082"/>
+      </a:accent1>
+      <a:accent2>
+        <a:srgbClr val="E97132"/>
+      </a:accent2>
+      <a:accent3>
+        <a:srgbClr val="196B24"/>
+      </a:accent3>
+      <a:accent4>
+        <a:srgbClr val="0F9ED5"/>
+      </a:accent4>
+      <a:accent5>
+        <a:srgbClr val="A02B93"/>
+      </a:accent5>
+      <a:accent6>
+        <a:srgbClr val="4EA72E"/>
+      </a:accent6>
+      <a:hlink>
+        <a:srgbClr val="467886"/>
+      </a:hlink>
+      <a:folHlink>
+        <a:srgbClr val="96607D"/>
+      </a:folHlink>
+    </a:clrScheme>
+    <a:fontScheme name="Office">
+      <a:majorFont>
+        <a:latin typeface="Aptos Display" panose="02110004020202020204"/>
+        <a:ea typeface=""/>
+        <a:cs typeface=""/>
+        <a:font script="Jpan" typeface="游ゴシック Light"/>
+        <a:font script="Hang" typeface="맑은 고딕"/>
+        <a:font script="Hans" typeface="等线 Light"/>
+        <a:font script="Hant" typeface="新細明體"/>
+        <a:font script="Arab" typeface="Times New Roman"/>
+        <a:font script="Hebr" typeface="Times New Roman"/>
+        <a:font script="Thai" typeface="Angsana New"/>
+        <a:font script="Ethi" typeface="Nyala"/>
+        <a:font script="Beng" typeface="Vrinda"/>
+        <a:font script="Gujr" typeface="Shruti"/>
+        <a:font script="Khmr" typeface="MoolBoran"/>
+        <a:font script="Knda" typeface="Tunga"/>
+        <a:font script="Guru" typeface="Raavi"/>
+        <a:font script="Cans" typeface="Euphemia"/>
+        <a:font script="Cher" typeface="Plantagenet Cherokee"/>
+        <a:font script="Yiii" typeface="Microsoft Yi Baiti"/>
+        <a:font script="Tibt" typeface="Microsoft Himalaya"/>
+        <a:font script="Thaa" typeface="MV Boli"/>
+        <a:font script="Deva" typeface="Mangal"/>
+        <a:font script="Telu" typeface="Gautami"/>
+        <a:font script="Taml" typeface="Latha"/>
+        <a:font script="Syrc" typeface="Estrangelo Edessa"/>
+        <a:font script="Orya" typeface="Kalinga"/>
+        <a:font script="Mlym" typeface="Kartika"/>
+        <a:font script="Laoo" typeface="DokChampa"/>
+        <a:font script="Sinh" typeface="Iskoola Pota"/>
+        <a:font script="Mong" typeface="Mongolian Baiti"/>
+        <a:font script="Viet" typeface="Times New Roman"/>
+        <a:font script="Uigh" typeface="Microsoft Uighur"/>
+        <a:font script="Geor" typeface="Sylfaen"/>
+        <a:font script="Armn" typeface="Arial"/>
+        <a:font script="Bugi" typeface="Leelawadee UI"/>
+        <a:font script="Bopo" typeface="Microsoft JhengHei"/>
+        <a:font script="Java" typeface="Javanese Text"/>
+        <a:font script="Lisu" typeface="Segoe UI"/>
+        <a:font script="Mymr" typeface="Myanmar Text"/>
+        <a:font script="Nkoo" typeface="Ebrima"/>
+        <a:font script="Olck" typeface="Nirmala UI"/>
+        <a:font script="Osma" typeface="Ebrima"/>
+        <a:font script="Phag" typeface="Phagspa"/>
+        <a:font script="Syrn" typeface="Estrangelo Edessa"/>
+        <a:font script="Syrj" typeface="Estrangelo Edessa"/>
+        <a:font script="Syre" typeface="Estrangelo Edessa"/>
+        <a:font script="Sora" typeface="Nirmala UI"/>
+        <a:font script="Tale" typeface="Microsoft Tai Le"/>
+        <a:font script="Talu" typeface="Microsoft New Tai Lue"/>
+        <a:font script="Tfng" typeface="Ebrima"/>
+      </a:majorFont>
+      <a:minorFont>
+        <a:latin typeface="Aptos" panose="02110004020202020204"/>
+        <a:ea typeface=""/>
+        <a:cs typeface=""/>
+        <a:font script="Jpan" typeface="游ゴシック"/>
+        <a:font script="Hang" typeface="맑은 고딕"/>
+        <a:font script="Hans" typeface="等线"/>
+        <a:font script="Hant" typeface="新細明體"/>
+        <a:font script="Arab" typeface="Arial"/>
+        <a:font script="Hebr" typeface="Arial"/>
+        <a:font script="Thai" typeface="Cordia New"/>
+        <a:font script="Ethi" typeface="Nyala"/>
+        <a:font script="Beng" typeface="Vrinda"/>
+        <a:font script="Gujr" typeface="Shruti"/>
+        <a:font script="Khmr" typeface="DaunPenh"/>
+        <a:font script="Knda" typeface="Tunga"/>
+        <a:font script="Guru" typeface="Raavi"/>
+        <a:font script="Cans" typeface="Euphemia"/>
+        <a:font script="Cher" typeface="Plantagenet Cherokee"/>
+        <a:font script="Yiii" typeface="Microsoft Yi Baiti"/>
+        <a:font script="Tibt" typeface="Microsoft Himalaya"/>
+        <a:font script="Thaa" typeface="MV Boli"/>
+        <a:font script="Deva" typeface="Mangal"/>
+        <a:font script="Telu" typeface="Gautami"/>
+        <a:font script="Taml" typeface="Latha"/>
+        <a:font script="Syrc" typeface="Estrangelo Edessa"/>
+        <a:font script="Orya" typeface="Kalinga"/>
+        <a:font script="Mlym" typeface="Kartika"/>
+        <a:font script="Laoo" typeface="DokChampa"/>
+        <a:font script="Sinh" typeface="Iskoola Pota"/>
+        <a:font script="Mong" typeface="Mongolian Baiti"/>
+        <a:font script="Viet" typeface="Arial"/>
+        <a:font script="Uigh" typeface="Microsoft Uighur"/>
+        <a:font script="Geor" typeface="Sylfaen"/>
+        <a:font script="Armn" typeface="Arial"/>
+        <a:font script="Bugi" typeface="Leelawadee UI"/>
+        <a:font script="Bopo" typeface="Microsoft JhengHei"/>
+        <a:font script="Java" typeface="Javanese Text"/>
+        <a:font script="Lisu" typeface="Segoe UI"/>
+        <a:font script="Mymr" typeface="Myanmar Text"/>
+        <a:font script="Nkoo" typeface="Ebrima"/>
+        <a:font script="Olck" typeface="Nirmala UI"/>
+        <a:font script="Osma" typeface="Ebrima"/>
+        <a:font script="Phag" typeface="Phagspa"/>
+        <a:font script="Syrn" typeface="Estrangelo Edessa"/>
+        <a:font script="Syrj" typeface="Estrangelo Edessa"/>
+        <a:font script="Syre" typeface="Estrangelo Edessa"/>
+        <a:font script="Sora" typeface="Nirmala UI"/>
+        <a:font script="Tale" typeface="Microsoft Tai Le"/>
+        <a:font script="Talu" typeface="Microsoft New Tai Lue"/>
+        <a:font script="Tfng" typeface="Ebrima"/>
+      </a:minorFont>
+    </a:fontScheme>
+    <a:fmtScheme name="Office">
+      <a:fillStyleLst>
+        <a:solidFill>
+          <a:schemeClr val="phClr"/>
+        </a:solidFill>
+        <a:gradFill rotWithShape="1">
+          <a:gsLst>
+            <a:gs pos="0">
+              <a:schemeClr val="phClr">
+                <a:lumMod val="110000"/>
+                <a:satMod val="105000"/>
+                <a:tint val="67000"/>
+              </a:schemeClr>
+            </a:gs>
+            <a:gs pos="50000">
+              <a:schemeClr val="phClr">
+                <a:lumMod val="105000"/>
+                <a:satMod val="103000"/>
+                <a:tint val="73000"/>
+              </a:schemeClr>
+            </a:gs>
+            <a:gs pos="100000">
+              <a:schemeClr val="phClr">
+                <a:lumMod val="105000"/>
+                <a:satMod val="109000"/>
+                <a:tint val="81000"/>
+              </a:schemeClr>
+            </a:gs>
+          </a:gsLst>
+          <a:lin ang="5400000" scaled="0"/>
+        </a:gradFill>
+        <a:gradFill rotWithShape="1">
+          <a:gsLst>
+            <a:gs pos="0">
+              <a:schemeClr val="phClr">
+                <a:satMod val="103000"/>
+                <a:lumMod val="102000"/>
+                <a:tint val="94000"/>
+              </a:schemeClr>
+            </a:gs>
+            <a:gs pos="50000">
+              <a:schemeClr val="phClr">
+                <a:satMod val="110000"/>
+                <a:lumMod val="100000"/>
+                <a:shade val="100000"/>
+              </a:schemeClr>
+            </a:gs>
+            <a:gs pos="100000">
+              <a:schemeClr val="phClr">
+                <a:lumMod val="99000"/>
+                <a:satMod val="120000"/>
+                <a:shade val="78000"/>
+              </a:schemeClr>
+            </a:gs>
+          </a:gsLst>
+          <a:lin ang="5400000" scaled="0"/>
+        </a:gradFill>
+      </a:fillStyleLst>
+      <a:lnStyleLst>
+        <a:ln w="12700" cap="flat" cmpd="sng" algn="ctr">
+          <a:solidFill>
+            <a:schemeClr val="phClr"/>
+          </a:solidFill>
+          <a:prstDash val="solid"/>
+          <a:miter lim="800000"/>
+        </a:ln>
+        <a:ln w="19050" cap="flat" cmpd="sng" algn="ctr">
+          <a:solidFill>
+            <a:schemeClr val="phClr"/>
+          </a:solidFill>
+          <a:prstDash val="solid"/>
+          <a:miter lim="800000"/>
+        </a:ln>
+        <a:ln w="25400" cap="flat" cmpd="sng" algn="ctr">
+          <a:solidFill>
+            <a:schemeClr val="phClr"/>
+          </a:solidFill>
+          <a:prstDash val="solid"/>
+          <a:miter lim="800000"/>
+        </a:ln>
+      </a:lnStyleLst>
+      <a:effectStyleLst>
+        <a:effectStyle>
+          <a:effectLst/>
+        </a:effectStyle>
+        <a:effectStyle>
+          <a:effectLst/>
+        </a:effectStyle>
+        <a:effectStyle>
+          <a:effectLst>
+            <a:outerShdw blurRad="57150" dist="19050" dir="5400000" algn="ctr" rotWithShape="0">
+              <a:srgbClr val="000000">
+                <a:alpha val="63000"/>
+              </a:srgbClr>
+            </a:outerShdw>
+          </a:effectLst>
+        </a:effectStyle>
+      </a:effectStyleLst>
+      <a:bgFillStyleLst>
+        <a:solidFill>
+          <a:schemeClr val="phClr"/>
+        </a:solidFill>
+        <a:solidFill>
+          <a:schemeClr val="phClr">
+            <a:tint val="95000"/>
+            <a:satMod val="170000"/>
+          </a:schemeClr>
+        </a:solidFill>
+        <a:gradFill rotWithShape="1">
+          <a:gsLst>
+            <a:gs pos="0">
+              <a:schemeClr val="phClr">
+                <a:tint val="93000"/>
+                <a:satMod val="150000"/>
+                <a:shade val="98000"/>
+                <a:lumMod val="102000"/>
+              </a:schemeClr>
+            </a:gs>
+            <a:gs pos="50000">
+              <a:schemeClr val="phClr">
+                <a:tint val="98000"/>
+                <a:satMod val="130000"/>
+                <a:shade val="90000"/>
+                <a:lumMod val="103000"/>
+              </a:schemeClr>
+            </a:gs>
+            <a:gs pos="100000">
+              <a:schemeClr val="phClr">
+                <a:shade val="63000"/>
+                <a:satMod val="120000"/>
+              </a:schemeClr>
+            </a:gs>
+          </a:gsLst>
+          <a:lin ang="5400000" scaled="0"/>
+        </a:gradFill>
+      </a:bgFillStyleLst>
+    </a:fmtScheme>
+  </a:themeElements>
+  <a:objectDefaults>
+    <a:lnDef>
+      <a:spPr/>
+      <a:bodyPr/>
+      <a:lstStyle/>
+      <a:style>
+        <a:lnRef idx="2">
+          <a:schemeClr val="accent1"/>
+        </a:lnRef>
+        <a:fillRef idx="0">
+          <a:schemeClr val="accent1"/>
+        </a:fillRef>
+        <a:effectRef idx="1">
+          <a:schemeClr val="accent1"/>
+        </a:effectRef>
+        <a:fontRef idx="minor">
+          <a:schemeClr val="tx1"/>
+        </a:fontRef>
+      </a:style>
+    </a:lnDef>
+  </a:objectDefaults>
+  <a:extraClrSchemeLst/>
+  <a:extLst>
+    <a:ext uri="{05A4C25C-085E-4340-85A3-A5531E510DB2}">
+      <thm15:themeFamily xmlns:thm15="http://schemas.microsoft.com/office/thememl/2012/main" name="Office Theme" id="{2E142A2C-CD16-42D6-873A-C26D2A0506FA}" vid="{1BDDFF52-6CD6-40A5-AB3C-68EB2F1E4D0A}"/>
+    </a:ext>
+  </a:extLst>
+</a:theme>
 </file>
--- a/assets/presentation/presentation.pptx
+++ b/assets/presentation/presentation.pptx
@@ -139,12 +139,12 @@
   <pc:docChgLst>
     <pc:chgData name="Nils Meierhöfer (nmeierho)" userId="8796c043-9576-4413-95f7-9c31543d4240" providerId="ADAL" clId="{623C7595-0807-4756-B009-0666EFF873C9}"/>
     <pc:docChg chg="undo custSel addSld delSld modSld">
-      <pc:chgData name="Nils Meierhöfer (nmeierho)" userId="8796c043-9576-4413-95f7-9c31543d4240" providerId="ADAL" clId="{623C7595-0807-4756-B009-0666EFF873C9}" dt="2024-07-01T13:29:06.067" v="1955" actId="20577"/>
+      <pc:chgData name="Nils Meierhöfer (nmeierho)" userId="8796c043-9576-4413-95f7-9c31543d4240" providerId="ADAL" clId="{623C7595-0807-4756-B009-0666EFF873C9}" dt="2024-07-01T13:44:00.793" v="2033" actId="20577"/>
       <pc:docMkLst>
         <pc:docMk/>
       </pc:docMkLst>
-      <pc:sldChg chg="modSp mod">
-        <pc:chgData name="Nils Meierhöfer (nmeierho)" userId="8796c043-9576-4413-95f7-9c31543d4240" providerId="ADAL" clId="{623C7595-0807-4756-B009-0666EFF873C9}" dt="2024-07-01T13:22:27.345" v="1618" actId="20577"/>
+      <pc:sldChg chg="modSp mod modNotesTx">
+        <pc:chgData name="Nils Meierhöfer (nmeierho)" userId="8796c043-9576-4413-95f7-9c31543d4240" providerId="ADAL" clId="{623C7595-0807-4756-B009-0666EFF873C9}" dt="2024-07-01T13:43:19.444" v="1989" actId="5793"/>
         <pc:sldMkLst>
           <pc:docMk/>
           <pc:sldMk cId="2289889591" sldId="256"/>
@@ -166,8 +166,8 @@
           </ac:spMkLst>
         </pc:spChg>
       </pc:sldChg>
-      <pc:sldChg chg="modSp mod">
-        <pc:chgData name="Nils Meierhöfer (nmeierho)" userId="8796c043-9576-4413-95f7-9c31543d4240" providerId="ADAL" clId="{623C7595-0807-4756-B009-0666EFF873C9}" dt="2024-07-01T12:41:47.085" v="591" actId="20577"/>
+      <pc:sldChg chg="modSp mod modNotesTx">
+        <pc:chgData name="Nils Meierhöfer (nmeierho)" userId="8796c043-9576-4413-95f7-9c31543d4240" providerId="ADAL" clId="{623C7595-0807-4756-B009-0666EFF873C9}" dt="2024-07-01T13:43:25.617" v="1996" actId="20577"/>
         <pc:sldMkLst>
           <pc:docMk/>
           <pc:sldMk cId="2581391981" sldId="257"/>
@@ -190,7 +190,7 @@
         </pc:spChg>
       </pc:sldChg>
       <pc:sldChg chg="addSp delSp modSp mod modNotesTx">
-        <pc:chgData name="Nils Meierhöfer (nmeierho)" userId="8796c043-9576-4413-95f7-9c31543d4240" providerId="ADAL" clId="{623C7595-0807-4756-B009-0666EFF873C9}" dt="2024-07-01T13:23:20.387" v="1686" actId="20577"/>
+        <pc:chgData name="Nils Meierhöfer (nmeierho)" userId="8796c043-9576-4413-95f7-9c31543d4240" providerId="ADAL" clId="{623C7595-0807-4756-B009-0666EFF873C9}" dt="2024-07-01T13:43:36.496" v="2003" actId="20577"/>
         <pc:sldMkLst>
           <pc:docMk/>
           <pc:sldMk cId="3222620226" sldId="258"/>
@@ -221,7 +221,7 @@
         </pc:picChg>
       </pc:sldChg>
       <pc:sldChg chg="addSp delSp modSp mod modNotesTx">
-        <pc:chgData name="Nils Meierhöfer (nmeierho)" userId="8796c043-9576-4413-95f7-9c31543d4240" providerId="ADAL" clId="{623C7595-0807-4756-B009-0666EFF873C9}" dt="2024-07-01T13:24:22.610" v="1842" actId="20577"/>
+        <pc:chgData name="Nils Meierhöfer (nmeierho)" userId="8796c043-9576-4413-95f7-9c31543d4240" providerId="ADAL" clId="{623C7595-0807-4756-B009-0666EFF873C9}" dt="2024-07-01T13:43:41.832" v="2009" actId="20577"/>
         <pc:sldMkLst>
           <pc:docMk/>
           <pc:sldMk cId="2140110804" sldId="259"/>
@@ -260,7 +260,7 @@
         </pc:picChg>
       </pc:sldChg>
       <pc:sldChg chg="addSp delSp modSp mod modNotesTx">
-        <pc:chgData name="Nils Meierhöfer (nmeierho)" userId="8796c043-9576-4413-95f7-9c31543d4240" providerId="ADAL" clId="{623C7595-0807-4756-B009-0666EFF873C9}" dt="2024-07-01T13:24:56.763" v="1843" actId="20577"/>
+        <pc:chgData name="Nils Meierhöfer (nmeierho)" userId="8796c043-9576-4413-95f7-9c31543d4240" providerId="ADAL" clId="{623C7595-0807-4756-B009-0666EFF873C9}" dt="2024-07-01T13:43:54.605" v="2027" actId="20577"/>
         <pc:sldMkLst>
           <pc:docMk/>
           <pc:sldMk cId="1246732819" sldId="260"/>
@@ -291,7 +291,7 @@
         </pc:picChg>
       </pc:sldChg>
       <pc:sldChg chg="addSp delSp modSp mod modNotesTx">
-        <pc:chgData name="Nils Meierhöfer (nmeierho)" userId="8796c043-9576-4413-95f7-9c31543d4240" providerId="ADAL" clId="{623C7595-0807-4756-B009-0666EFF873C9}" dt="2024-07-01T12:11:20.654" v="167" actId="1076"/>
+        <pc:chgData name="Nils Meierhöfer (nmeierho)" userId="8796c043-9576-4413-95f7-9c31543d4240" providerId="ADAL" clId="{623C7595-0807-4756-B009-0666EFF873C9}" dt="2024-07-01T13:43:49.087" v="2016" actId="20577"/>
         <pc:sldMkLst>
           <pc:docMk/>
           <pc:sldMk cId="3275222951" sldId="261"/>
@@ -322,7 +322,7 @@
         </pc:picChg>
       </pc:sldChg>
       <pc:sldChg chg="addSp delSp modSp mod modNotesTx">
-        <pc:chgData name="Nils Meierhöfer (nmeierho)" userId="8796c043-9576-4413-95f7-9c31543d4240" providerId="ADAL" clId="{623C7595-0807-4756-B009-0666EFF873C9}" dt="2024-07-01T12:16:36.293" v="200" actId="1076"/>
+        <pc:chgData name="Nils Meierhöfer (nmeierho)" userId="8796c043-9576-4413-95f7-9c31543d4240" providerId="ADAL" clId="{623C7595-0807-4756-B009-0666EFF873C9}" dt="2024-07-01T13:42:09.868" v="1969" actId="20577"/>
         <pc:sldMkLst>
           <pc:docMk/>
           <pc:sldMk cId="2226962797" sldId="262"/>
@@ -353,7 +353,7 @@
         </pc:picChg>
       </pc:sldChg>
       <pc:sldChg chg="addSp delSp modSp mod modNotesTx">
-        <pc:chgData name="Nils Meierhöfer (nmeierho)" userId="8796c043-9576-4413-95f7-9c31543d4240" providerId="ADAL" clId="{623C7595-0807-4756-B009-0666EFF873C9}" dt="2024-07-01T13:28:45.619" v="1953" actId="20577"/>
+        <pc:chgData name="Nils Meierhöfer (nmeierho)" userId="8796c043-9576-4413-95f7-9c31543d4240" providerId="ADAL" clId="{623C7595-0807-4756-B009-0666EFF873C9}" dt="2024-07-01T13:42:32.163" v="1980" actId="20577"/>
         <pc:sldMkLst>
           <pc:docMk/>
           <pc:sldMk cId="3499539889" sldId="263"/>
@@ -384,7 +384,7 @@
         </pc:picChg>
       </pc:sldChg>
       <pc:sldChg chg="addSp modSp add mod modNotesTx">
-        <pc:chgData name="Nils Meierhöfer (nmeierho)" userId="8796c043-9576-4413-95f7-9c31543d4240" providerId="ADAL" clId="{623C7595-0807-4756-B009-0666EFF873C9}" dt="2024-07-01T13:25:38.956" v="1846" actId="20577"/>
+        <pc:chgData name="Nils Meierhöfer (nmeierho)" userId="8796c043-9576-4413-95f7-9c31543d4240" providerId="ADAL" clId="{623C7595-0807-4756-B009-0666EFF873C9}" dt="2024-07-01T13:44:00.793" v="2033" actId="20577"/>
         <pc:sldMkLst>
           <pc:docMk/>
           <pc:sldMk cId="2816454797" sldId="264"/>
@@ -406,8 +406,8 @@
           </ac:picMkLst>
         </pc:picChg>
       </pc:sldChg>
-      <pc:sldChg chg="addSp modSp add mod">
-        <pc:chgData name="Nils Meierhöfer (nmeierho)" userId="8796c043-9576-4413-95f7-9c31543d4240" providerId="ADAL" clId="{623C7595-0807-4756-B009-0666EFF873C9}" dt="2024-07-01T12:17:17.451" v="206" actId="14100"/>
+      <pc:sldChg chg="addSp modSp add mod modNotesTx">
+        <pc:chgData name="Nils Meierhöfer (nmeierho)" userId="8796c043-9576-4413-95f7-9c31543d4240" providerId="ADAL" clId="{623C7595-0807-4756-B009-0666EFF873C9}" dt="2024-07-01T13:42:16.905" v="1975" actId="20577"/>
         <pc:sldMkLst>
           <pc:docMk/>
           <pc:sldMk cId="3657801471" sldId="265"/>
@@ -422,7 +422,7 @@
         </pc:picChg>
       </pc:sldChg>
       <pc:sldChg chg="addSp delSp modSp add mod modNotesTx">
-        <pc:chgData name="Nils Meierhöfer (nmeierho)" userId="8796c043-9576-4413-95f7-9c31543d4240" providerId="ADAL" clId="{623C7595-0807-4756-B009-0666EFF873C9}" dt="2024-07-01T13:11:57.186" v="1363" actId="20577"/>
+        <pc:chgData name="Nils Meierhöfer (nmeierho)" userId="8796c043-9576-4413-95f7-9c31543d4240" providerId="ADAL" clId="{623C7595-0807-4756-B009-0666EFF873C9}" dt="2024-07-01T13:42:02.211" v="1961" actId="20577"/>
         <pc:sldMkLst>
           <pc:docMk/>
           <pc:sldMk cId="2099768327" sldId="266"/>
@@ -888,26 +888,20 @@
           <a:bodyPr/>
           <a:lstStyle/>
           <a:p>
+            <a:pPr marL="171450" indent="-171450">
+              <a:buFontTx/>
+              <a:buChar char="-"/>
+            </a:pPr>
             <a:r>
               <a:rPr lang="de-DE" dirty="0"/>
-              <a:t>- Geänderte DIRs nennen (</a:t>
-            </a:r>
-            <a:r>
-              <a:rPr lang="de-DE" dirty="0" err="1"/>
-              <a:t>Conveyor</a:t>
-            </a:r>
-            <a:r>
-              <a:rPr lang="de-DE" dirty="0"/>
-              <a:t> Belt raus und Card Terminal zu einem zusammengefasst)</a:t>
-            </a:r>
-          </a:p>
-          <a:p>
-            <a:r>
-              <a:rPr lang="de-DE" dirty="0"/>
-              <a:t>- Sagen, dass wir uns die Verifikation Methods angeschaut haben, aber nichts geändert haben</a:t>
-            </a:r>
-          </a:p>
-          <a:p>
+              <a:t>Meike</a:t>
+            </a:r>
+          </a:p>
+          <a:p>
+            <a:pPr marL="171450" indent="-171450">
+              <a:buFontTx/>
+              <a:buChar char="-"/>
+            </a:pPr>
             <a:endParaRPr lang="de-DE" dirty="0"/>
           </a:p>
         </p:txBody>
@@ -929,7 +923,7 @@
           <a:p>
             <a:fld id="{3E370F1F-FFA2-420B-BEA9-9DB26E8F2123}" type="slidenum">
               <a:rPr lang="de-DE" smtClean="0"/>
-              <a:t>3</a:t>
+              <a:t>1</a:t>
             </a:fld>
             <a:endParaRPr lang="de-DE"/>
           </a:p>
@@ -938,7 +932,7 @@
     </p:spTree>
     <p:extLst>
       <p:ext uri="{BB962C8B-B14F-4D97-AF65-F5344CB8AC3E}">
-        <p14:creationId xmlns:p14="http://schemas.microsoft.com/office/powerpoint/2010/main" val="2056837496"/>
+        <p14:creationId xmlns:p14="http://schemas.microsoft.com/office/powerpoint/2010/main" val="2763178186"/>
       </p:ext>
     </p:extLst>
   </p:cSld>
@@ -949,6 +943,232 @@
 </file>
 
 <file path=ppt/notesSlides/notesSlide10.xml><?xml version="1.0" encoding="utf-8"?>
+<p:notes xmlns:a="http://schemas.openxmlformats.org/drawingml/2006/main" xmlns:r="http://schemas.openxmlformats.org/officeDocument/2006/relationships" xmlns:p="http://schemas.openxmlformats.org/presentationml/2006/main">
+  <p:cSld>
+    <p:spTree>
+      <p:nvGrpSpPr>
+        <p:cNvPr id="1" name=""/>
+        <p:cNvGrpSpPr/>
+        <p:nvPr/>
+      </p:nvGrpSpPr>
+      <p:grpSpPr>
+        <a:xfrm>
+          <a:off x="0" y="0"/>
+          <a:ext cx="0" cy="0"/>
+          <a:chOff x="0" y="0"/>
+          <a:chExt cx="0" cy="0"/>
+        </a:xfrm>
+      </p:grpSpPr>
+      <p:sp>
+        <p:nvSpPr>
+          <p:cNvPr id="2" name="Folienbildplatzhalter 1"/>
+          <p:cNvSpPr>
+            <a:spLocks noGrp="1" noRot="1" noChangeAspect="1"/>
+          </p:cNvSpPr>
+          <p:nvPr>
+            <p:ph type="sldImg"/>
+          </p:nvPr>
+        </p:nvSpPr>
+        <p:spPr/>
+      </p:sp>
+      <p:sp>
+        <p:nvSpPr>
+          <p:cNvPr id="3" name="Notizenplatzhalter 2"/>
+          <p:cNvSpPr>
+            <a:spLocks noGrp="1"/>
+          </p:cNvSpPr>
+          <p:nvPr>
+            <p:ph type="body" idx="1"/>
+          </p:nvPr>
+        </p:nvSpPr>
+        <p:spPr/>
+        <p:txBody>
+          <a:bodyPr/>
+          <a:lstStyle/>
+          <a:p>
+            <a:pPr marL="171450" indent="-171450">
+              <a:buFontTx/>
+              <a:buChar char="-"/>
+            </a:pPr>
+            <a:r>
+              <a:rPr lang="de-DE" dirty="0"/>
+              <a:t>Für Übersicht </a:t>
+            </a:r>
+            <a:r>
+              <a:rPr lang="de-DE" dirty="0" err="1"/>
+              <a:t>Errorstates</a:t>
+            </a:r>
+            <a:r>
+              <a:rPr lang="de-DE" dirty="0"/>
+              <a:t> ignoriert</a:t>
+            </a:r>
+          </a:p>
+          <a:p>
+            <a:pPr marL="171450" indent="-171450">
+              <a:buFontTx/>
+              <a:buChar char="-"/>
+            </a:pPr>
+            <a:r>
+              <a:rPr lang="de-DE" dirty="0"/>
+              <a:t>Grobe Übersicht, da noch am Anfang des Projektes</a:t>
+            </a:r>
+          </a:p>
+          <a:p>
+            <a:pPr marL="171450" indent="-171450">
+              <a:buFontTx/>
+              <a:buChar char="-"/>
+            </a:pPr>
+            <a:r>
+              <a:rPr lang="de-DE" dirty="0"/>
+              <a:t>Nils</a:t>
+            </a:r>
+          </a:p>
+          <a:p>
+            <a:endParaRPr lang="de-DE" dirty="0"/>
+          </a:p>
+        </p:txBody>
+      </p:sp>
+      <p:sp>
+        <p:nvSpPr>
+          <p:cNvPr id="4" name="Foliennummernplatzhalter 3"/>
+          <p:cNvSpPr>
+            <a:spLocks noGrp="1"/>
+          </p:cNvSpPr>
+          <p:nvPr>
+            <p:ph type="sldNum" sz="quarter" idx="5"/>
+          </p:nvPr>
+        </p:nvSpPr>
+        <p:spPr/>
+        <p:txBody>
+          <a:bodyPr/>
+          <a:lstStyle/>
+          <a:p>
+            <a:fld id="{3E370F1F-FFA2-420B-BEA9-9DB26E8F2123}" type="slidenum">
+              <a:rPr lang="de-DE" smtClean="0"/>
+              <a:t>10</a:t>
+            </a:fld>
+            <a:endParaRPr lang="de-DE"/>
+          </a:p>
+        </p:txBody>
+      </p:sp>
+    </p:spTree>
+    <p:extLst>
+      <p:ext uri="{BB962C8B-B14F-4D97-AF65-F5344CB8AC3E}">
+        <p14:creationId xmlns:p14="http://schemas.microsoft.com/office/powerpoint/2010/main" val="4135995226"/>
+      </p:ext>
+    </p:extLst>
+  </p:cSld>
+  <p:clrMapOvr>
+    <a:masterClrMapping/>
+  </p:clrMapOvr>
+</p:notes>
+</file>
+
+<file path=ppt/notesSlides/notesSlide11.xml><?xml version="1.0" encoding="utf-8"?>
+<p:notes xmlns:a="http://schemas.openxmlformats.org/drawingml/2006/main" xmlns:r="http://schemas.openxmlformats.org/officeDocument/2006/relationships" xmlns:p="http://schemas.openxmlformats.org/presentationml/2006/main">
+  <p:cSld>
+    <p:spTree>
+      <p:nvGrpSpPr>
+        <p:cNvPr id="1" name=""/>
+        <p:cNvGrpSpPr/>
+        <p:nvPr/>
+      </p:nvGrpSpPr>
+      <p:grpSpPr>
+        <a:xfrm>
+          <a:off x="0" y="0"/>
+          <a:ext cx="0" cy="0"/>
+          <a:chOff x="0" y="0"/>
+          <a:chExt cx="0" cy="0"/>
+        </a:xfrm>
+      </p:grpSpPr>
+      <p:sp>
+        <p:nvSpPr>
+          <p:cNvPr id="2" name="Folienbildplatzhalter 1"/>
+          <p:cNvSpPr>
+            <a:spLocks noGrp="1" noRot="1" noChangeAspect="1"/>
+          </p:cNvSpPr>
+          <p:nvPr>
+            <p:ph type="sldImg"/>
+          </p:nvPr>
+        </p:nvSpPr>
+        <p:spPr/>
+      </p:sp>
+      <p:sp>
+        <p:nvSpPr>
+          <p:cNvPr id="3" name="Notizenplatzhalter 2"/>
+          <p:cNvSpPr>
+            <a:spLocks noGrp="1"/>
+          </p:cNvSpPr>
+          <p:nvPr>
+            <p:ph type="body" idx="1"/>
+          </p:nvPr>
+        </p:nvSpPr>
+        <p:spPr/>
+        <p:txBody>
+          <a:bodyPr/>
+          <a:lstStyle/>
+          <a:p>
+            <a:pPr marL="0" marR="0" lvl="0" indent="0" algn="l" defTabSz="914400" rtl="0" eaLnBrk="1" fontAlgn="auto" latinLnBrk="0" hangingPunct="1">
+              <a:lnSpc>
+                <a:spcPct val="100000"/>
+              </a:lnSpc>
+              <a:spcBef>
+                <a:spcPts val="0"/>
+              </a:spcBef>
+              <a:spcAft>
+                <a:spcPts val="0"/>
+              </a:spcAft>
+              <a:buClrTx/>
+              <a:buSzTx/>
+              <a:buFontTx/>
+              <a:buNone/>
+              <a:tabLst/>
+              <a:defRPr/>
+            </a:pPr>
+            <a:r>
+              <a:rPr lang="de-DE" dirty="0"/>
+              <a:t>-Joshua</a:t>
+            </a:r>
+          </a:p>
+        </p:txBody>
+      </p:sp>
+      <p:sp>
+        <p:nvSpPr>
+          <p:cNvPr id="4" name="Foliennummernplatzhalter 3"/>
+          <p:cNvSpPr>
+            <a:spLocks noGrp="1"/>
+          </p:cNvSpPr>
+          <p:nvPr>
+            <p:ph type="sldNum" sz="quarter" idx="5"/>
+          </p:nvPr>
+        </p:nvSpPr>
+        <p:spPr/>
+        <p:txBody>
+          <a:bodyPr/>
+          <a:lstStyle/>
+          <a:p>
+            <a:fld id="{3E370F1F-FFA2-420B-BEA9-9DB26E8F2123}" type="slidenum">
+              <a:rPr lang="de-DE" smtClean="0"/>
+              <a:t>11</a:t>
+            </a:fld>
+            <a:endParaRPr lang="de-DE"/>
+          </a:p>
+        </p:txBody>
+      </p:sp>
+    </p:spTree>
+    <p:extLst>
+      <p:ext uri="{BB962C8B-B14F-4D97-AF65-F5344CB8AC3E}">
+        <p14:creationId xmlns:p14="http://schemas.microsoft.com/office/powerpoint/2010/main" val="726923806"/>
+      </p:ext>
+    </p:extLst>
+  </p:cSld>
+  <p:clrMapOvr>
+    <a:masterClrMapping/>
+  </p:clrMapOvr>
+</p:notes>
+</file>
+
+<file path=ppt/notesSlides/notesSlide12.xml><?xml version="1.0" encoding="utf-8"?>
 <p:notes xmlns:a="http://schemas.openxmlformats.org/drawingml/2006/main" xmlns:r="http://schemas.openxmlformats.org/officeDocument/2006/relationships" xmlns:p="http://schemas.openxmlformats.org/presentationml/2006/main">
   <p:cSld>
     <p:spTree>
@@ -1096,69 +1316,10 @@
           <a:bodyPr/>
           <a:lstStyle/>
           <a:p>
-            <a:pPr marL="171450" marR="0" lvl="0" indent="-171450" algn="l" defTabSz="914400" rtl="0" eaLnBrk="1" fontAlgn="auto" latinLnBrk="0" hangingPunct="1">
-              <a:lnSpc>
-                <a:spcPct val="100000"/>
-              </a:lnSpc>
-              <a:spcBef>
-                <a:spcPts val="0"/>
-              </a:spcBef>
-              <a:spcAft>
-                <a:spcPts val="0"/>
-              </a:spcAft>
-              <a:buClrTx/>
-              <a:buSzTx/>
-              <a:buFontTx/>
-              <a:buChar char="-"/>
-              <a:tabLst/>
-              <a:defRPr/>
-            </a:pPr>
             <a:r>
               <a:rPr lang="de-DE" dirty="0"/>
-              <a:t>Änderungen nennen </a:t>
-            </a:r>
-          </a:p>
-          <a:p>
-            <a:pPr marL="171450" marR="0" lvl="0" indent="-171450" algn="l" defTabSz="914400" rtl="0" eaLnBrk="1" fontAlgn="auto" latinLnBrk="0" hangingPunct="1">
-              <a:lnSpc>
-                <a:spcPct val="100000"/>
-              </a:lnSpc>
-              <a:spcBef>
-                <a:spcPts val="0"/>
-              </a:spcBef>
-              <a:spcAft>
-                <a:spcPts val="0"/>
-              </a:spcAft>
-              <a:buClrTx/>
-              <a:buSzTx/>
-              <a:buFontTx/>
-              <a:buChar char="-"/>
-              <a:tabLst/>
-              <a:defRPr/>
-            </a:pPr>
-            <a:r>
-              <a:rPr lang="de-DE" dirty="0"/>
-              <a:t>Bedeutet: nur noch ein Card Terminal, Cash </a:t>
-            </a:r>
-            <a:r>
-              <a:rPr lang="de-DE" dirty="0" err="1"/>
-              <a:t>Drawer</a:t>
-            </a:r>
-            <a:r>
-              <a:rPr lang="de-DE" dirty="0"/>
-              <a:t> hinzugefügt, </a:t>
-            </a:r>
-            <a:r>
-              <a:rPr lang="de-DE" dirty="0" err="1"/>
-              <a:t>Conveyor</a:t>
-            </a:r>
-            <a:r>
-              <a:rPr lang="de-DE" dirty="0"/>
-              <a:t> System von CRS abgekapselt</a:t>
-            </a:r>
-          </a:p>
-          <a:p>
-            <a:endParaRPr lang="de-DE" dirty="0"/>
+              <a:t>Meike</a:t>
+            </a:r>
           </a:p>
         </p:txBody>
       </p:sp>
@@ -1179,7 +1340,7 @@
           <a:p>
             <a:fld id="{3E370F1F-FFA2-420B-BEA9-9DB26E8F2123}" type="slidenum">
               <a:rPr lang="de-DE" smtClean="0"/>
-              <a:t>4</a:t>
+              <a:t>2</a:t>
             </a:fld>
             <a:endParaRPr lang="de-DE"/>
           </a:p>
@@ -1188,7 +1349,7 @@
     </p:spTree>
     <p:extLst>
       <p:ext uri="{BB962C8B-B14F-4D97-AF65-F5344CB8AC3E}">
-        <p14:creationId xmlns:p14="http://schemas.microsoft.com/office/powerpoint/2010/main" val="3760309019"/>
+        <p14:creationId xmlns:p14="http://schemas.microsoft.com/office/powerpoint/2010/main" val="1692340862"/>
       </p:ext>
     </p:extLst>
   </p:cSld>
@@ -1244,7 +1405,27 @@
           <a:p>
             <a:r>
               <a:rPr lang="de-DE" dirty="0"/>
-              <a:t>-</a:t>
+              <a:t>- Geänderte DIRs nennen (</a:t>
+            </a:r>
+            <a:r>
+              <a:rPr lang="de-DE" dirty="0" err="1"/>
+              <a:t>Conveyor</a:t>
+            </a:r>
+            <a:r>
+              <a:rPr lang="de-DE" dirty="0"/>
+              <a:t> Belt raus und Card Terminal zu einem zusammengefasst)</a:t>
+            </a:r>
+          </a:p>
+          <a:p>
+            <a:r>
+              <a:rPr lang="de-DE" dirty="0"/>
+              <a:t>- Sagen, dass wir uns die Verifikation Methods angeschaut haben, aber nichts geändert haben</a:t>
+            </a:r>
+          </a:p>
+          <a:p>
+            <a:r>
+              <a:rPr lang="de-DE" dirty="0"/>
+              <a:t>- Meike</a:t>
             </a:r>
           </a:p>
         </p:txBody>
@@ -1266,7 +1447,7 @@
           <a:p>
             <a:fld id="{3E370F1F-FFA2-420B-BEA9-9DB26E8F2123}" type="slidenum">
               <a:rPr lang="de-DE" smtClean="0"/>
-              <a:t>5</a:t>
+              <a:t>3</a:t>
             </a:fld>
             <a:endParaRPr lang="de-DE"/>
           </a:p>
@@ -1275,7 +1456,7 @@
     </p:spTree>
     <p:extLst>
       <p:ext uri="{BB962C8B-B14F-4D97-AF65-F5344CB8AC3E}">
-        <p14:creationId xmlns:p14="http://schemas.microsoft.com/office/powerpoint/2010/main" val="2098764829"/>
+        <p14:creationId xmlns:p14="http://schemas.microsoft.com/office/powerpoint/2010/main" val="2056837496"/>
       </p:ext>
     </p:extLst>
   </p:cSld>
@@ -1329,10 +1510,92 @@
           <a:bodyPr/>
           <a:lstStyle/>
           <a:p>
+            <a:pPr marL="171450" marR="0" lvl="0" indent="-171450" algn="l" defTabSz="914400" rtl="0" eaLnBrk="1" fontAlgn="auto" latinLnBrk="0" hangingPunct="1">
+              <a:lnSpc>
+                <a:spcPct val="100000"/>
+              </a:lnSpc>
+              <a:spcBef>
+                <a:spcPts val="0"/>
+              </a:spcBef>
+              <a:spcAft>
+                <a:spcPts val="0"/>
+              </a:spcAft>
+              <a:buClrTx/>
+              <a:buSzTx/>
+              <a:buFontTx/>
+              <a:buChar char="-"/>
+              <a:tabLst/>
+              <a:defRPr/>
+            </a:pPr>
             <a:r>
               <a:rPr lang="de-DE" dirty="0"/>
-              <a:t>- </a:t>
-            </a:r>
+              <a:t>Änderungen nennen </a:t>
+            </a:r>
+          </a:p>
+          <a:p>
+            <a:pPr marL="171450" marR="0" lvl="0" indent="-171450" algn="l" defTabSz="914400" rtl="0" eaLnBrk="1" fontAlgn="auto" latinLnBrk="0" hangingPunct="1">
+              <a:lnSpc>
+                <a:spcPct val="100000"/>
+              </a:lnSpc>
+              <a:spcBef>
+                <a:spcPts val="0"/>
+              </a:spcBef>
+              <a:spcAft>
+                <a:spcPts val="0"/>
+              </a:spcAft>
+              <a:buClrTx/>
+              <a:buSzTx/>
+              <a:buFontTx/>
+              <a:buChar char="-"/>
+              <a:tabLst/>
+              <a:defRPr/>
+            </a:pPr>
+            <a:r>
+              <a:rPr lang="de-DE" dirty="0"/>
+              <a:t>Bedeutet: nur noch ein Card Terminal, Cash </a:t>
+            </a:r>
+            <a:r>
+              <a:rPr lang="de-DE" dirty="0" err="1"/>
+              <a:t>Drawer</a:t>
+            </a:r>
+            <a:r>
+              <a:rPr lang="de-DE" dirty="0"/>
+              <a:t> hinzugefügt, </a:t>
+            </a:r>
+            <a:r>
+              <a:rPr lang="de-DE" dirty="0" err="1"/>
+              <a:t>Conveyor</a:t>
+            </a:r>
+            <a:r>
+              <a:rPr lang="de-DE" dirty="0"/>
+              <a:t> System von CRS abgekapselt</a:t>
+            </a:r>
+          </a:p>
+          <a:p>
+            <a:pPr marL="171450" marR="0" lvl="0" indent="-171450" algn="l" defTabSz="914400" rtl="0" eaLnBrk="1" fontAlgn="auto" latinLnBrk="0" hangingPunct="1">
+              <a:lnSpc>
+                <a:spcPct val="100000"/>
+              </a:lnSpc>
+              <a:spcBef>
+                <a:spcPts val="0"/>
+              </a:spcBef>
+              <a:spcAft>
+                <a:spcPts val="0"/>
+              </a:spcAft>
+              <a:buClrTx/>
+              <a:buSzTx/>
+              <a:buFontTx/>
+              <a:buChar char="-"/>
+              <a:tabLst/>
+              <a:defRPr/>
+            </a:pPr>
+            <a:r>
+              <a:rPr lang="de-DE" dirty="0"/>
+              <a:t>Meike</a:t>
+            </a:r>
+          </a:p>
+          <a:p>
+            <a:endParaRPr lang="de-DE" dirty="0"/>
           </a:p>
         </p:txBody>
       </p:sp>
@@ -1353,7 +1616,7 @@
           <a:p>
             <a:fld id="{3E370F1F-FFA2-420B-BEA9-9DB26E8F2123}" type="slidenum">
               <a:rPr lang="de-DE" smtClean="0"/>
-              <a:t>6</a:t>
+              <a:t>4</a:t>
             </a:fld>
             <a:endParaRPr lang="de-DE"/>
           </a:p>
@@ -1362,7 +1625,7 @@
     </p:spTree>
     <p:extLst>
       <p:ext uri="{BB962C8B-B14F-4D97-AF65-F5344CB8AC3E}">
-        <p14:creationId xmlns:p14="http://schemas.microsoft.com/office/powerpoint/2010/main" val="3794437986"/>
+        <p14:creationId xmlns:p14="http://schemas.microsoft.com/office/powerpoint/2010/main" val="3760309019"/>
       </p:ext>
     </p:extLst>
   </p:cSld>
@@ -1418,23 +1681,8 @@
           <a:p>
             <a:r>
               <a:rPr lang="de-DE" dirty="0"/>
-              <a:t>- Erklären, warum wir welche Use Cases gewählt haben</a:t>
-            </a:r>
-          </a:p>
-          <a:p>
-            <a:r>
-              <a:rPr lang="de-DE" dirty="0"/>
-              <a:t>- Was fällt unter welchen Use Case (wie sind die Trigger &amp; Nachbedingungen)</a:t>
-            </a:r>
-          </a:p>
-          <a:p>
-            <a:r>
-              <a:rPr lang="de-DE" dirty="0"/>
-              <a:t>- 1-2 Beschreibungen zeigen, wenn relevant</a:t>
-            </a:r>
-          </a:p>
-          <a:p>
-            <a:endParaRPr lang="de-DE" dirty="0"/>
+              <a:t>- Marius</a:t>
+            </a:r>
           </a:p>
         </p:txBody>
       </p:sp>
@@ -1455,7 +1703,7 @@
           <a:p>
             <a:fld id="{3E370F1F-FFA2-420B-BEA9-9DB26E8F2123}" type="slidenum">
               <a:rPr lang="de-DE" smtClean="0"/>
-              <a:t>7</a:t>
+              <a:t>5</a:t>
             </a:fld>
             <a:endParaRPr lang="de-DE"/>
           </a:p>
@@ -1464,7 +1712,7 @@
     </p:spTree>
     <p:extLst>
       <p:ext uri="{BB962C8B-B14F-4D97-AF65-F5344CB8AC3E}">
-        <p14:creationId xmlns:p14="http://schemas.microsoft.com/office/powerpoint/2010/main" val="2547820355"/>
+        <p14:creationId xmlns:p14="http://schemas.microsoft.com/office/powerpoint/2010/main" val="2098764829"/>
       </p:ext>
     </p:extLst>
   </p:cSld>
@@ -1518,29 +1766,10 @@
           <a:bodyPr/>
           <a:lstStyle/>
           <a:p>
-            <a:pPr marL="0" marR="0" lvl="0" indent="0" algn="l" defTabSz="914400" rtl="0" eaLnBrk="1" fontAlgn="auto" latinLnBrk="0" hangingPunct="1">
-              <a:lnSpc>
-                <a:spcPct val="100000"/>
-              </a:lnSpc>
-              <a:spcBef>
-                <a:spcPts val="0"/>
-              </a:spcBef>
-              <a:spcAft>
-                <a:spcPts val="0"/>
-              </a:spcAft>
-              <a:buClrTx/>
-              <a:buSzTx/>
-              <a:buFontTx/>
-              <a:buNone/>
-              <a:tabLst/>
-              <a:defRPr/>
-            </a:pPr>
-            <a:r>
-              <a:rPr lang="de-DE" dirty="0"/>
-              <a:t>- Beispielhaft 1-2 Aktivitätsdiagramme zeigen (die wichtigsten) und erläutern</a:t>
-            </a:r>
-          </a:p>
-          <a:p>
+            <a:r>
+              <a:rPr lang="de-DE"/>
+              <a:t>- Marius</a:t>
+            </a:r>
             <a:endParaRPr lang="de-DE" dirty="0"/>
           </a:p>
         </p:txBody>
@@ -1562,7 +1791,7 @@
           <a:p>
             <a:fld id="{3E370F1F-FFA2-420B-BEA9-9DB26E8F2123}" type="slidenum">
               <a:rPr lang="de-DE" smtClean="0"/>
-              <a:t>8</a:t>
+              <a:t>6</a:t>
             </a:fld>
             <a:endParaRPr lang="de-DE"/>
           </a:p>
@@ -1571,7 +1800,7 @@
     </p:spTree>
     <p:extLst>
       <p:ext uri="{BB962C8B-B14F-4D97-AF65-F5344CB8AC3E}">
-        <p14:creationId xmlns:p14="http://schemas.microsoft.com/office/powerpoint/2010/main" val="578831754"/>
+        <p14:creationId xmlns:p14="http://schemas.microsoft.com/office/powerpoint/2010/main" val="3794437986"/>
       </p:ext>
     </p:extLst>
   </p:cSld>
@@ -1625,30 +1854,28 @@
           <a:bodyPr/>
           <a:lstStyle/>
           <a:p>
-            <a:pPr marL="0" marR="0" lvl="0" indent="0" algn="l" defTabSz="914400" rtl="0" eaLnBrk="1" fontAlgn="auto" latinLnBrk="0" hangingPunct="1">
-              <a:lnSpc>
-                <a:spcPct val="100000"/>
-              </a:lnSpc>
-              <a:spcBef>
-                <a:spcPts val="0"/>
-              </a:spcBef>
-              <a:spcAft>
-                <a:spcPts val="0"/>
-              </a:spcAft>
-              <a:buClrTx/>
-              <a:buSzTx/>
-              <a:buFontTx/>
-              <a:buNone/>
-              <a:tabLst/>
-              <a:defRPr/>
-            </a:pPr>
             <a:r>
               <a:rPr lang="de-DE" dirty="0"/>
-              <a:t>- Beispielhaft 1-2 Aktivitätsdiagramme zeigen (die wichtigsten) und erläutern</a:t>
-            </a:r>
-          </a:p>
-          <a:p>
-            <a:endParaRPr lang="de-DE" dirty="0"/>
+              <a:t>- Erklären, warum wir welche Use Cases gewählt haben</a:t>
+            </a:r>
+          </a:p>
+          <a:p>
+            <a:r>
+              <a:rPr lang="de-DE" dirty="0"/>
+              <a:t>- Was fällt unter welchen Use Case (wie sind die Trigger &amp; Nachbedingungen)</a:t>
+            </a:r>
+          </a:p>
+          <a:p>
+            <a:r>
+              <a:rPr lang="de-DE" dirty="0"/>
+              <a:t>- 1-2 Beschreibungen zeigen, wenn relevant</a:t>
+            </a:r>
+          </a:p>
+          <a:p>
+            <a:r>
+              <a:rPr lang="de-DE" dirty="0"/>
+              <a:t>- Meike</a:t>
+            </a:r>
           </a:p>
         </p:txBody>
       </p:sp>
@@ -1669,7 +1896,7 @@
           <a:p>
             <a:fld id="{3E370F1F-FFA2-420B-BEA9-9DB26E8F2123}" type="slidenum">
               <a:rPr lang="de-DE" smtClean="0"/>
-              <a:t>9</a:t>
+              <a:t>7</a:t>
             </a:fld>
             <a:endParaRPr lang="de-DE"/>
           </a:p>
@@ -1678,7 +1905,7 @@
     </p:spTree>
     <p:extLst>
       <p:ext uri="{BB962C8B-B14F-4D97-AF65-F5344CB8AC3E}">
-        <p14:creationId xmlns:p14="http://schemas.microsoft.com/office/powerpoint/2010/main" val="104770586"/>
+        <p14:creationId xmlns:p14="http://schemas.microsoft.com/office/powerpoint/2010/main" val="2547820355"/>
       </p:ext>
     </p:extLst>
   </p:cSld>
@@ -1732,35 +1959,33 @@
           <a:bodyPr/>
           <a:lstStyle/>
           <a:p>
-            <a:pPr marL="171450" indent="-171450">
+            <a:pPr marL="0" marR="0" lvl="0" indent="0" algn="l" defTabSz="914400" rtl="0" eaLnBrk="1" fontAlgn="auto" latinLnBrk="0" hangingPunct="1">
+              <a:lnSpc>
+                <a:spcPct val="100000"/>
+              </a:lnSpc>
+              <a:spcBef>
+                <a:spcPts val="0"/>
+              </a:spcBef>
+              <a:spcAft>
+                <a:spcPts val="0"/>
+              </a:spcAft>
+              <a:buClrTx/>
+              <a:buSzTx/>
               <a:buFontTx/>
-              <a:buChar char="-"/>
+              <a:buNone/>
+              <a:tabLst/>
+              <a:defRPr/>
             </a:pPr>
             <a:r>
               <a:rPr lang="de-DE" dirty="0"/>
-              <a:t>Für Übersicht </a:t>
-            </a:r>
-            <a:r>
-              <a:rPr lang="de-DE" dirty="0" err="1"/>
-              <a:t>Errorstates</a:t>
-            </a:r>
+              <a:t>- Beispielhaft 1-2 Aktivitätsdiagramme zeigen (die wichtigsten) und erläutern</a:t>
+            </a:r>
+          </a:p>
+          <a:p>
             <a:r>
               <a:rPr lang="de-DE" dirty="0"/>
-              <a:t> ignoriert</a:t>
-            </a:r>
-          </a:p>
-          <a:p>
-            <a:pPr marL="171450" indent="-171450">
-              <a:buFontTx/>
-              <a:buChar char="-"/>
-            </a:pPr>
-            <a:r>
-              <a:rPr lang="de-DE" dirty="0"/>
-              <a:t>Grobe Übersicht, da noch am Anfang des Projektes</a:t>
-            </a:r>
-          </a:p>
-          <a:p>
-            <a:endParaRPr lang="de-DE" dirty="0"/>
+              <a:t>- Joshua</a:t>
+            </a:r>
           </a:p>
         </p:txBody>
       </p:sp>
@@ -1781,7 +2006,7 @@
           <a:p>
             <a:fld id="{3E370F1F-FFA2-420B-BEA9-9DB26E8F2123}" type="slidenum">
               <a:rPr lang="de-DE" smtClean="0"/>
-              <a:t>10</a:t>
+              <a:t>8</a:t>
             </a:fld>
             <a:endParaRPr lang="de-DE"/>
           </a:p>
@@ -1790,7 +2015,7 @@
     </p:spTree>
     <p:extLst>
       <p:ext uri="{BB962C8B-B14F-4D97-AF65-F5344CB8AC3E}">
-        <p14:creationId xmlns:p14="http://schemas.microsoft.com/office/powerpoint/2010/main" val="4135995226"/>
+        <p14:creationId xmlns:p14="http://schemas.microsoft.com/office/powerpoint/2010/main" val="578831754"/>
       </p:ext>
     </p:extLst>
   </p:cSld>
@@ -1863,7 +2088,13 @@
             </a:pPr>
             <a:r>
               <a:rPr lang="de-DE" dirty="0"/>
-              <a:t>-</a:t>
+              <a:t>- Beispielhaft 1-2 Aktivitätsdiagramme zeigen (die wichtigsten) und erläutern</a:t>
+            </a:r>
+          </a:p>
+          <a:p>
+            <a:r>
+              <a:rPr lang="de-DE" dirty="0"/>
+              <a:t>- Nils</a:t>
             </a:r>
           </a:p>
         </p:txBody>
@@ -1885,7 +2116,7 @@
           <a:p>
             <a:fld id="{3E370F1F-FFA2-420B-BEA9-9DB26E8F2123}" type="slidenum">
               <a:rPr lang="de-DE" smtClean="0"/>
-              <a:t>11</a:t>
+              <a:t>9</a:t>
             </a:fld>
             <a:endParaRPr lang="de-DE"/>
           </a:p>
@@ -1894,7 +2125,7 @@
     </p:spTree>
     <p:extLst>
       <p:ext uri="{BB962C8B-B14F-4D97-AF65-F5344CB8AC3E}">
-        <p14:creationId xmlns:p14="http://schemas.microsoft.com/office/powerpoint/2010/main" val="726923806"/>
+        <p14:creationId xmlns:p14="http://schemas.microsoft.com/office/powerpoint/2010/main" val="104770586"/>
       </p:ext>
     </p:extLst>
   </p:cSld>
